--- a/slides/3_SortingLB_LinearSorting/figures.pptx
+++ b/slides/3_SortingLB_LinearSorting/figures.pptx
@@ -8,6 +8,8 @@
     <p:sldId id="256" r:id="rId2"/>
     <p:sldId id="258" r:id="rId3"/>
     <p:sldId id="257" r:id="rId4"/>
+    <p:sldId id="259" r:id="rId5"/>
+    <p:sldId id="260" r:id="rId6"/>
   </p:sldIdLst>
   <p:sldSz cx="10080625" cy="7559675"/>
   <p:notesSz cx="7772400" cy="10058400"/>
@@ -4556,6 +4558,5358 @@
 </p:sld>
 </file>
 
+<file path=ppt/slides/slide4.xml><?xml version="1.0" encoding="utf-8"?>
+<p:sld xmlns:a="http://schemas.openxmlformats.org/drawingml/2006/main" xmlns:r="http://schemas.openxmlformats.org/officeDocument/2006/relationships" xmlns:p="http://schemas.openxmlformats.org/presentationml/2006/main">
+  <p:cSld>
+    <p:spTree>
+      <p:nvGrpSpPr>
+        <p:cNvPr id="1" name=""/>
+        <p:cNvGrpSpPr/>
+        <p:nvPr/>
+      </p:nvGrpSpPr>
+      <p:grpSpPr>
+        <a:xfrm>
+          <a:off x="0" y="0"/>
+          <a:ext cx="0" cy="0"/>
+          <a:chOff x="0" y="0"/>
+          <a:chExt cx="0" cy="0"/>
+        </a:xfrm>
+      </p:grpSpPr>
+      <p:graphicFrame>
+        <p:nvGraphicFramePr>
+          <p:cNvPr id="2" name="Table 1"/>
+          <p:cNvGraphicFramePr>
+            <a:graphicFrameLocks noGrp="1"/>
+          </p:cNvGraphicFramePr>
+          <p:nvPr>
+            <p:extLst>
+              <p:ext uri="{D42A27DB-BD31-4B8C-83A1-F6EECF244321}">
+                <p14:modId xmlns:p14="http://schemas.microsoft.com/office/powerpoint/2010/main" val="426439291"/>
+              </p:ext>
+            </p:extLst>
+          </p:nvPr>
+        </p:nvGraphicFramePr>
+        <p:xfrm>
+          <a:off x="765704" y="1539698"/>
+          <a:ext cx="946718" cy="2926080"/>
+        </p:xfrm>
+        <a:graphic>
+          <a:graphicData uri="http://schemas.openxmlformats.org/drawingml/2006/table">
+            <a:tbl>
+              <a:tblPr>
+                <a:tableStyleId>{5C22544A-7EE6-4342-B048-85BDC9FD1C3A}</a:tableStyleId>
+              </a:tblPr>
+              <a:tblGrid>
+                <a:gridCol w="497831"/>
+                <a:gridCol w="448887"/>
+              </a:tblGrid>
+              <a:tr h="370840">
+                <a:tc>
+                  <a:txBody>
+                    <a:bodyPr/>
+                    <a:lstStyle/>
+                    <a:p>
+                      <a:r>
+                        <a:rPr lang="en-US" sz="4200" dirty="0" smtClean="0"/>
+                        <a:t>2</a:t>
+                      </a:r>
+                      <a:endParaRPr lang="en-US" sz="4200" dirty="0"/>
+                    </a:p>
+                  </a:txBody>
+                  <a:tcPr>
+                    <a:lnL w="12700" cap="flat" cmpd="sng" algn="ctr">
+                      <a:solidFill>
+                        <a:schemeClr val="tx1"/>
+                      </a:solidFill>
+                      <a:prstDash val="solid"/>
+                      <a:round/>
+                      <a:headEnd type="none" w="med" len="med"/>
+                      <a:tailEnd type="none" w="med" len="med"/>
+                    </a:lnL>
+                    <a:lnR w="12700" cap="flat" cmpd="sng" algn="ctr">
+                      <a:solidFill>
+                        <a:schemeClr val="tx1"/>
+                      </a:solidFill>
+                      <a:prstDash val="solid"/>
+                      <a:round/>
+                      <a:headEnd type="none" w="med" len="med"/>
+                      <a:tailEnd type="none" w="med" len="med"/>
+                    </a:lnR>
+                    <a:lnT w="12700" cap="flat" cmpd="sng" algn="ctr">
+                      <a:solidFill>
+                        <a:schemeClr val="tx1"/>
+                      </a:solidFill>
+                      <a:prstDash val="solid"/>
+                      <a:round/>
+                      <a:headEnd type="none" w="med" len="med"/>
+                      <a:tailEnd type="none" w="med" len="med"/>
+                    </a:lnT>
+                    <a:lnB w="12700" cap="flat" cmpd="sng" algn="ctr">
+                      <a:solidFill>
+                        <a:schemeClr val="tx1"/>
+                      </a:solidFill>
+                      <a:prstDash val="solid"/>
+                      <a:round/>
+                      <a:headEnd type="none" w="med" len="med"/>
+                      <a:tailEnd type="none" w="med" len="med"/>
+                    </a:lnB>
+                    <a:solidFill>
+                      <a:schemeClr val="bg1"/>
+                    </a:solidFill>
+                  </a:tcPr>
+                </a:tc>
+                <a:tc>
+                  <a:txBody>
+                    <a:bodyPr/>
+                    <a:lstStyle/>
+                    <a:p>
+                      <a:r>
+                        <a:rPr lang="en-US" sz="4200" dirty="0" smtClean="0"/>
+                        <a:t>2</a:t>
+                      </a:r>
+                      <a:endParaRPr lang="en-US" sz="4200" dirty="0"/>
+                    </a:p>
+                  </a:txBody>
+                  <a:tcPr>
+                    <a:lnL w="12700" cap="flat" cmpd="sng" algn="ctr">
+                      <a:solidFill>
+                        <a:schemeClr val="tx1"/>
+                      </a:solidFill>
+                      <a:prstDash val="solid"/>
+                      <a:round/>
+                      <a:headEnd type="none" w="med" len="med"/>
+                      <a:tailEnd type="none" w="med" len="med"/>
+                    </a:lnL>
+                    <a:lnR w="12700" cap="flat" cmpd="sng" algn="ctr">
+                      <a:solidFill>
+                        <a:schemeClr val="tx1"/>
+                      </a:solidFill>
+                      <a:prstDash val="solid"/>
+                      <a:round/>
+                      <a:headEnd type="none" w="med" len="med"/>
+                      <a:tailEnd type="none" w="med" len="med"/>
+                    </a:lnR>
+                    <a:lnT w="12700" cap="flat" cmpd="sng" algn="ctr">
+                      <a:solidFill>
+                        <a:schemeClr val="tx1"/>
+                      </a:solidFill>
+                      <a:prstDash val="solid"/>
+                      <a:round/>
+                      <a:headEnd type="none" w="med" len="med"/>
+                      <a:tailEnd type="none" w="med" len="med"/>
+                    </a:lnT>
+                    <a:lnB w="12700" cap="flat" cmpd="sng" algn="ctr">
+                      <a:solidFill>
+                        <a:schemeClr val="tx1"/>
+                      </a:solidFill>
+                      <a:prstDash val="solid"/>
+                      <a:round/>
+                      <a:headEnd type="none" w="med" len="med"/>
+                      <a:tailEnd type="none" w="med" len="med"/>
+                    </a:lnB>
+                    <a:solidFill>
+                      <a:schemeClr val="bg1"/>
+                    </a:solidFill>
+                  </a:tcPr>
+                </a:tc>
+              </a:tr>
+              <a:tr h="370840">
+                <a:tc>
+                  <a:txBody>
+                    <a:bodyPr/>
+                    <a:lstStyle/>
+                    <a:p>
+                      <a:r>
+                        <a:rPr lang="en-US" sz="4200" dirty="0" smtClean="0"/>
+                        <a:t>1</a:t>
+                      </a:r>
+                      <a:endParaRPr lang="en-US" sz="4200" dirty="0"/>
+                    </a:p>
+                  </a:txBody>
+                  <a:tcPr>
+                    <a:lnL w="12700" cap="flat" cmpd="sng" algn="ctr">
+                      <a:solidFill>
+                        <a:schemeClr val="tx1"/>
+                      </a:solidFill>
+                      <a:prstDash val="solid"/>
+                      <a:round/>
+                      <a:headEnd type="none" w="med" len="med"/>
+                      <a:tailEnd type="none" w="med" len="med"/>
+                    </a:lnL>
+                    <a:lnR w="12700" cap="flat" cmpd="sng" algn="ctr">
+                      <a:solidFill>
+                        <a:schemeClr val="tx1"/>
+                      </a:solidFill>
+                      <a:prstDash val="solid"/>
+                      <a:round/>
+                      <a:headEnd type="none" w="med" len="med"/>
+                      <a:tailEnd type="none" w="med" len="med"/>
+                    </a:lnR>
+                    <a:lnT w="12700" cap="flat" cmpd="sng" algn="ctr">
+                      <a:solidFill>
+                        <a:schemeClr val="tx1"/>
+                      </a:solidFill>
+                      <a:prstDash val="solid"/>
+                      <a:round/>
+                      <a:headEnd type="none" w="med" len="med"/>
+                      <a:tailEnd type="none" w="med" len="med"/>
+                    </a:lnT>
+                    <a:lnB w="12700" cap="flat" cmpd="sng" algn="ctr">
+                      <a:solidFill>
+                        <a:schemeClr val="tx1"/>
+                      </a:solidFill>
+                      <a:prstDash val="solid"/>
+                      <a:round/>
+                      <a:headEnd type="none" w="med" len="med"/>
+                      <a:tailEnd type="none" w="med" len="med"/>
+                    </a:lnB>
+                    <a:solidFill>
+                      <a:schemeClr val="bg1"/>
+                    </a:solidFill>
+                  </a:tcPr>
+                </a:tc>
+                <a:tc>
+                  <a:txBody>
+                    <a:bodyPr/>
+                    <a:lstStyle/>
+                    <a:p>
+                      <a:r>
+                        <a:rPr lang="en-US" sz="4200" dirty="0" smtClean="0"/>
+                        <a:t>2</a:t>
+                      </a:r>
+                      <a:endParaRPr lang="en-US" sz="4200" dirty="0"/>
+                    </a:p>
+                  </a:txBody>
+                  <a:tcPr>
+                    <a:lnL w="12700" cap="flat" cmpd="sng" algn="ctr">
+                      <a:solidFill>
+                        <a:schemeClr val="tx1"/>
+                      </a:solidFill>
+                      <a:prstDash val="solid"/>
+                      <a:round/>
+                      <a:headEnd type="none" w="med" len="med"/>
+                      <a:tailEnd type="none" w="med" len="med"/>
+                    </a:lnL>
+                    <a:lnR w="12700" cap="flat" cmpd="sng" algn="ctr">
+                      <a:solidFill>
+                        <a:schemeClr val="tx1"/>
+                      </a:solidFill>
+                      <a:prstDash val="solid"/>
+                      <a:round/>
+                      <a:headEnd type="none" w="med" len="med"/>
+                      <a:tailEnd type="none" w="med" len="med"/>
+                    </a:lnR>
+                    <a:lnT w="12700" cap="flat" cmpd="sng" algn="ctr">
+                      <a:solidFill>
+                        <a:schemeClr val="tx1"/>
+                      </a:solidFill>
+                      <a:prstDash val="solid"/>
+                      <a:round/>
+                      <a:headEnd type="none" w="med" len="med"/>
+                      <a:tailEnd type="none" w="med" len="med"/>
+                    </a:lnT>
+                    <a:lnB w="12700" cap="flat" cmpd="sng" algn="ctr">
+                      <a:solidFill>
+                        <a:schemeClr val="tx1"/>
+                      </a:solidFill>
+                      <a:prstDash val="solid"/>
+                      <a:round/>
+                      <a:headEnd type="none" w="med" len="med"/>
+                      <a:tailEnd type="none" w="med" len="med"/>
+                    </a:lnB>
+                    <a:solidFill>
+                      <a:schemeClr val="bg1"/>
+                    </a:solidFill>
+                  </a:tcPr>
+                </a:tc>
+              </a:tr>
+              <a:tr h="370840">
+                <a:tc>
+                  <a:txBody>
+                    <a:bodyPr/>
+                    <a:lstStyle/>
+                    <a:p>
+                      <a:r>
+                        <a:rPr lang="en-US" sz="4200" dirty="0" smtClean="0"/>
+                        <a:t>1</a:t>
+                      </a:r>
+                      <a:endParaRPr lang="en-US" sz="4200" dirty="0"/>
+                    </a:p>
+                  </a:txBody>
+                  <a:tcPr>
+                    <a:lnL w="12700" cap="flat" cmpd="sng" algn="ctr">
+                      <a:solidFill>
+                        <a:schemeClr val="tx1"/>
+                      </a:solidFill>
+                      <a:prstDash val="solid"/>
+                      <a:round/>
+                      <a:headEnd type="none" w="med" len="med"/>
+                      <a:tailEnd type="none" w="med" len="med"/>
+                    </a:lnL>
+                    <a:lnR w="12700" cap="flat" cmpd="sng" algn="ctr">
+                      <a:solidFill>
+                        <a:schemeClr val="tx1"/>
+                      </a:solidFill>
+                      <a:prstDash val="solid"/>
+                      <a:round/>
+                      <a:headEnd type="none" w="med" len="med"/>
+                      <a:tailEnd type="none" w="med" len="med"/>
+                    </a:lnR>
+                    <a:lnT w="12700" cap="flat" cmpd="sng" algn="ctr">
+                      <a:solidFill>
+                        <a:schemeClr val="tx1"/>
+                      </a:solidFill>
+                      <a:prstDash val="solid"/>
+                      <a:round/>
+                      <a:headEnd type="none" w="med" len="med"/>
+                      <a:tailEnd type="none" w="med" len="med"/>
+                    </a:lnT>
+                    <a:lnB w="12700" cap="flat" cmpd="sng" algn="ctr">
+                      <a:solidFill>
+                        <a:schemeClr val="tx1"/>
+                      </a:solidFill>
+                      <a:prstDash val="solid"/>
+                      <a:round/>
+                      <a:headEnd type="none" w="med" len="med"/>
+                      <a:tailEnd type="none" w="med" len="med"/>
+                    </a:lnB>
+                    <a:solidFill>
+                      <a:schemeClr val="bg1"/>
+                    </a:solidFill>
+                  </a:tcPr>
+                </a:tc>
+                <a:tc>
+                  <a:txBody>
+                    <a:bodyPr/>
+                    <a:lstStyle/>
+                    <a:p>
+                      <a:r>
+                        <a:rPr lang="en-US" sz="4200" dirty="0" smtClean="0"/>
+                        <a:t>1</a:t>
+                      </a:r>
+                      <a:endParaRPr lang="en-US" sz="4200" dirty="0"/>
+                    </a:p>
+                  </a:txBody>
+                  <a:tcPr>
+                    <a:lnL w="12700" cap="flat" cmpd="sng" algn="ctr">
+                      <a:solidFill>
+                        <a:schemeClr val="tx1"/>
+                      </a:solidFill>
+                      <a:prstDash val="solid"/>
+                      <a:round/>
+                      <a:headEnd type="none" w="med" len="med"/>
+                      <a:tailEnd type="none" w="med" len="med"/>
+                    </a:lnL>
+                    <a:lnR w="12700" cap="flat" cmpd="sng" algn="ctr">
+                      <a:solidFill>
+                        <a:schemeClr val="tx1"/>
+                      </a:solidFill>
+                      <a:prstDash val="solid"/>
+                      <a:round/>
+                      <a:headEnd type="none" w="med" len="med"/>
+                      <a:tailEnd type="none" w="med" len="med"/>
+                    </a:lnR>
+                    <a:lnT w="12700" cap="flat" cmpd="sng" algn="ctr">
+                      <a:solidFill>
+                        <a:schemeClr val="tx1"/>
+                      </a:solidFill>
+                      <a:prstDash val="solid"/>
+                      <a:round/>
+                      <a:headEnd type="none" w="med" len="med"/>
+                      <a:tailEnd type="none" w="med" len="med"/>
+                    </a:lnT>
+                    <a:lnB w="12700" cap="flat" cmpd="sng" algn="ctr">
+                      <a:solidFill>
+                        <a:schemeClr val="tx1"/>
+                      </a:solidFill>
+                      <a:prstDash val="solid"/>
+                      <a:round/>
+                      <a:headEnd type="none" w="med" len="med"/>
+                      <a:tailEnd type="none" w="med" len="med"/>
+                    </a:lnB>
+                    <a:solidFill>
+                      <a:schemeClr val="bg1"/>
+                    </a:solidFill>
+                  </a:tcPr>
+                </a:tc>
+              </a:tr>
+              <a:tr h="370840">
+                <a:tc>
+                  <a:txBody>
+                    <a:bodyPr/>
+                    <a:lstStyle/>
+                    <a:p>
+                      <a:r>
+                        <a:rPr lang="en-US" sz="4200" dirty="0" smtClean="0"/>
+                        <a:t>2</a:t>
+                      </a:r>
+                      <a:endParaRPr lang="en-US" sz="4200" dirty="0"/>
+                    </a:p>
+                  </a:txBody>
+                  <a:tcPr>
+                    <a:lnL w="12700" cap="flat" cmpd="sng" algn="ctr">
+                      <a:solidFill>
+                        <a:schemeClr val="tx1"/>
+                      </a:solidFill>
+                      <a:prstDash val="solid"/>
+                      <a:round/>
+                      <a:headEnd type="none" w="med" len="med"/>
+                      <a:tailEnd type="none" w="med" len="med"/>
+                    </a:lnL>
+                    <a:lnR w="12700" cap="flat" cmpd="sng" algn="ctr">
+                      <a:solidFill>
+                        <a:schemeClr val="tx1"/>
+                      </a:solidFill>
+                      <a:prstDash val="solid"/>
+                      <a:round/>
+                      <a:headEnd type="none" w="med" len="med"/>
+                      <a:tailEnd type="none" w="med" len="med"/>
+                    </a:lnR>
+                    <a:lnT w="12700" cap="flat" cmpd="sng" algn="ctr">
+                      <a:solidFill>
+                        <a:schemeClr val="tx1"/>
+                      </a:solidFill>
+                      <a:prstDash val="solid"/>
+                      <a:round/>
+                      <a:headEnd type="none" w="med" len="med"/>
+                      <a:tailEnd type="none" w="med" len="med"/>
+                    </a:lnT>
+                    <a:lnB w="12700" cap="flat" cmpd="sng" algn="ctr">
+                      <a:solidFill>
+                        <a:schemeClr val="tx1"/>
+                      </a:solidFill>
+                      <a:prstDash val="solid"/>
+                      <a:round/>
+                      <a:headEnd type="none" w="med" len="med"/>
+                      <a:tailEnd type="none" w="med" len="med"/>
+                    </a:lnB>
+                    <a:solidFill>
+                      <a:schemeClr val="bg1"/>
+                    </a:solidFill>
+                  </a:tcPr>
+                </a:tc>
+                <a:tc>
+                  <a:txBody>
+                    <a:bodyPr/>
+                    <a:lstStyle/>
+                    <a:p>
+                      <a:r>
+                        <a:rPr lang="en-US" sz="4200" dirty="0" smtClean="0"/>
+                        <a:t>1</a:t>
+                      </a:r>
+                      <a:endParaRPr lang="en-US" sz="4200" dirty="0"/>
+                    </a:p>
+                  </a:txBody>
+                  <a:tcPr>
+                    <a:lnL w="12700" cap="flat" cmpd="sng" algn="ctr">
+                      <a:solidFill>
+                        <a:schemeClr val="tx1"/>
+                      </a:solidFill>
+                      <a:prstDash val="solid"/>
+                      <a:round/>
+                      <a:headEnd type="none" w="med" len="med"/>
+                      <a:tailEnd type="none" w="med" len="med"/>
+                    </a:lnL>
+                    <a:lnR w="12700" cap="flat" cmpd="sng" algn="ctr">
+                      <a:solidFill>
+                        <a:schemeClr val="tx1"/>
+                      </a:solidFill>
+                      <a:prstDash val="solid"/>
+                      <a:round/>
+                      <a:headEnd type="none" w="med" len="med"/>
+                      <a:tailEnd type="none" w="med" len="med"/>
+                    </a:lnR>
+                    <a:lnT w="12700" cap="flat" cmpd="sng" algn="ctr">
+                      <a:solidFill>
+                        <a:schemeClr val="tx1"/>
+                      </a:solidFill>
+                      <a:prstDash val="solid"/>
+                      <a:round/>
+                      <a:headEnd type="none" w="med" len="med"/>
+                      <a:tailEnd type="none" w="med" len="med"/>
+                    </a:lnT>
+                    <a:lnB w="12700" cap="flat" cmpd="sng" algn="ctr">
+                      <a:solidFill>
+                        <a:schemeClr val="tx1"/>
+                      </a:solidFill>
+                      <a:prstDash val="solid"/>
+                      <a:round/>
+                      <a:headEnd type="none" w="med" len="med"/>
+                      <a:tailEnd type="none" w="med" len="med"/>
+                    </a:lnB>
+                    <a:solidFill>
+                      <a:schemeClr val="bg1"/>
+                    </a:solidFill>
+                  </a:tcPr>
+                </a:tc>
+              </a:tr>
+            </a:tbl>
+          </a:graphicData>
+        </a:graphic>
+      </p:graphicFrame>
+      <p:graphicFrame>
+        <p:nvGraphicFramePr>
+          <p:cNvPr id="7" name="Table 6"/>
+          <p:cNvGraphicFramePr>
+            <a:graphicFrameLocks noGrp="1"/>
+          </p:cNvGraphicFramePr>
+          <p:nvPr>
+            <p:extLst>
+              <p:ext uri="{D42A27DB-BD31-4B8C-83A1-F6EECF244321}">
+                <p14:modId xmlns:p14="http://schemas.microsoft.com/office/powerpoint/2010/main" val="3246197434"/>
+              </p:ext>
+            </p:extLst>
+          </p:nvPr>
+        </p:nvGraphicFramePr>
+        <p:xfrm>
+          <a:off x="3511673" y="1542473"/>
+          <a:ext cx="946718" cy="2926080"/>
+        </p:xfrm>
+        <a:graphic>
+          <a:graphicData uri="http://schemas.openxmlformats.org/drawingml/2006/table">
+            <a:tbl>
+              <a:tblPr>
+                <a:tableStyleId>{5C22544A-7EE6-4342-B048-85BDC9FD1C3A}</a:tableStyleId>
+              </a:tblPr>
+              <a:tblGrid>
+                <a:gridCol w="497831"/>
+                <a:gridCol w="448887"/>
+              </a:tblGrid>
+              <a:tr h="370840">
+                <a:tc>
+                  <a:txBody>
+                    <a:bodyPr/>
+                    <a:lstStyle/>
+                    <a:p>
+                      <a:r>
+                        <a:rPr lang="en-US" sz="4200" b="1" dirty="0" smtClean="0">
+                          <a:solidFill>
+                            <a:schemeClr val="bg1"/>
+                          </a:solidFill>
+                        </a:rPr>
+                        <a:t>1</a:t>
+                      </a:r>
+                      <a:endParaRPr lang="en-US" sz="4200" b="1" dirty="0">
+                        <a:solidFill>
+                          <a:schemeClr val="bg1"/>
+                        </a:solidFill>
+                      </a:endParaRPr>
+                    </a:p>
+                  </a:txBody>
+                  <a:tcPr>
+                    <a:lnL w="12700" cap="flat" cmpd="sng" algn="ctr">
+                      <a:solidFill>
+                        <a:schemeClr val="tx1"/>
+                      </a:solidFill>
+                      <a:prstDash val="solid"/>
+                      <a:round/>
+                      <a:headEnd type="none" w="med" len="med"/>
+                      <a:tailEnd type="none" w="med" len="med"/>
+                    </a:lnL>
+                    <a:lnR w="12700" cap="flat" cmpd="sng" algn="ctr">
+                      <a:solidFill>
+                        <a:schemeClr val="tx1"/>
+                      </a:solidFill>
+                      <a:prstDash val="solid"/>
+                      <a:round/>
+                      <a:headEnd type="none" w="med" len="med"/>
+                      <a:tailEnd type="none" w="med" len="med"/>
+                    </a:lnR>
+                    <a:lnT w="12700" cap="flat" cmpd="sng" algn="ctr">
+                      <a:solidFill>
+                        <a:schemeClr val="tx1"/>
+                      </a:solidFill>
+                      <a:prstDash val="solid"/>
+                      <a:round/>
+                      <a:headEnd type="none" w="med" len="med"/>
+                      <a:tailEnd type="none" w="med" len="med"/>
+                    </a:lnT>
+                    <a:lnB w="12700" cap="flat" cmpd="sng" algn="ctr">
+                      <a:solidFill>
+                        <a:schemeClr val="tx1"/>
+                      </a:solidFill>
+                      <a:prstDash val="solid"/>
+                      <a:round/>
+                      <a:headEnd type="none" w="med" len="med"/>
+                      <a:tailEnd type="none" w="med" len="med"/>
+                    </a:lnB>
+                    <a:solidFill>
+                      <a:schemeClr val="tx2">
+                        <a:lumMod val="60000"/>
+                        <a:lumOff val="40000"/>
+                      </a:schemeClr>
+                    </a:solidFill>
+                  </a:tcPr>
+                </a:tc>
+                <a:tc>
+                  <a:txBody>
+                    <a:bodyPr/>
+                    <a:lstStyle/>
+                    <a:p>
+                      <a:r>
+                        <a:rPr lang="en-US" sz="4200" dirty="0" smtClean="0"/>
+                        <a:t>2</a:t>
+                      </a:r>
+                      <a:endParaRPr lang="en-US" sz="4200" dirty="0"/>
+                    </a:p>
+                  </a:txBody>
+                  <a:tcPr>
+                    <a:lnL w="12700" cap="flat" cmpd="sng" algn="ctr">
+                      <a:solidFill>
+                        <a:schemeClr val="tx1"/>
+                      </a:solidFill>
+                      <a:prstDash val="solid"/>
+                      <a:round/>
+                      <a:headEnd type="none" w="med" len="med"/>
+                      <a:tailEnd type="none" w="med" len="med"/>
+                    </a:lnL>
+                    <a:lnR w="12700" cap="flat" cmpd="sng" algn="ctr">
+                      <a:solidFill>
+                        <a:schemeClr val="tx1"/>
+                      </a:solidFill>
+                      <a:prstDash val="solid"/>
+                      <a:round/>
+                      <a:headEnd type="none" w="med" len="med"/>
+                      <a:tailEnd type="none" w="med" len="med"/>
+                    </a:lnR>
+                    <a:lnT w="12700" cap="flat" cmpd="sng" algn="ctr">
+                      <a:solidFill>
+                        <a:schemeClr val="tx1"/>
+                      </a:solidFill>
+                      <a:prstDash val="solid"/>
+                      <a:round/>
+                      <a:headEnd type="none" w="med" len="med"/>
+                      <a:tailEnd type="none" w="med" len="med"/>
+                    </a:lnT>
+                    <a:lnB w="12700" cap="flat" cmpd="sng" algn="ctr">
+                      <a:solidFill>
+                        <a:schemeClr val="tx1"/>
+                      </a:solidFill>
+                      <a:prstDash val="solid"/>
+                      <a:round/>
+                      <a:headEnd type="none" w="med" len="med"/>
+                      <a:tailEnd type="none" w="med" len="med"/>
+                    </a:lnB>
+                    <a:solidFill>
+                      <a:schemeClr val="bg1"/>
+                    </a:solidFill>
+                  </a:tcPr>
+                </a:tc>
+              </a:tr>
+              <a:tr h="370840">
+                <a:tc>
+                  <a:txBody>
+                    <a:bodyPr/>
+                    <a:lstStyle/>
+                    <a:p>
+                      <a:r>
+                        <a:rPr lang="en-US" sz="4200" b="1" dirty="0" smtClean="0">
+                          <a:solidFill>
+                            <a:schemeClr val="bg1"/>
+                          </a:solidFill>
+                        </a:rPr>
+                        <a:t>1</a:t>
+                      </a:r>
+                      <a:endParaRPr lang="en-US" sz="4200" b="1" dirty="0">
+                        <a:solidFill>
+                          <a:schemeClr val="bg1"/>
+                        </a:solidFill>
+                      </a:endParaRPr>
+                    </a:p>
+                  </a:txBody>
+                  <a:tcPr>
+                    <a:lnL w="12700" cap="flat" cmpd="sng" algn="ctr">
+                      <a:solidFill>
+                        <a:schemeClr val="tx1"/>
+                      </a:solidFill>
+                      <a:prstDash val="solid"/>
+                      <a:round/>
+                      <a:headEnd type="none" w="med" len="med"/>
+                      <a:tailEnd type="none" w="med" len="med"/>
+                    </a:lnL>
+                    <a:lnR w="12700" cap="flat" cmpd="sng" algn="ctr">
+                      <a:solidFill>
+                        <a:schemeClr val="tx1"/>
+                      </a:solidFill>
+                      <a:prstDash val="solid"/>
+                      <a:round/>
+                      <a:headEnd type="none" w="med" len="med"/>
+                      <a:tailEnd type="none" w="med" len="med"/>
+                    </a:lnR>
+                    <a:lnT w="12700" cap="flat" cmpd="sng" algn="ctr">
+                      <a:solidFill>
+                        <a:schemeClr val="tx1"/>
+                      </a:solidFill>
+                      <a:prstDash val="solid"/>
+                      <a:round/>
+                      <a:headEnd type="none" w="med" len="med"/>
+                      <a:tailEnd type="none" w="med" len="med"/>
+                    </a:lnT>
+                    <a:lnB w="12700" cap="flat" cmpd="sng" algn="ctr">
+                      <a:solidFill>
+                        <a:schemeClr val="tx1"/>
+                      </a:solidFill>
+                      <a:prstDash val="solid"/>
+                      <a:round/>
+                      <a:headEnd type="none" w="med" len="med"/>
+                      <a:tailEnd type="none" w="med" len="med"/>
+                    </a:lnB>
+                    <a:solidFill>
+                      <a:schemeClr val="tx2">
+                        <a:lumMod val="60000"/>
+                        <a:lumOff val="40000"/>
+                      </a:schemeClr>
+                    </a:solidFill>
+                  </a:tcPr>
+                </a:tc>
+                <a:tc>
+                  <a:txBody>
+                    <a:bodyPr/>
+                    <a:lstStyle/>
+                    <a:p>
+                      <a:r>
+                        <a:rPr lang="en-US" sz="4200" dirty="0" smtClean="0"/>
+                        <a:t>1</a:t>
+                      </a:r>
+                      <a:endParaRPr lang="en-US" sz="4200" dirty="0"/>
+                    </a:p>
+                  </a:txBody>
+                  <a:tcPr>
+                    <a:lnL w="12700" cap="flat" cmpd="sng" algn="ctr">
+                      <a:solidFill>
+                        <a:schemeClr val="tx1"/>
+                      </a:solidFill>
+                      <a:prstDash val="solid"/>
+                      <a:round/>
+                      <a:headEnd type="none" w="med" len="med"/>
+                      <a:tailEnd type="none" w="med" len="med"/>
+                    </a:lnL>
+                    <a:lnR w="12700" cap="flat" cmpd="sng" algn="ctr">
+                      <a:solidFill>
+                        <a:schemeClr val="tx1"/>
+                      </a:solidFill>
+                      <a:prstDash val="solid"/>
+                      <a:round/>
+                      <a:headEnd type="none" w="med" len="med"/>
+                      <a:tailEnd type="none" w="med" len="med"/>
+                    </a:lnR>
+                    <a:lnT w="12700" cap="flat" cmpd="sng" algn="ctr">
+                      <a:solidFill>
+                        <a:schemeClr val="tx1"/>
+                      </a:solidFill>
+                      <a:prstDash val="solid"/>
+                      <a:round/>
+                      <a:headEnd type="none" w="med" len="med"/>
+                      <a:tailEnd type="none" w="med" len="med"/>
+                    </a:lnT>
+                    <a:lnB w="12700" cap="flat" cmpd="sng" algn="ctr">
+                      <a:solidFill>
+                        <a:schemeClr val="tx1"/>
+                      </a:solidFill>
+                      <a:prstDash val="solid"/>
+                      <a:round/>
+                      <a:headEnd type="none" w="med" len="med"/>
+                      <a:tailEnd type="none" w="med" len="med"/>
+                    </a:lnB>
+                    <a:solidFill>
+                      <a:schemeClr val="bg1"/>
+                    </a:solidFill>
+                  </a:tcPr>
+                </a:tc>
+              </a:tr>
+              <a:tr h="370840">
+                <a:tc>
+                  <a:txBody>
+                    <a:bodyPr/>
+                    <a:lstStyle/>
+                    <a:p>
+                      <a:r>
+                        <a:rPr lang="en-US" sz="4200" b="1" dirty="0" smtClean="0">
+                          <a:solidFill>
+                            <a:schemeClr val="bg1"/>
+                          </a:solidFill>
+                        </a:rPr>
+                        <a:t>2</a:t>
+                      </a:r>
+                      <a:endParaRPr lang="en-US" sz="4200" b="1" dirty="0">
+                        <a:solidFill>
+                          <a:schemeClr val="bg1"/>
+                        </a:solidFill>
+                      </a:endParaRPr>
+                    </a:p>
+                  </a:txBody>
+                  <a:tcPr>
+                    <a:lnL w="12700" cap="flat" cmpd="sng" algn="ctr">
+                      <a:solidFill>
+                        <a:schemeClr val="tx1"/>
+                      </a:solidFill>
+                      <a:prstDash val="solid"/>
+                      <a:round/>
+                      <a:headEnd type="none" w="med" len="med"/>
+                      <a:tailEnd type="none" w="med" len="med"/>
+                    </a:lnL>
+                    <a:lnR w="12700" cap="flat" cmpd="sng" algn="ctr">
+                      <a:solidFill>
+                        <a:schemeClr val="tx1"/>
+                      </a:solidFill>
+                      <a:prstDash val="solid"/>
+                      <a:round/>
+                      <a:headEnd type="none" w="med" len="med"/>
+                      <a:tailEnd type="none" w="med" len="med"/>
+                    </a:lnR>
+                    <a:lnT w="12700" cap="flat" cmpd="sng" algn="ctr">
+                      <a:solidFill>
+                        <a:schemeClr val="tx1"/>
+                      </a:solidFill>
+                      <a:prstDash val="solid"/>
+                      <a:round/>
+                      <a:headEnd type="none" w="med" len="med"/>
+                      <a:tailEnd type="none" w="med" len="med"/>
+                    </a:lnT>
+                    <a:lnB w="12700" cap="flat" cmpd="sng" algn="ctr">
+                      <a:solidFill>
+                        <a:schemeClr val="tx1"/>
+                      </a:solidFill>
+                      <a:prstDash val="solid"/>
+                      <a:round/>
+                      <a:headEnd type="none" w="med" len="med"/>
+                      <a:tailEnd type="none" w="med" len="med"/>
+                    </a:lnB>
+                    <a:solidFill>
+                      <a:schemeClr val="tx2">
+                        <a:lumMod val="60000"/>
+                        <a:lumOff val="40000"/>
+                      </a:schemeClr>
+                    </a:solidFill>
+                  </a:tcPr>
+                </a:tc>
+                <a:tc>
+                  <a:txBody>
+                    <a:bodyPr/>
+                    <a:lstStyle/>
+                    <a:p>
+                      <a:r>
+                        <a:rPr lang="en-US" sz="4200" dirty="0" smtClean="0"/>
+                        <a:t>2</a:t>
+                      </a:r>
+                      <a:endParaRPr lang="en-US" sz="4200" dirty="0"/>
+                    </a:p>
+                  </a:txBody>
+                  <a:tcPr>
+                    <a:lnL w="12700" cap="flat" cmpd="sng" algn="ctr">
+                      <a:solidFill>
+                        <a:schemeClr val="tx1"/>
+                      </a:solidFill>
+                      <a:prstDash val="solid"/>
+                      <a:round/>
+                      <a:headEnd type="none" w="med" len="med"/>
+                      <a:tailEnd type="none" w="med" len="med"/>
+                    </a:lnL>
+                    <a:lnR w="12700" cap="flat" cmpd="sng" algn="ctr">
+                      <a:solidFill>
+                        <a:schemeClr val="tx1"/>
+                      </a:solidFill>
+                      <a:prstDash val="solid"/>
+                      <a:round/>
+                      <a:headEnd type="none" w="med" len="med"/>
+                      <a:tailEnd type="none" w="med" len="med"/>
+                    </a:lnR>
+                    <a:lnT w="12700" cap="flat" cmpd="sng" algn="ctr">
+                      <a:solidFill>
+                        <a:schemeClr val="tx1"/>
+                      </a:solidFill>
+                      <a:prstDash val="solid"/>
+                      <a:round/>
+                      <a:headEnd type="none" w="med" len="med"/>
+                      <a:tailEnd type="none" w="med" len="med"/>
+                    </a:lnT>
+                    <a:lnB w="12700" cap="flat" cmpd="sng" algn="ctr">
+                      <a:solidFill>
+                        <a:schemeClr val="tx1"/>
+                      </a:solidFill>
+                      <a:prstDash val="solid"/>
+                      <a:round/>
+                      <a:headEnd type="none" w="med" len="med"/>
+                      <a:tailEnd type="none" w="med" len="med"/>
+                    </a:lnB>
+                    <a:solidFill>
+                      <a:schemeClr val="bg1"/>
+                    </a:solidFill>
+                  </a:tcPr>
+                </a:tc>
+              </a:tr>
+              <a:tr h="370840">
+                <a:tc>
+                  <a:txBody>
+                    <a:bodyPr/>
+                    <a:lstStyle/>
+                    <a:p>
+                      <a:r>
+                        <a:rPr lang="en-US" sz="4200" b="1" dirty="0" smtClean="0">
+                          <a:solidFill>
+                            <a:schemeClr val="bg1"/>
+                          </a:solidFill>
+                        </a:rPr>
+                        <a:t>2</a:t>
+                      </a:r>
+                      <a:endParaRPr lang="en-US" sz="4200" b="1" dirty="0">
+                        <a:solidFill>
+                          <a:schemeClr val="bg1"/>
+                        </a:solidFill>
+                      </a:endParaRPr>
+                    </a:p>
+                  </a:txBody>
+                  <a:tcPr>
+                    <a:lnL w="12700" cap="flat" cmpd="sng" algn="ctr">
+                      <a:solidFill>
+                        <a:schemeClr val="tx1"/>
+                      </a:solidFill>
+                      <a:prstDash val="solid"/>
+                      <a:round/>
+                      <a:headEnd type="none" w="med" len="med"/>
+                      <a:tailEnd type="none" w="med" len="med"/>
+                    </a:lnL>
+                    <a:lnR w="12700" cap="flat" cmpd="sng" algn="ctr">
+                      <a:solidFill>
+                        <a:schemeClr val="tx1"/>
+                      </a:solidFill>
+                      <a:prstDash val="solid"/>
+                      <a:round/>
+                      <a:headEnd type="none" w="med" len="med"/>
+                      <a:tailEnd type="none" w="med" len="med"/>
+                    </a:lnR>
+                    <a:lnT w="12700" cap="flat" cmpd="sng" algn="ctr">
+                      <a:solidFill>
+                        <a:schemeClr val="tx1"/>
+                      </a:solidFill>
+                      <a:prstDash val="solid"/>
+                      <a:round/>
+                      <a:headEnd type="none" w="med" len="med"/>
+                      <a:tailEnd type="none" w="med" len="med"/>
+                    </a:lnT>
+                    <a:lnB w="12700" cap="flat" cmpd="sng" algn="ctr">
+                      <a:solidFill>
+                        <a:schemeClr val="tx1"/>
+                      </a:solidFill>
+                      <a:prstDash val="solid"/>
+                      <a:round/>
+                      <a:headEnd type="none" w="med" len="med"/>
+                      <a:tailEnd type="none" w="med" len="med"/>
+                    </a:lnB>
+                    <a:solidFill>
+                      <a:schemeClr val="tx2">
+                        <a:lumMod val="60000"/>
+                        <a:lumOff val="40000"/>
+                      </a:schemeClr>
+                    </a:solidFill>
+                  </a:tcPr>
+                </a:tc>
+                <a:tc>
+                  <a:txBody>
+                    <a:bodyPr/>
+                    <a:lstStyle/>
+                    <a:p>
+                      <a:r>
+                        <a:rPr lang="en-US" sz="4200" dirty="0" smtClean="0"/>
+                        <a:t>1</a:t>
+                      </a:r>
+                      <a:endParaRPr lang="en-US" sz="4200" dirty="0"/>
+                    </a:p>
+                  </a:txBody>
+                  <a:tcPr>
+                    <a:lnL w="12700" cap="flat" cmpd="sng" algn="ctr">
+                      <a:solidFill>
+                        <a:schemeClr val="tx1"/>
+                      </a:solidFill>
+                      <a:prstDash val="solid"/>
+                      <a:round/>
+                      <a:headEnd type="none" w="med" len="med"/>
+                      <a:tailEnd type="none" w="med" len="med"/>
+                    </a:lnL>
+                    <a:lnR w="12700" cap="flat" cmpd="sng" algn="ctr">
+                      <a:solidFill>
+                        <a:schemeClr val="tx1"/>
+                      </a:solidFill>
+                      <a:prstDash val="solid"/>
+                      <a:round/>
+                      <a:headEnd type="none" w="med" len="med"/>
+                      <a:tailEnd type="none" w="med" len="med"/>
+                    </a:lnR>
+                    <a:lnT w="12700" cap="flat" cmpd="sng" algn="ctr">
+                      <a:solidFill>
+                        <a:schemeClr val="tx1"/>
+                      </a:solidFill>
+                      <a:prstDash val="solid"/>
+                      <a:round/>
+                      <a:headEnd type="none" w="med" len="med"/>
+                      <a:tailEnd type="none" w="med" len="med"/>
+                    </a:lnT>
+                    <a:lnB w="12700" cap="flat" cmpd="sng" algn="ctr">
+                      <a:solidFill>
+                        <a:schemeClr val="tx1"/>
+                      </a:solidFill>
+                      <a:prstDash val="solid"/>
+                      <a:round/>
+                      <a:headEnd type="none" w="med" len="med"/>
+                      <a:tailEnd type="none" w="med" len="med"/>
+                    </a:lnB>
+                    <a:solidFill>
+                      <a:schemeClr val="bg1"/>
+                    </a:solidFill>
+                  </a:tcPr>
+                </a:tc>
+              </a:tr>
+            </a:tbl>
+          </a:graphicData>
+        </a:graphic>
+      </p:graphicFrame>
+      <p:graphicFrame>
+        <p:nvGraphicFramePr>
+          <p:cNvPr id="8" name="Table 7"/>
+          <p:cNvGraphicFramePr>
+            <a:graphicFrameLocks noGrp="1"/>
+          </p:cNvGraphicFramePr>
+          <p:nvPr>
+            <p:extLst>
+              <p:ext uri="{D42A27DB-BD31-4B8C-83A1-F6EECF244321}">
+                <p14:modId xmlns:p14="http://schemas.microsoft.com/office/powerpoint/2010/main" val="4178845303"/>
+              </p:ext>
+            </p:extLst>
+          </p:nvPr>
+        </p:nvGraphicFramePr>
+        <p:xfrm>
+          <a:off x="6872784" y="1546168"/>
+          <a:ext cx="946718" cy="2941786"/>
+        </p:xfrm>
+        <a:graphic>
+          <a:graphicData uri="http://schemas.openxmlformats.org/drawingml/2006/table">
+            <a:tbl>
+              <a:tblPr>
+                <a:tableStyleId>{5C22544A-7EE6-4342-B048-85BDC9FD1C3A}</a:tableStyleId>
+              </a:tblPr>
+              <a:tblGrid>
+                <a:gridCol w="497831"/>
+                <a:gridCol w="448887"/>
+              </a:tblGrid>
+              <a:tr h="747226">
+                <a:tc>
+                  <a:txBody>
+                    <a:bodyPr/>
+                    <a:lstStyle/>
+                    <a:p>
+                      <a:r>
+                        <a:rPr lang="en-US" sz="4200" b="0" dirty="0" smtClean="0">
+                          <a:solidFill>
+                            <a:schemeClr val="tx1"/>
+                          </a:solidFill>
+                        </a:rPr>
+                        <a:t>1</a:t>
+                      </a:r>
+                      <a:endParaRPr lang="en-US" sz="4200" b="0" dirty="0">
+                        <a:solidFill>
+                          <a:schemeClr val="tx1"/>
+                        </a:solidFill>
+                      </a:endParaRPr>
+                    </a:p>
+                  </a:txBody>
+                  <a:tcPr>
+                    <a:lnL w="12700" cap="flat" cmpd="sng" algn="ctr">
+                      <a:solidFill>
+                        <a:schemeClr val="tx1"/>
+                      </a:solidFill>
+                      <a:prstDash val="solid"/>
+                      <a:round/>
+                      <a:headEnd type="none" w="med" len="med"/>
+                      <a:tailEnd type="none" w="med" len="med"/>
+                    </a:lnL>
+                    <a:lnR w="12700" cap="flat" cmpd="sng" algn="ctr">
+                      <a:solidFill>
+                        <a:schemeClr val="tx1"/>
+                      </a:solidFill>
+                      <a:prstDash val="solid"/>
+                      <a:round/>
+                      <a:headEnd type="none" w="med" len="med"/>
+                      <a:tailEnd type="none" w="med" len="med"/>
+                    </a:lnR>
+                    <a:lnT w="12700" cap="flat" cmpd="sng" algn="ctr">
+                      <a:solidFill>
+                        <a:schemeClr val="tx1"/>
+                      </a:solidFill>
+                      <a:prstDash val="solid"/>
+                      <a:round/>
+                      <a:headEnd type="none" w="med" len="med"/>
+                      <a:tailEnd type="none" w="med" len="med"/>
+                    </a:lnT>
+                    <a:lnB w="12700" cap="flat" cmpd="sng" algn="ctr">
+                      <a:solidFill>
+                        <a:schemeClr val="tx1"/>
+                      </a:solidFill>
+                      <a:prstDash val="solid"/>
+                      <a:round/>
+                      <a:headEnd type="none" w="med" len="med"/>
+                      <a:tailEnd type="none" w="med" len="med"/>
+                    </a:lnB>
+                    <a:solidFill>
+                      <a:schemeClr val="bg1"/>
+                    </a:solidFill>
+                  </a:tcPr>
+                </a:tc>
+                <a:tc>
+                  <a:txBody>
+                    <a:bodyPr/>
+                    <a:lstStyle/>
+                    <a:p>
+                      <a:r>
+                        <a:rPr lang="en-US" sz="4200" dirty="0" smtClean="0">
+                          <a:solidFill>
+                            <a:schemeClr val="bg1"/>
+                          </a:solidFill>
+                        </a:rPr>
+                        <a:t>1</a:t>
+                      </a:r>
+                      <a:endParaRPr lang="en-US" sz="4200" dirty="0">
+                        <a:solidFill>
+                          <a:schemeClr val="bg1"/>
+                        </a:solidFill>
+                      </a:endParaRPr>
+                    </a:p>
+                  </a:txBody>
+                  <a:tcPr>
+                    <a:lnL w="12700" cap="flat" cmpd="sng" algn="ctr">
+                      <a:solidFill>
+                        <a:schemeClr val="tx1"/>
+                      </a:solidFill>
+                      <a:prstDash val="solid"/>
+                      <a:round/>
+                      <a:headEnd type="none" w="med" len="med"/>
+                      <a:tailEnd type="none" w="med" len="med"/>
+                    </a:lnL>
+                    <a:lnR w="12700" cap="flat" cmpd="sng" algn="ctr">
+                      <a:solidFill>
+                        <a:schemeClr val="tx1"/>
+                      </a:solidFill>
+                      <a:prstDash val="solid"/>
+                      <a:round/>
+                      <a:headEnd type="none" w="med" len="med"/>
+                      <a:tailEnd type="none" w="med" len="med"/>
+                    </a:lnR>
+                    <a:lnT w="12700" cap="flat" cmpd="sng" algn="ctr">
+                      <a:solidFill>
+                        <a:schemeClr val="tx1"/>
+                      </a:solidFill>
+                      <a:prstDash val="solid"/>
+                      <a:round/>
+                      <a:headEnd type="none" w="med" len="med"/>
+                      <a:tailEnd type="none" w="med" len="med"/>
+                    </a:lnT>
+                    <a:lnB w="12700" cap="flat" cmpd="sng" algn="ctr">
+                      <a:solidFill>
+                        <a:schemeClr val="tx1"/>
+                      </a:solidFill>
+                      <a:prstDash val="solid"/>
+                      <a:round/>
+                      <a:headEnd type="none" w="med" len="med"/>
+                      <a:tailEnd type="none" w="med" len="med"/>
+                    </a:lnB>
+                    <a:solidFill>
+                      <a:schemeClr val="tx2">
+                        <a:lumMod val="60000"/>
+                        <a:lumOff val="40000"/>
+                      </a:schemeClr>
+                    </a:solidFill>
+                  </a:tcPr>
+                </a:tc>
+              </a:tr>
+              <a:tr h="370840">
+                <a:tc>
+                  <a:txBody>
+                    <a:bodyPr/>
+                    <a:lstStyle/>
+                    <a:p>
+                      <a:r>
+                        <a:rPr lang="en-US" sz="4200" b="0" dirty="0" smtClean="0">
+                          <a:solidFill>
+                            <a:schemeClr val="tx1"/>
+                          </a:solidFill>
+                        </a:rPr>
+                        <a:t>2</a:t>
+                      </a:r>
+                      <a:endParaRPr lang="en-US" sz="4200" b="0" dirty="0">
+                        <a:solidFill>
+                          <a:schemeClr val="tx1"/>
+                        </a:solidFill>
+                      </a:endParaRPr>
+                    </a:p>
+                  </a:txBody>
+                  <a:tcPr>
+                    <a:lnL w="12700" cap="flat" cmpd="sng" algn="ctr">
+                      <a:solidFill>
+                        <a:schemeClr val="tx1"/>
+                      </a:solidFill>
+                      <a:prstDash val="solid"/>
+                      <a:round/>
+                      <a:headEnd type="none" w="med" len="med"/>
+                      <a:tailEnd type="none" w="med" len="med"/>
+                    </a:lnL>
+                    <a:lnR w="12700" cap="flat" cmpd="sng" algn="ctr">
+                      <a:solidFill>
+                        <a:schemeClr val="tx1"/>
+                      </a:solidFill>
+                      <a:prstDash val="solid"/>
+                      <a:round/>
+                      <a:headEnd type="none" w="med" len="med"/>
+                      <a:tailEnd type="none" w="med" len="med"/>
+                    </a:lnR>
+                    <a:lnT w="12700" cap="flat" cmpd="sng" algn="ctr">
+                      <a:solidFill>
+                        <a:schemeClr val="tx1"/>
+                      </a:solidFill>
+                      <a:prstDash val="solid"/>
+                      <a:round/>
+                      <a:headEnd type="none" w="med" len="med"/>
+                      <a:tailEnd type="none" w="med" len="med"/>
+                    </a:lnT>
+                    <a:lnB w="12700" cap="flat" cmpd="sng" algn="ctr">
+                      <a:solidFill>
+                        <a:schemeClr val="tx1"/>
+                      </a:solidFill>
+                      <a:prstDash val="solid"/>
+                      <a:round/>
+                      <a:headEnd type="none" w="med" len="med"/>
+                      <a:tailEnd type="none" w="med" len="med"/>
+                    </a:lnB>
+                    <a:solidFill>
+                      <a:schemeClr val="bg1"/>
+                    </a:solidFill>
+                  </a:tcPr>
+                </a:tc>
+                <a:tc>
+                  <a:txBody>
+                    <a:bodyPr/>
+                    <a:lstStyle/>
+                    <a:p>
+                      <a:r>
+                        <a:rPr lang="en-US" sz="4200" dirty="0" smtClean="0">
+                          <a:solidFill>
+                            <a:schemeClr val="bg1"/>
+                          </a:solidFill>
+                        </a:rPr>
+                        <a:t>1</a:t>
+                      </a:r>
+                      <a:endParaRPr lang="en-US" sz="4200" dirty="0">
+                        <a:solidFill>
+                          <a:schemeClr val="bg1"/>
+                        </a:solidFill>
+                      </a:endParaRPr>
+                    </a:p>
+                  </a:txBody>
+                  <a:tcPr>
+                    <a:lnL w="12700" cap="flat" cmpd="sng" algn="ctr">
+                      <a:solidFill>
+                        <a:schemeClr val="tx1"/>
+                      </a:solidFill>
+                      <a:prstDash val="solid"/>
+                      <a:round/>
+                      <a:headEnd type="none" w="med" len="med"/>
+                      <a:tailEnd type="none" w="med" len="med"/>
+                    </a:lnL>
+                    <a:lnR w="12700" cap="flat" cmpd="sng" algn="ctr">
+                      <a:solidFill>
+                        <a:schemeClr val="tx1"/>
+                      </a:solidFill>
+                      <a:prstDash val="solid"/>
+                      <a:round/>
+                      <a:headEnd type="none" w="med" len="med"/>
+                      <a:tailEnd type="none" w="med" len="med"/>
+                    </a:lnR>
+                    <a:lnT w="12700" cap="flat" cmpd="sng" algn="ctr">
+                      <a:solidFill>
+                        <a:schemeClr val="tx1"/>
+                      </a:solidFill>
+                      <a:prstDash val="solid"/>
+                      <a:round/>
+                      <a:headEnd type="none" w="med" len="med"/>
+                      <a:tailEnd type="none" w="med" len="med"/>
+                    </a:lnT>
+                    <a:lnB w="12700" cap="flat" cmpd="sng" algn="ctr">
+                      <a:solidFill>
+                        <a:schemeClr val="tx1"/>
+                      </a:solidFill>
+                      <a:prstDash val="solid"/>
+                      <a:round/>
+                      <a:headEnd type="none" w="med" len="med"/>
+                      <a:tailEnd type="none" w="med" len="med"/>
+                    </a:lnB>
+                    <a:solidFill>
+                      <a:schemeClr val="tx2">
+                        <a:lumMod val="60000"/>
+                        <a:lumOff val="40000"/>
+                      </a:schemeClr>
+                    </a:solidFill>
+                  </a:tcPr>
+                </a:tc>
+              </a:tr>
+              <a:tr h="370840">
+                <a:tc>
+                  <a:txBody>
+                    <a:bodyPr/>
+                    <a:lstStyle/>
+                    <a:p>
+                      <a:r>
+                        <a:rPr lang="en-US" sz="4200" b="0" dirty="0" smtClean="0">
+                          <a:solidFill>
+                            <a:schemeClr val="tx1"/>
+                          </a:solidFill>
+                        </a:rPr>
+                        <a:t>1</a:t>
+                      </a:r>
+                      <a:endParaRPr lang="en-US" sz="4200" b="0" dirty="0">
+                        <a:solidFill>
+                          <a:schemeClr val="tx1"/>
+                        </a:solidFill>
+                      </a:endParaRPr>
+                    </a:p>
+                  </a:txBody>
+                  <a:tcPr>
+                    <a:lnL w="12700" cap="flat" cmpd="sng" algn="ctr">
+                      <a:solidFill>
+                        <a:schemeClr val="tx1"/>
+                      </a:solidFill>
+                      <a:prstDash val="solid"/>
+                      <a:round/>
+                      <a:headEnd type="none" w="med" len="med"/>
+                      <a:tailEnd type="none" w="med" len="med"/>
+                    </a:lnL>
+                    <a:lnR w="12700" cap="flat" cmpd="sng" algn="ctr">
+                      <a:solidFill>
+                        <a:schemeClr val="tx1"/>
+                      </a:solidFill>
+                      <a:prstDash val="solid"/>
+                      <a:round/>
+                      <a:headEnd type="none" w="med" len="med"/>
+                      <a:tailEnd type="none" w="med" len="med"/>
+                    </a:lnR>
+                    <a:lnT w="12700" cap="flat" cmpd="sng" algn="ctr">
+                      <a:solidFill>
+                        <a:schemeClr val="tx1"/>
+                      </a:solidFill>
+                      <a:prstDash val="solid"/>
+                      <a:round/>
+                      <a:headEnd type="none" w="med" len="med"/>
+                      <a:tailEnd type="none" w="med" len="med"/>
+                    </a:lnT>
+                    <a:lnB w="12700" cap="flat" cmpd="sng" algn="ctr">
+                      <a:solidFill>
+                        <a:schemeClr val="tx1"/>
+                      </a:solidFill>
+                      <a:prstDash val="solid"/>
+                      <a:round/>
+                      <a:headEnd type="none" w="med" len="med"/>
+                      <a:tailEnd type="none" w="med" len="med"/>
+                    </a:lnB>
+                    <a:solidFill>
+                      <a:schemeClr val="bg1"/>
+                    </a:solidFill>
+                  </a:tcPr>
+                </a:tc>
+                <a:tc>
+                  <a:txBody>
+                    <a:bodyPr/>
+                    <a:lstStyle/>
+                    <a:p>
+                      <a:r>
+                        <a:rPr lang="en-US" sz="4200" dirty="0" smtClean="0">
+                          <a:solidFill>
+                            <a:schemeClr val="bg1"/>
+                          </a:solidFill>
+                        </a:rPr>
+                        <a:t>2</a:t>
+                      </a:r>
+                      <a:endParaRPr lang="en-US" sz="4200" dirty="0">
+                        <a:solidFill>
+                          <a:schemeClr val="bg1"/>
+                        </a:solidFill>
+                      </a:endParaRPr>
+                    </a:p>
+                  </a:txBody>
+                  <a:tcPr>
+                    <a:lnL w="12700" cap="flat" cmpd="sng" algn="ctr">
+                      <a:solidFill>
+                        <a:schemeClr val="tx1"/>
+                      </a:solidFill>
+                      <a:prstDash val="solid"/>
+                      <a:round/>
+                      <a:headEnd type="none" w="med" len="med"/>
+                      <a:tailEnd type="none" w="med" len="med"/>
+                    </a:lnL>
+                    <a:lnR w="12700" cap="flat" cmpd="sng" algn="ctr">
+                      <a:solidFill>
+                        <a:schemeClr val="tx1"/>
+                      </a:solidFill>
+                      <a:prstDash val="solid"/>
+                      <a:round/>
+                      <a:headEnd type="none" w="med" len="med"/>
+                      <a:tailEnd type="none" w="med" len="med"/>
+                    </a:lnR>
+                    <a:lnT w="12700" cap="flat" cmpd="sng" algn="ctr">
+                      <a:solidFill>
+                        <a:schemeClr val="tx1"/>
+                      </a:solidFill>
+                      <a:prstDash val="solid"/>
+                      <a:round/>
+                      <a:headEnd type="none" w="med" len="med"/>
+                      <a:tailEnd type="none" w="med" len="med"/>
+                    </a:lnT>
+                    <a:lnB w="12700" cap="flat" cmpd="sng" algn="ctr">
+                      <a:solidFill>
+                        <a:schemeClr val="tx1"/>
+                      </a:solidFill>
+                      <a:prstDash val="solid"/>
+                      <a:round/>
+                      <a:headEnd type="none" w="med" len="med"/>
+                      <a:tailEnd type="none" w="med" len="med"/>
+                    </a:lnB>
+                    <a:solidFill>
+                      <a:schemeClr val="tx2">
+                        <a:lumMod val="60000"/>
+                        <a:lumOff val="40000"/>
+                      </a:schemeClr>
+                    </a:solidFill>
+                  </a:tcPr>
+                </a:tc>
+              </a:tr>
+              <a:tr h="370840">
+                <a:tc>
+                  <a:txBody>
+                    <a:bodyPr/>
+                    <a:lstStyle/>
+                    <a:p>
+                      <a:r>
+                        <a:rPr lang="en-US" sz="4200" b="0" dirty="0" smtClean="0">
+                          <a:solidFill>
+                            <a:schemeClr val="tx1"/>
+                          </a:solidFill>
+                        </a:rPr>
+                        <a:t>2</a:t>
+                      </a:r>
+                      <a:endParaRPr lang="en-US" sz="4200" b="0" dirty="0">
+                        <a:solidFill>
+                          <a:schemeClr val="tx1"/>
+                        </a:solidFill>
+                      </a:endParaRPr>
+                    </a:p>
+                  </a:txBody>
+                  <a:tcPr>
+                    <a:lnL w="12700" cap="flat" cmpd="sng" algn="ctr">
+                      <a:solidFill>
+                        <a:schemeClr val="tx1"/>
+                      </a:solidFill>
+                      <a:prstDash val="solid"/>
+                      <a:round/>
+                      <a:headEnd type="none" w="med" len="med"/>
+                      <a:tailEnd type="none" w="med" len="med"/>
+                    </a:lnL>
+                    <a:lnR w="12700" cap="flat" cmpd="sng" algn="ctr">
+                      <a:solidFill>
+                        <a:schemeClr val="tx1"/>
+                      </a:solidFill>
+                      <a:prstDash val="solid"/>
+                      <a:round/>
+                      <a:headEnd type="none" w="med" len="med"/>
+                      <a:tailEnd type="none" w="med" len="med"/>
+                    </a:lnR>
+                    <a:lnT w="12700" cap="flat" cmpd="sng" algn="ctr">
+                      <a:solidFill>
+                        <a:schemeClr val="tx1"/>
+                      </a:solidFill>
+                      <a:prstDash val="solid"/>
+                      <a:round/>
+                      <a:headEnd type="none" w="med" len="med"/>
+                      <a:tailEnd type="none" w="med" len="med"/>
+                    </a:lnT>
+                    <a:lnB w="12700" cap="flat" cmpd="sng" algn="ctr">
+                      <a:solidFill>
+                        <a:schemeClr val="tx1"/>
+                      </a:solidFill>
+                      <a:prstDash val="solid"/>
+                      <a:round/>
+                      <a:headEnd type="none" w="med" len="med"/>
+                      <a:tailEnd type="none" w="med" len="med"/>
+                    </a:lnB>
+                    <a:solidFill>
+                      <a:schemeClr val="bg1"/>
+                    </a:solidFill>
+                  </a:tcPr>
+                </a:tc>
+                <a:tc>
+                  <a:txBody>
+                    <a:bodyPr/>
+                    <a:lstStyle/>
+                    <a:p>
+                      <a:r>
+                        <a:rPr lang="en-US" sz="4200" dirty="0" smtClean="0">
+                          <a:solidFill>
+                            <a:schemeClr val="bg1"/>
+                          </a:solidFill>
+                        </a:rPr>
+                        <a:t>2</a:t>
+                      </a:r>
+                      <a:endParaRPr lang="en-US" sz="4200" dirty="0">
+                        <a:solidFill>
+                          <a:schemeClr val="bg1"/>
+                        </a:solidFill>
+                      </a:endParaRPr>
+                    </a:p>
+                  </a:txBody>
+                  <a:tcPr>
+                    <a:lnL w="12700" cap="flat" cmpd="sng" algn="ctr">
+                      <a:solidFill>
+                        <a:schemeClr val="tx1"/>
+                      </a:solidFill>
+                      <a:prstDash val="solid"/>
+                      <a:round/>
+                      <a:headEnd type="none" w="med" len="med"/>
+                      <a:tailEnd type="none" w="med" len="med"/>
+                    </a:lnL>
+                    <a:lnR w="12700" cap="flat" cmpd="sng" algn="ctr">
+                      <a:solidFill>
+                        <a:schemeClr val="tx1"/>
+                      </a:solidFill>
+                      <a:prstDash val="solid"/>
+                      <a:round/>
+                      <a:headEnd type="none" w="med" len="med"/>
+                      <a:tailEnd type="none" w="med" len="med"/>
+                    </a:lnR>
+                    <a:lnT w="12700" cap="flat" cmpd="sng" algn="ctr">
+                      <a:solidFill>
+                        <a:schemeClr val="tx1"/>
+                      </a:solidFill>
+                      <a:prstDash val="solid"/>
+                      <a:round/>
+                      <a:headEnd type="none" w="med" len="med"/>
+                      <a:tailEnd type="none" w="med" len="med"/>
+                    </a:lnT>
+                    <a:lnB w="12700" cap="flat" cmpd="sng" algn="ctr">
+                      <a:solidFill>
+                        <a:schemeClr val="tx1"/>
+                      </a:solidFill>
+                      <a:prstDash val="solid"/>
+                      <a:round/>
+                      <a:headEnd type="none" w="med" len="med"/>
+                      <a:tailEnd type="none" w="med" len="med"/>
+                    </a:lnB>
+                    <a:solidFill>
+                      <a:schemeClr val="tx2">
+                        <a:lumMod val="60000"/>
+                        <a:lumOff val="40000"/>
+                      </a:schemeClr>
+                    </a:solidFill>
+                  </a:tcPr>
+                </a:tc>
+              </a:tr>
+            </a:tbl>
+          </a:graphicData>
+        </a:graphic>
+      </p:graphicFrame>
+      <p:graphicFrame>
+        <p:nvGraphicFramePr>
+          <p:cNvPr id="9" name="Table 8"/>
+          <p:cNvGraphicFramePr>
+            <a:graphicFrameLocks noGrp="1"/>
+          </p:cNvGraphicFramePr>
+          <p:nvPr>
+            <p:extLst>
+              <p:ext uri="{D42A27DB-BD31-4B8C-83A1-F6EECF244321}">
+                <p14:modId xmlns:p14="http://schemas.microsoft.com/office/powerpoint/2010/main" val="1461564674"/>
+              </p:ext>
+            </p:extLst>
+          </p:nvPr>
+        </p:nvGraphicFramePr>
+        <p:xfrm>
+          <a:off x="2431018" y="1559100"/>
+          <a:ext cx="946718" cy="2926080"/>
+        </p:xfrm>
+        <a:graphic>
+          <a:graphicData uri="http://schemas.openxmlformats.org/drawingml/2006/table">
+            <a:tbl>
+              <a:tblPr>
+                <a:tableStyleId>{5C22544A-7EE6-4342-B048-85BDC9FD1C3A}</a:tableStyleId>
+              </a:tblPr>
+              <a:tblGrid>
+                <a:gridCol w="497831"/>
+                <a:gridCol w="448887"/>
+              </a:tblGrid>
+              <a:tr h="370840">
+                <a:tc>
+                  <a:txBody>
+                    <a:bodyPr/>
+                    <a:lstStyle/>
+                    <a:p>
+                      <a:r>
+                        <a:rPr lang="en-US" sz="4200" dirty="0" smtClean="0"/>
+                        <a:t>2</a:t>
+                      </a:r>
+                      <a:endParaRPr lang="en-US" sz="4200" dirty="0"/>
+                    </a:p>
+                  </a:txBody>
+                  <a:tcPr>
+                    <a:lnL w="12700" cap="flat" cmpd="sng" algn="ctr">
+                      <a:solidFill>
+                        <a:schemeClr val="tx1"/>
+                      </a:solidFill>
+                      <a:prstDash val="solid"/>
+                      <a:round/>
+                      <a:headEnd type="none" w="med" len="med"/>
+                      <a:tailEnd type="none" w="med" len="med"/>
+                    </a:lnL>
+                    <a:lnR w="12700" cap="flat" cmpd="sng" algn="ctr">
+                      <a:solidFill>
+                        <a:schemeClr val="tx1"/>
+                      </a:solidFill>
+                      <a:prstDash val="solid"/>
+                      <a:round/>
+                      <a:headEnd type="none" w="med" len="med"/>
+                      <a:tailEnd type="none" w="med" len="med"/>
+                    </a:lnR>
+                    <a:lnT w="12700" cap="flat" cmpd="sng" algn="ctr">
+                      <a:solidFill>
+                        <a:schemeClr val="tx1"/>
+                      </a:solidFill>
+                      <a:prstDash val="solid"/>
+                      <a:round/>
+                      <a:headEnd type="none" w="med" len="med"/>
+                      <a:tailEnd type="none" w="med" len="med"/>
+                    </a:lnT>
+                    <a:lnB w="12700" cap="flat" cmpd="sng" algn="ctr">
+                      <a:solidFill>
+                        <a:schemeClr val="tx1"/>
+                      </a:solidFill>
+                      <a:prstDash val="solid"/>
+                      <a:round/>
+                      <a:headEnd type="none" w="med" len="med"/>
+                      <a:tailEnd type="none" w="med" len="med"/>
+                    </a:lnB>
+                    <a:solidFill>
+                      <a:schemeClr val="bg1"/>
+                    </a:solidFill>
+                  </a:tcPr>
+                </a:tc>
+                <a:tc>
+                  <a:txBody>
+                    <a:bodyPr/>
+                    <a:lstStyle/>
+                    <a:p>
+                      <a:r>
+                        <a:rPr lang="en-US" sz="4200" dirty="0" smtClean="0"/>
+                        <a:t>2</a:t>
+                      </a:r>
+                      <a:endParaRPr lang="en-US" sz="4200" dirty="0"/>
+                    </a:p>
+                  </a:txBody>
+                  <a:tcPr>
+                    <a:lnL w="12700" cap="flat" cmpd="sng" algn="ctr">
+                      <a:solidFill>
+                        <a:schemeClr val="tx1"/>
+                      </a:solidFill>
+                      <a:prstDash val="solid"/>
+                      <a:round/>
+                      <a:headEnd type="none" w="med" len="med"/>
+                      <a:tailEnd type="none" w="med" len="med"/>
+                    </a:lnL>
+                    <a:lnR w="12700" cap="flat" cmpd="sng" algn="ctr">
+                      <a:solidFill>
+                        <a:schemeClr val="tx1"/>
+                      </a:solidFill>
+                      <a:prstDash val="solid"/>
+                      <a:round/>
+                      <a:headEnd type="none" w="med" len="med"/>
+                      <a:tailEnd type="none" w="med" len="med"/>
+                    </a:lnR>
+                    <a:lnT w="12700" cap="flat" cmpd="sng" algn="ctr">
+                      <a:solidFill>
+                        <a:schemeClr val="tx1"/>
+                      </a:solidFill>
+                      <a:prstDash val="solid"/>
+                      <a:round/>
+                      <a:headEnd type="none" w="med" len="med"/>
+                      <a:tailEnd type="none" w="med" len="med"/>
+                    </a:lnT>
+                    <a:lnB w="12700" cap="flat" cmpd="sng" algn="ctr">
+                      <a:solidFill>
+                        <a:schemeClr val="tx1"/>
+                      </a:solidFill>
+                      <a:prstDash val="solid"/>
+                      <a:round/>
+                      <a:headEnd type="none" w="med" len="med"/>
+                      <a:tailEnd type="none" w="med" len="med"/>
+                    </a:lnB>
+                    <a:solidFill>
+                      <a:schemeClr val="bg1"/>
+                    </a:solidFill>
+                  </a:tcPr>
+                </a:tc>
+              </a:tr>
+              <a:tr h="370840">
+                <a:tc>
+                  <a:txBody>
+                    <a:bodyPr/>
+                    <a:lstStyle/>
+                    <a:p>
+                      <a:r>
+                        <a:rPr lang="en-US" sz="4200" dirty="0" smtClean="0"/>
+                        <a:t>1</a:t>
+                      </a:r>
+                      <a:endParaRPr lang="en-US" sz="4200" dirty="0"/>
+                    </a:p>
+                  </a:txBody>
+                  <a:tcPr>
+                    <a:lnL w="12700" cap="flat" cmpd="sng" algn="ctr">
+                      <a:solidFill>
+                        <a:schemeClr val="tx1"/>
+                      </a:solidFill>
+                      <a:prstDash val="solid"/>
+                      <a:round/>
+                      <a:headEnd type="none" w="med" len="med"/>
+                      <a:tailEnd type="none" w="med" len="med"/>
+                    </a:lnL>
+                    <a:lnR w="12700" cap="flat" cmpd="sng" algn="ctr">
+                      <a:solidFill>
+                        <a:schemeClr val="tx1"/>
+                      </a:solidFill>
+                      <a:prstDash val="solid"/>
+                      <a:round/>
+                      <a:headEnd type="none" w="med" len="med"/>
+                      <a:tailEnd type="none" w="med" len="med"/>
+                    </a:lnR>
+                    <a:lnT w="12700" cap="flat" cmpd="sng" algn="ctr">
+                      <a:solidFill>
+                        <a:schemeClr val="tx1"/>
+                      </a:solidFill>
+                      <a:prstDash val="solid"/>
+                      <a:round/>
+                      <a:headEnd type="none" w="med" len="med"/>
+                      <a:tailEnd type="none" w="med" len="med"/>
+                    </a:lnT>
+                    <a:lnB w="12700" cap="flat" cmpd="sng" algn="ctr">
+                      <a:solidFill>
+                        <a:schemeClr val="tx1"/>
+                      </a:solidFill>
+                      <a:prstDash val="solid"/>
+                      <a:round/>
+                      <a:headEnd type="none" w="med" len="med"/>
+                      <a:tailEnd type="none" w="med" len="med"/>
+                    </a:lnB>
+                    <a:solidFill>
+                      <a:schemeClr val="bg1"/>
+                    </a:solidFill>
+                  </a:tcPr>
+                </a:tc>
+                <a:tc>
+                  <a:txBody>
+                    <a:bodyPr/>
+                    <a:lstStyle/>
+                    <a:p>
+                      <a:r>
+                        <a:rPr lang="en-US" sz="4200" dirty="0" smtClean="0"/>
+                        <a:t>2</a:t>
+                      </a:r>
+                      <a:endParaRPr lang="en-US" sz="4200" dirty="0"/>
+                    </a:p>
+                  </a:txBody>
+                  <a:tcPr>
+                    <a:lnL w="12700" cap="flat" cmpd="sng" algn="ctr">
+                      <a:solidFill>
+                        <a:schemeClr val="tx1"/>
+                      </a:solidFill>
+                      <a:prstDash val="solid"/>
+                      <a:round/>
+                      <a:headEnd type="none" w="med" len="med"/>
+                      <a:tailEnd type="none" w="med" len="med"/>
+                    </a:lnL>
+                    <a:lnR w="12700" cap="flat" cmpd="sng" algn="ctr">
+                      <a:solidFill>
+                        <a:schemeClr val="tx1"/>
+                      </a:solidFill>
+                      <a:prstDash val="solid"/>
+                      <a:round/>
+                      <a:headEnd type="none" w="med" len="med"/>
+                      <a:tailEnd type="none" w="med" len="med"/>
+                    </a:lnR>
+                    <a:lnT w="12700" cap="flat" cmpd="sng" algn="ctr">
+                      <a:solidFill>
+                        <a:schemeClr val="tx1"/>
+                      </a:solidFill>
+                      <a:prstDash val="solid"/>
+                      <a:round/>
+                      <a:headEnd type="none" w="med" len="med"/>
+                      <a:tailEnd type="none" w="med" len="med"/>
+                    </a:lnT>
+                    <a:lnB w="12700" cap="flat" cmpd="sng" algn="ctr">
+                      <a:solidFill>
+                        <a:schemeClr val="tx1"/>
+                      </a:solidFill>
+                      <a:prstDash val="solid"/>
+                      <a:round/>
+                      <a:headEnd type="none" w="med" len="med"/>
+                      <a:tailEnd type="none" w="med" len="med"/>
+                    </a:lnB>
+                    <a:solidFill>
+                      <a:schemeClr val="bg1"/>
+                    </a:solidFill>
+                  </a:tcPr>
+                </a:tc>
+              </a:tr>
+              <a:tr h="370840">
+                <a:tc>
+                  <a:txBody>
+                    <a:bodyPr/>
+                    <a:lstStyle/>
+                    <a:p>
+                      <a:r>
+                        <a:rPr lang="en-US" sz="4200" dirty="0" smtClean="0"/>
+                        <a:t>1</a:t>
+                      </a:r>
+                      <a:endParaRPr lang="en-US" sz="4200" dirty="0"/>
+                    </a:p>
+                  </a:txBody>
+                  <a:tcPr>
+                    <a:lnL w="12700" cap="flat" cmpd="sng" algn="ctr">
+                      <a:solidFill>
+                        <a:schemeClr val="tx1"/>
+                      </a:solidFill>
+                      <a:prstDash val="solid"/>
+                      <a:round/>
+                      <a:headEnd type="none" w="med" len="med"/>
+                      <a:tailEnd type="none" w="med" len="med"/>
+                    </a:lnL>
+                    <a:lnR w="12700" cap="flat" cmpd="sng" algn="ctr">
+                      <a:solidFill>
+                        <a:schemeClr val="tx1"/>
+                      </a:solidFill>
+                      <a:prstDash val="solid"/>
+                      <a:round/>
+                      <a:headEnd type="none" w="med" len="med"/>
+                      <a:tailEnd type="none" w="med" len="med"/>
+                    </a:lnR>
+                    <a:lnT w="12700" cap="flat" cmpd="sng" algn="ctr">
+                      <a:solidFill>
+                        <a:schemeClr val="tx1"/>
+                      </a:solidFill>
+                      <a:prstDash val="solid"/>
+                      <a:round/>
+                      <a:headEnd type="none" w="med" len="med"/>
+                      <a:tailEnd type="none" w="med" len="med"/>
+                    </a:lnT>
+                    <a:lnB w="12700" cap="flat" cmpd="sng" algn="ctr">
+                      <a:solidFill>
+                        <a:schemeClr val="tx1"/>
+                      </a:solidFill>
+                      <a:prstDash val="solid"/>
+                      <a:round/>
+                      <a:headEnd type="none" w="med" len="med"/>
+                      <a:tailEnd type="none" w="med" len="med"/>
+                    </a:lnB>
+                    <a:solidFill>
+                      <a:schemeClr val="bg1"/>
+                    </a:solidFill>
+                  </a:tcPr>
+                </a:tc>
+                <a:tc>
+                  <a:txBody>
+                    <a:bodyPr/>
+                    <a:lstStyle/>
+                    <a:p>
+                      <a:r>
+                        <a:rPr lang="en-US" sz="4200" dirty="0" smtClean="0"/>
+                        <a:t>1</a:t>
+                      </a:r>
+                      <a:endParaRPr lang="en-US" sz="4200" dirty="0"/>
+                    </a:p>
+                  </a:txBody>
+                  <a:tcPr>
+                    <a:lnL w="12700" cap="flat" cmpd="sng" algn="ctr">
+                      <a:solidFill>
+                        <a:schemeClr val="tx1"/>
+                      </a:solidFill>
+                      <a:prstDash val="solid"/>
+                      <a:round/>
+                      <a:headEnd type="none" w="med" len="med"/>
+                      <a:tailEnd type="none" w="med" len="med"/>
+                    </a:lnL>
+                    <a:lnR w="12700" cap="flat" cmpd="sng" algn="ctr">
+                      <a:solidFill>
+                        <a:schemeClr val="tx1"/>
+                      </a:solidFill>
+                      <a:prstDash val="solid"/>
+                      <a:round/>
+                      <a:headEnd type="none" w="med" len="med"/>
+                      <a:tailEnd type="none" w="med" len="med"/>
+                    </a:lnR>
+                    <a:lnT w="12700" cap="flat" cmpd="sng" algn="ctr">
+                      <a:solidFill>
+                        <a:schemeClr val="tx1"/>
+                      </a:solidFill>
+                      <a:prstDash val="solid"/>
+                      <a:round/>
+                      <a:headEnd type="none" w="med" len="med"/>
+                      <a:tailEnd type="none" w="med" len="med"/>
+                    </a:lnT>
+                    <a:lnB w="12700" cap="flat" cmpd="sng" algn="ctr">
+                      <a:solidFill>
+                        <a:schemeClr val="tx1"/>
+                      </a:solidFill>
+                      <a:prstDash val="solid"/>
+                      <a:round/>
+                      <a:headEnd type="none" w="med" len="med"/>
+                      <a:tailEnd type="none" w="med" len="med"/>
+                    </a:lnB>
+                    <a:solidFill>
+                      <a:schemeClr val="bg1"/>
+                    </a:solidFill>
+                  </a:tcPr>
+                </a:tc>
+              </a:tr>
+              <a:tr h="370840">
+                <a:tc>
+                  <a:txBody>
+                    <a:bodyPr/>
+                    <a:lstStyle/>
+                    <a:p>
+                      <a:r>
+                        <a:rPr lang="en-US" sz="4200" dirty="0" smtClean="0"/>
+                        <a:t>2</a:t>
+                      </a:r>
+                      <a:endParaRPr lang="en-US" sz="4200" dirty="0"/>
+                    </a:p>
+                  </a:txBody>
+                  <a:tcPr>
+                    <a:lnL w="12700" cap="flat" cmpd="sng" algn="ctr">
+                      <a:solidFill>
+                        <a:schemeClr val="tx1"/>
+                      </a:solidFill>
+                      <a:prstDash val="solid"/>
+                      <a:round/>
+                      <a:headEnd type="none" w="med" len="med"/>
+                      <a:tailEnd type="none" w="med" len="med"/>
+                    </a:lnL>
+                    <a:lnR w="12700" cap="flat" cmpd="sng" algn="ctr">
+                      <a:solidFill>
+                        <a:schemeClr val="tx1"/>
+                      </a:solidFill>
+                      <a:prstDash val="solid"/>
+                      <a:round/>
+                      <a:headEnd type="none" w="med" len="med"/>
+                      <a:tailEnd type="none" w="med" len="med"/>
+                    </a:lnR>
+                    <a:lnT w="12700" cap="flat" cmpd="sng" algn="ctr">
+                      <a:solidFill>
+                        <a:schemeClr val="tx1"/>
+                      </a:solidFill>
+                      <a:prstDash val="solid"/>
+                      <a:round/>
+                      <a:headEnd type="none" w="med" len="med"/>
+                      <a:tailEnd type="none" w="med" len="med"/>
+                    </a:lnT>
+                    <a:lnB w="12700" cap="flat" cmpd="sng" algn="ctr">
+                      <a:solidFill>
+                        <a:schemeClr val="tx1"/>
+                      </a:solidFill>
+                      <a:prstDash val="solid"/>
+                      <a:round/>
+                      <a:headEnd type="none" w="med" len="med"/>
+                      <a:tailEnd type="none" w="med" len="med"/>
+                    </a:lnB>
+                    <a:solidFill>
+                      <a:schemeClr val="bg1"/>
+                    </a:solidFill>
+                  </a:tcPr>
+                </a:tc>
+                <a:tc>
+                  <a:txBody>
+                    <a:bodyPr/>
+                    <a:lstStyle/>
+                    <a:p>
+                      <a:r>
+                        <a:rPr lang="en-US" sz="4200" dirty="0" smtClean="0"/>
+                        <a:t>1</a:t>
+                      </a:r>
+                      <a:endParaRPr lang="en-US" sz="4200" dirty="0"/>
+                    </a:p>
+                  </a:txBody>
+                  <a:tcPr>
+                    <a:lnL w="12700" cap="flat" cmpd="sng" algn="ctr">
+                      <a:solidFill>
+                        <a:schemeClr val="tx1"/>
+                      </a:solidFill>
+                      <a:prstDash val="solid"/>
+                      <a:round/>
+                      <a:headEnd type="none" w="med" len="med"/>
+                      <a:tailEnd type="none" w="med" len="med"/>
+                    </a:lnL>
+                    <a:lnR w="12700" cap="flat" cmpd="sng" algn="ctr">
+                      <a:solidFill>
+                        <a:schemeClr val="tx1"/>
+                      </a:solidFill>
+                      <a:prstDash val="solid"/>
+                      <a:round/>
+                      <a:headEnd type="none" w="med" len="med"/>
+                      <a:tailEnd type="none" w="med" len="med"/>
+                    </a:lnR>
+                    <a:lnT w="12700" cap="flat" cmpd="sng" algn="ctr">
+                      <a:solidFill>
+                        <a:schemeClr val="tx1"/>
+                      </a:solidFill>
+                      <a:prstDash val="solid"/>
+                      <a:round/>
+                      <a:headEnd type="none" w="med" len="med"/>
+                      <a:tailEnd type="none" w="med" len="med"/>
+                    </a:lnT>
+                    <a:lnB w="12700" cap="flat" cmpd="sng" algn="ctr">
+                      <a:solidFill>
+                        <a:schemeClr val="tx1"/>
+                      </a:solidFill>
+                      <a:prstDash val="solid"/>
+                      <a:round/>
+                      <a:headEnd type="none" w="med" len="med"/>
+                      <a:tailEnd type="none" w="med" len="med"/>
+                    </a:lnB>
+                    <a:solidFill>
+                      <a:schemeClr val="bg1"/>
+                    </a:solidFill>
+                  </a:tcPr>
+                </a:tc>
+              </a:tr>
+            </a:tbl>
+          </a:graphicData>
+        </a:graphic>
+      </p:graphicFrame>
+      <p:sp>
+        <p:nvSpPr>
+          <p:cNvPr id="3" name="Down Arrow 2"/>
+          <p:cNvSpPr/>
+          <p:nvPr/>
+        </p:nvSpPr>
+        <p:spPr>
+          <a:xfrm>
+            <a:off x="2527068" y="914400"/>
+            <a:ext cx="216131" cy="598516"/>
+          </a:xfrm>
+          <a:prstGeom prst="downArrow">
+            <a:avLst/>
+          </a:prstGeom>
+          <a:solidFill>
+            <a:schemeClr val="bg1"/>
+          </a:solidFill>
+          <a:ln>
+            <a:solidFill>
+              <a:schemeClr val="tx2"/>
+            </a:solidFill>
+          </a:ln>
+        </p:spPr>
+        <p:style>
+          <a:lnRef idx="2">
+            <a:schemeClr val="accent1">
+              <a:shade val="50000"/>
+            </a:schemeClr>
+          </a:lnRef>
+          <a:fillRef idx="1">
+            <a:schemeClr val="accent1"/>
+          </a:fillRef>
+          <a:effectRef idx="0">
+            <a:schemeClr val="accent1"/>
+          </a:effectRef>
+          <a:fontRef idx="minor">
+            <a:schemeClr val="lt1"/>
+          </a:fontRef>
+        </p:style>
+        <p:txBody>
+          <a:bodyPr rtlCol="0" anchor="ctr"/>
+          <a:lstStyle/>
+          <a:p>
+            <a:pPr algn="ctr"/>
+            <a:endParaRPr lang="en-US"/>
+          </a:p>
+        </p:txBody>
+      </p:sp>
+      <p:graphicFrame>
+        <p:nvGraphicFramePr>
+          <p:cNvPr id="10" name="Table 9"/>
+          <p:cNvGraphicFramePr>
+            <a:graphicFrameLocks noGrp="1"/>
+          </p:cNvGraphicFramePr>
+          <p:nvPr>
+            <p:extLst>
+              <p:ext uri="{D42A27DB-BD31-4B8C-83A1-F6EECF244321}">
+                <p14:modId xmlns:p14="http://schemas.microsoft.com/office/powerpoint/2010/main" val="3879122670"/>
+              </p:ext>
+            </p:extLst>
+          </p:nvPr>
+        </p:nvGraphicFramePr>
+        <p:xfrm>
+          <a:off x="5775504" y="1595123"/>
+          <a:ext cx="946718" cy="2926080"/>
+        </p:xfrm>
+        <a:graphic>
+          <a:graphicData uri="http://schemas.openxmlformats.org/drawingml/2006/table">
+            <a:tbl>
+              <a:tblPr>
+                <a:tableStyleId>{5C22544A-7EE6-4342-B048-85BDC9FD1C3A}</a:tableStyleId>
+              </a:tblPr>
+              <a:tblGrid>
+                <a:gridCol w="497831"/>
+                <a:gridCol w="448887"/>
+              </a:tblGrid>
+              <a:tr h="370840">
+                <a:tc>
+                  <a:txBody>
+                    <a:bodyPr/>
+                    <a:lstStyle/>
+                    <a:p>
+                      <a:r>
+                        <a:rPr lang="en-US" sz="4200" b="1" dirty="0" smtClean="0">
+                          <a:solidFill>
+                            <a:schemeClr val="bg1"/>
+                          </a:solidFill>
+                        </a:rPr>
+                        <a:t>1</a:t>
+                      </a:r>
+                      <a:endParaRPr lang="en-US" sz="4200" b="1" dirty="0">
+                        <a:solidFill>
+                          <a:schemeClr val="bg1"/>
+                        </a:solidFill>
+                      </a:endParaRPr>
+                    </a:p>
+                  </a:txBody>
+                  <a:tcPr>
+                    <a:lnL w="12700" cap="flat" cmpd="sng" algn="ctr">
+                      <a:solidFill>
+                        <a:schemeClr val="tx1"/>
+                      </a:solidFill>
+                      <a:prstDash val="solid"/>
+                      <a:round/>
+                      <a:headEnd type="none" w="med" len="med"/>
+                      <a:tailEnd type="none" w="med" len="med"/>
+                    </a:lnL>
+                    <a:lnR w="12700" cap="flat" cmpd="sng" algn="ctr">
+                      <a:solidFill>
+                        <a:schemeClr val="tx1"/>
+                      </a:solidFill>
+                      <a:prstDash val="solid"/>
+                      <a:round/>
+                      <a:headEnd type="none" w="med" len="med"/>
+                      <a:tailEnd type="none" w="med" len="med"/>
+                    </a:lnR>
+                    <a:lnT w="12700" cap="flat" cmpd="sng" algn="ctr">
+                      <a:solidFill>
+                        <a:schemeClr val="tx1"/>
+                      </a:solidFill>
+                      <a:prstDash val="solid"/>
+                      <a:round/>
+                      <a:headEnd type="none" w="med" len="med"/>
+                      <a:tailEnd type="none" w="med" len="med"/>
+                    </a:lnT>
+                    <a:lnB w="12700" cap="flat" cmpd="sng" algn="ctr">
+                      <a:solidFill>
+                        <a:schemeClr val="tx1"/>
+                      </a:solidFill>
+                      <a:prstDash val="solid"/>
+                      <a:round/>
+                      <a:headEnd type="none" w="med" len="med"/>
+                      <a:tailEnd type="none" w="med" len="med"/>
+                    </a:lnB>
+                    <a:solidFill>
+                      <a:schemeClr val="tx2">
+                        <a:lumMod val="60000"/>
+                        <a:lumOff val="40000"/>
+                      </a:schemeClr>
+                    </a:solidFill>
+                  </a:tcPr>
+                </a:tc>
+                <a:tc>
+                  <a:txBody>
+                    <a:bodyPr/>
+                    <a:lstStyle/>
+                    <a:p>
+                      <a:r>
+                        <a:rPr lang="en-US" sz="4200" dirty="0" smtClean="0"/>
+                        <a:t>2</a:t>
+                      </a:r>
+                      <a:endParaRPr lang="en-US" sz="4200" dirty="0"/>
+                    </a:p>
+                  </a:txBody>
+                  <a:tcPr>
+                    <a:lnL w="12700" cap="flat" cmpd="sng" algn="ctr">
+                      <a:solidFill>
+                        <a:schemeClr val="tx1"/>
+                      </a:solidFill>
+                      <a:prstDash val="solid"/>
+                      <a:round/>
+                      <a:headEnd type="none" w="med" len="med"/>
+                      <a:tailEnd type="none" w="med" len="med"/>
+                    </a:lnL>
+                    <a:lnR w="12700" cap="flat" cmpd="sng" algn="ctr">
+                      <a:solidFill>
+                        <a:schemeClr val="tx1"/>
+                      </a:solidFill>
+                      <a:prstDash val="solid"/>
+                      <a:round/>
+                      <a:headEnd type="none" w="med" len="med"/>
+                      <a:tailEnd type="none" w="med" len="med"/>
+                    </a:lnR>
+                    <a:lnT w="12700" cap="flat" cmpd="sng" algn="ctr">
+                      <a:solidFill>
+                        <a:schemeClr val="tx1"/>
+                      </a:solidFill>
+                      <a:prstDash val="solid"/>
+                      <a:round/>
+                      <a:headEnd type="none" w="med" len="med"/>
+                      <a:tailEnd type="none" w="med" len="med"/>
+                    </a:lnT>
+                    <a:lnB w="12700" cap="flat" cmpd="sng" algn="ctr">
+                      <a:solidFill>
+                        <a:schemeClr val="tx1"/>
+                      </a:solidFill>
+                      <a:prstDash val="solid"/>
+                      <a:round/>
+                      <a:headEnd type="none" w="med" len="med"/>
+                      <a:tailEnd type="none" w="med" len="med"/>
+                    </a:lnB>
+                    <a:solidFill>
+                      <a:schemeClr val="bg1"/>
+                    </a:solidFill>
+                  </a:tcPr>
+                </a:tc>
+              </a:tr>
+              <a:tr h="370840">
+                <a:tc>
+                  <a:txBody>
+                    <a:bodyPr/>
+                    <a:lstStyle/>
+                    <a:p>
+                      <a:r>
+                        <a:rPr lang="en-US" sz="4200" b="1" dirty="0" smtClean="0">
+                          <a:solidFill>
+                            <a:schemeClr val="bg1"/>
+                          </a:solidFill>
+                        </a:rPr>
+                        <a:t>1</a:t>
+                      </a:r>
+                      <a:endParaRPr lang="en-US" sz="4200" b="1" dirty="0">
+                        <a:solidFill>
+                          <a:schemeClr val="bg1"/>
+                        </a:solidFill>
+                      </a:endParaRPr>
+                    </a:p>
+                  </a:txBody>
+                  <a:tcPr>
+                    <a:lnL w="12700" cap="flat" cmpd="sng" algn="ctr">
+                      <a:solidFill>
+                        <a:schemeClr val="tx1"/>
+                      </a:solidFill>
+                      <a:prstDash val="solid"/>
+                      <a:round/>
+                      <a:headEnd type="none" w="med" len="med"/>
+                      <a:tailEnd type="none" w="med" len="med"/>
+                    </a:lnL>
+                    <a:lnR w="12700" cap="flat" cmpd="sng" algn="ctr">
+                      <a:solidFill>
+                        <a:schemeClr val="tx1"/>
+                      </a:solidFill>
+                      <a:prstDash val="solid"/>
+                      <a:round/>
+                      <a:headEnd type="none" w="med" len="med"/>
+                      <a:tailEnd type="none" w="med" len="med"/>
+                    </a:lnR>
+                    <a:lnT w="12700" cap="flat" cmpd="sng" algn="ctr">
+                      <a:solidFill>
+                        <a:schemeClr val="tx1"/>
+                      </a:solidFill>
+                      <a:prstDash val="solid"/>
+                      <a:round/>
+                      <a:headEnd type="none" w="med" len="med"/>
+                      <a:tailEnd type="none" w="med" len="med"/>
+                    </a:lnT>
+                    <a:lnB w="12700" cap="flat" cmpd="sng" algn="ctr">
+                      <a:solidFill>
+                        <a:schemeClr val="tx1"/>
+                      </a:solidFill>
+                      <a:prstDash val="solid"/>
+                      <a:round/>
+                      <a:headEnd type="none" w="med" len="med"/>
+                      <a:tailEnd type="none" w="med" len="med"/>
+                    </a:lnB>
+                    <a:solidFill>
+                      <a:schemeClr val="tx2">
+                        <a:lumMod val="60000"/>
+                        <a:lumOff val="40000"/>
+                      </a:schemeClr>
+                    </a:solidFill>
+                  </a:tcPr>
+                </a:tc>
+                <a:tc>
+                  <a:txBody>
+                    <a:bodyPr/>
+                    <a:lstStyle/>
+                    <a:p>
+                      <a:r>
+                        <a:rPr lang="en-US" sz="4200" dirty="0" smtClean="0"/>
+                        <a:t>1</a:t>
+                      </a:r>
+                      <a:endParaRPr lang="en-US" sz="4200" dirty="0"/>
+                    </a:p>
+                  </a:txBody>
+                  <a:tcPr>
+                    <a:lnL w="12700" cap="flat" cmpd="sng" algn="ctr">
+                      <a:solidFill>
+                        <a:schemeClr val="tx1"/>
+                      </a:solidFill>
+                      <a:prstDash val="solid"/>
+                      <a:round/>
+                      <a:headEnd type="none" w="med" len="med"/>
+                      <a:tailEnd type="none" w="med" len="med"/>
+                    </a:lnL>
+                    <a:lnR w="12700" cap="flat" cmpd="sng" algn="ctr">
+                      <a:solidFill>
+                        <a:schemeClr val="tx1"/>
+                      </a:solidFill>
+                      <a:prstDash val="solid"/>
+                      <a:round/>
+                      <a:headEnd type="none" w="med" len="med"/>
+                      <a:tailEnd type="none" w="med" len="med"/>
+                    </a:lnR>
+                    <a:lnT w="12700" cap="flat" cmpd="sng" algn="ctr">
+                      <a:solidFill>
+                        <a:schemeClr val="tx1"/>
+                      </a:solidFill>
+                      <a:prstDash val="solid"/>
+                      <a:round/>
+                      <a:headEnd type="none" w="med" len="med"/>
+                      <a:tailEnd type="none" w="med" len="med"/>
+                    </a:lnT>
+                    <a:lnB w="12700" cap="flat" cmpd="sng" algn="ctr">
+                      <a:solidFill>
+                        <a:schemeClr val="tx1"/>
+                      </a:solidFill>
+                      <a:prstDash val="solid"/>
+                      <a:round/>
+                      <a:headEnd type="none" w="med" len="med"/>
+                      <a:tailEnd type="none" w="med" len="med"/>
+                    </a:lnB>
+                    <a:solidFill>
+                      <a:schemeClr val="bg1"/>
+                    </a:solidFill>
+                  </a:tcPr>
+                </a:tc>
+              </a:tr>
+              <a:tr h="370840">
+                <a:tc>
+                  <a:txBody>
+                    <a:bodyPr/>
+                    <a:lstStyle/>
+                    <a:p>
+                      <a:r>
+                        <a:rPr lang="en-US" sz="4200" b="1" dirty="0" smtClean="0">
+                          <a:solidFill>
+                            <a:schemeClr val="bg1"/>
+                          </a:solidFill>
+                        </a:rPr>
+                        <a:t>2</a:t>
+                      </a:r>
+                      <a:endParaRPr lang="en-US" sz="4200" b="1" dirty="0">
+                        <a:solidFill>
+                          <a:schemeClr val="bg1"/>
+                        </a:solidFill>
+                      </a:endParaRPr>
+                    </a:p>
+                  </a:txBody>
+                  <a:tcPr>
+                    <a:lnL w="12700" cap="flat" cmpd="sng" algn="ctr">
+                      <a:solidFill>
+                        <a:schemeClr val="tx1"/>
+                      </a:solidFill>
+                      <a:prstDash val="solid"/>
+                      <a:round/>
+                      <a:headEnd type="none" w="med" len="med"/>
+                      <a:tailEnd type="none" w="med" len="med"/>
+                    </a:lnL>
+                    <a:lnR w="12700" cap="flat" cmpd="sng" algn="ctr">
+                      <a:solidFill>
+                        <a:schemeClr val="tx1"/>
+                      </a:solidFill>
+                      <a:prstDash val="solid"/>
+                      <a:round/>
+                      <a:headEnd type="none" w="med" len="med"/>
+                      <a:tailEnd type="none" w="med" len="med"/>
+                    </a:lnR>
+                    <a:lnT w="12700" cap="flat" cmpd="sng" algn="ctr">
+                      <a:solidFill>
+                        <a:schemeClr val="tx1"/>
+                      </a:solidFill>
+                      <a:prstDash val="solid"/>
+                      <a:round/>
+                      <a:headEnd type="none" w="med" len="med"/>
+                      <a:tailEnd type="none" w="med" len="med"/>
+                    </a:lnT>
+                    <a:lnB w="12700" cap="flat" cmpd="sng" algn="ctr">
+                      <a:solidFill>
+                        <a:schemeClr val="tx1"/>
+                      </a:solidFill>
+                      <a:prstDash val="solid"/>
+                      <a:round/>
+                      <a:headEnd type="none" w="med" len="med"/>
+                      <a:tailEnd type="none" w="med" len="med"/>
+                    </a:lnB>
+                    <a:solidFill>
+                      <a:schemeClr val="tx2">
+                        <a:lumMod val="60000"/>
+                        <a:lumOff val="40000"/>
+                      </a:schemeClr>
+                    </a:solidFill>
+                  </a:tcPr>
+                </a:tc>
+                <a:tc>
+                  <a:txBody>
+                    <a:bodyPr/>
+                    <a:lstStyle/>
+                    <a:p>
+                      <a:r>
+                        <a:rPr lang="en-US" sz="4200" dirty="0" smtClean="0"/>
+                        <a:t>2</a:t>
+                      </a:r>
+                      <a:endParaRPr lang="en-US" sz="4200" dirty="0"/>
+                    </a:p>
+                  </a:txBody>
+                  <a:tcPr>
+                    <a:lnL w="12700" cap="flat" cmpd="sng" algn="ctr">
+                      <a:solidFill>
+                        <a:schemeClr val="tx1"/>
+                      </a:solidFill>
+                      <a:prstDash val="solid"/>
+                      <a:round/>
+                      <a:headEnd type="none" w="med" len="med"/>
+                      <a:tailEnd type="none" w="med" len="med"/>
+                    </a:lnL>
+                    <a:lnR w="12700" cap="flat" cmpd="sng" algn="ctr">
+                      <a:solidFill>
+                        <a:schemeClr val="tx1"/>
+                      </a:solidFill>
+                      <a:prstDash val="solid"/>
+                      <a:round/>
+                      <a:headEnd type="none" w="med" len="med"/>
+                      <a:tailEnd type="none" w="med" len="med"/>
+                    </a:lnR>
+                    <a:lnT w="12700" cap="flat" cmpd="sng" algn="ctr">
+                      <a:solidFill>
+                        <a:schemeClr val="tx1"/>
+                      </a:solidFill>
+                      <a:prstDash val="solid"/>
+                      <a:round/>
+                      <a:headEnd type="none" w="med" len="med"/>
+                      <a:tailEnd type="none" w="med" len="med"/>
+                    </a:lnT>
+                    <a:lnB w="12700" cap="flat" cmpd="sng" algn="ctr">
+                      <a:solidFill>
+                        <a:schemeClr val="tx1"/>
+                      </a:solidFill>
+                      <a:prstDash val="solid"/>
+                      <a:round/>
+                      <a:headEnd type="none" w="med" len="med"/>
+                      <a:tailEnd type="none" w="med" len="med"/>
+                    </a:lnB>
+                    <a:solidFill>
+                      <a:schemeClr val="bg1"/>
+                    </a:solidFill>
+                  </a:tcPr>
+                </a:tc>
+              </a:tr>
+              <a:tr h="370840">
+                <a:tc>
+                  <a:txBody>
+                    <a:bodyPr/>
+                    <a:lstStyle/>
+                    <a:p>
+                      <a:r>
+                        <a:rPr lang="en-US" sz="4200" b="1" dirty="0" smtClean="0">
+                          <a:solidFill>
+                            <a:schemeClr val="bg1"/>
+                          </a:solidFill>
+                        </a:rPr>
+                        <a:t>2</a:t>
+                      </a:r>
+                      <a:endParaRPr lang="en-US" sz="4200" b="1" dirty="0">
+                        <a:solidFill>
+                          <a:schemeClr val="bg1"/>
+                        </a:solidFill>
+                      </a:endParaRPr>
+                    </a:p>
+                  </a:txBody>
+                  <a:tcPr>
+                    <a:lnL w="12700" cap="flat" cmpd="sng" algn="ctr">
+                      <a:solidFill>
+                        <a:schemeClr val="tx1"/>
+                      </a:solidFill>
+                      <a:prstDash val="solid"/>
+                      <a:round/>
+                      <a:headEnd type="none" w="med" len="med"/>
+                      <a:tailEnd type="none" w="med" len="med"/>
+                    </a:lnL>
+                    <a:lnR w="12700" cap="flat" cmpd="sng" algn="ctr">
+                      <a:solidFill>
+                        <a:schemeClr val="tx1"/>
+                      </a:solidFill>
+                      <a:prstDash val="solid"/>
+                      <a:round/>
+                      <a:headEnd type="none" w="med" len="med"/>
+                      <a:tailEnd type="none" w="med" len="med"/>
+                    </a:lnR>
+                    <a:lnT w="12700" cap="flat" cmpd="sng" algn="ctr">
+                      <a:solidFill>
+                        <a:schemeClr val="tx1"/>
+                      </a:solidFill>
+                      <a:prstDash val="solid"/>
+                      <a:round/>
+                      <a:headEnd type="none" w="med" len="med"/>
+                      <a:tailEnd type="none" w="med" len="med"/>
+                    </a:lnT>
+                    <a:lnB w="12700" cap="flat" cmpd="sng" algn="ctr">
+                      <a:solidFill>
+                        <a:schemeClr val="tx1"/>
+                      </a:solidFill>
+                      <a:prstDash val="solid"/>
+                      <a:round/>
+                      <a:headEnd type="none" w="med" len="med"/>
+                      <a:tailEnd type="none" w="med" len="med"/>
+                    </a:lnB>
+                    <a:solidFill>
+                      <a:schemeClr val="tx2">
+                        <a:lumMod val="60000"/>
+                        <a:lumOff val="40000"/>
+                      </a:schemeClr>
+                    </a:solidFill>
+                  </a:tcPr>
+                </a:tc>
+                <a:tc>
+                  <a:txBody>
+                    <a:bodyPr/>
+                    <a:lstStyle/>
+                    <a:p>
+                      <a:r>
+                        <a:rPr lang="en-US" sz="4200" dirty="0" smtClean="0"/>
+                        <a:t>1</a:t>
+                      </a:r>
+                      <a:endParaRPr lang="en-US" sz="4200" dirty="0"/>
+                    </a:p>
+                  </a:txBody>
+                  <a:tcPr>
+                    <a:lnL w="12700" cap="flat" cmpd="sng" algn="ctr">
+                      <a:solidFill>
+                        <a:schemeClr val="tx1"/>
+                      </a:solidFill>
+                      <a:prstDash val="solid"/>
+                      <a:round/>
+                      <a:headEnd type="none" w="med" len="med"/>
+                      <a:tailEnd type="none" w="med" len="med"/>
+                    </a:lnL>
+                    <a:lnR w="12700" cap="flat" cmpd="sng" algn="ctr">
+                      <a:solidFill>
+                        <a:schemeClr val="tx1"/>
+                      </a:solidFill>
+                      <a:prstDash val="solid"/>
+                      <a:round/>
+                      <a:headEnd type="none" w="med" len="med"/>
+                      <a:tailEnd type="none" w="med" len="med"/>
+                    </a:lnR>
+                    <a:lnT w="12700" cap="flat" cmpd="sng" algn="ctr">
+                      <a:solidFill>
+                        <a:schemeClr val="tx1"/>
+                      </a:solidFill>
+                      <a:prstDash val="solid"/>
+                      <a:round/>
+                      <a:headEnd type="none" w="med" len="med"/>
+                      <a:tailEnd type="none" w="med" len="med"/>
+                    </a:lnT>
+                    <a:lnB w="12700" cap="flat" cmpd="sng" algn="ctr">
+                      <a:solidFill>
+                        <a:schemeClr val="tx1"/>
+                      </a:solidFill>
+                      <a:prstDash val="solid"/>
+                      <a:round/>
+                      <a:headEnd type="none" w="med" len="med"/>
+                      <a:tailEnd type="none" w="med" len="med"/>
+                    </a:lnB>
+                    <a:solidFill>
+                      <a:schemeClr val="bg1"/>
+                    </a:solidFill>
+                  </a:tcPr>
+                </a:tc>
+              </a:tr>
+            </a:tbl>
+          </a:graphicData>
+        </a:graphic>
+      </p:graphicFrame>
+      <p:sp>
+        <p:nvSpPr>
+          <p:cNvPr id="11" name="Down Arrow 10"/>
+          <p:cNvSpPr/>
+          <p:nvPr/>
+        </p:nvSpPr>
+        <p:spPr>
+          <a:xfrm>
+            <a:off x="6436823" y="850673"/>
+            <a:ext cx="216131" cy="598516"/>
+          </a:xfrm>
+          <a:prstGeom prst="downArrow">
+            <a:avLst/>
+          </a:prstGeom>
+          <a:solidFill>
+            <a:schemeClr val="bg1"/>
+          </a:solidFill>
+          <a:ln>
+            <a:solidFill>
+              <a:schemeClr val="tx2"/>
+            </a:solidFill>
+          </a:ln>
+        </p:spPr>
+        <p:style>
+          <a:lnRef idx="2">
+            <a:schemeClr val="accent1">
+              <a:shade val="50000"/>
+            </a:schemeClr>
+          </a:lnRef>
+          <a:fillRef idx="1">
+            <a:schemeClr val="accent1"/>
+          </a:fillRef>
+          <a:effectRef idx="0">
+            <a:schemeClr val="accent1"/>
+          </a:effectRef>
+          <a:fontRef idx="minor">
+            <a:schemeClr val="lt1"/>
+          </a:fontRef>
+        </p:style>
+        <p:txBody>
+          <a:bodyPr rtlCol="0" anchor="ctr"/>
+          <a:lstStyle/>
+          <a:p>
+            <a:pPr algn="ctr"/>
+            <a:endParaRPr lang="en-US"/>
+          </a:p>
+        </p:txBody>
+      </p:sp>
+    </p:spTree>
+    <p:extLst>
+      <p:ext uri="{BB962C8B-B14F-4D97-AF65-F5344CB8AC3E}">
+        <p14:creationId xmlns:p14="http://schemas.microsoft.com/office/powerpoint/2010/main" val="2266002418"/>
+      </p:ext>
+    </p:extLst>
+  </p:cSld>
+  <p:clrMapOvr>
+    <a:masterClrMapping/>
+  </p:clrMapOvr>
+</p:sld>
+</file>
+
+<file path=ppt/slides/slide5.xml><?xml version="1.0" encoding="utf-8"?>
+<p:sld xmlns:a="http://schemas.openxmlformats.org/drawingml/2006/main" xmlns:r="http://schemas.openxmlformats.org/officeDocument/2006/relationships" xmlns:p="http://schemas.openxmlformats.org/presentationml/2006/main">
+  <p:cSld>
+    <p:spTree>
+      <p:nvGrpSpPr>
+        <p:cNvPr id="1" name=""/>
+        <p:cNvGrpSpPr/>
+        <p:nvPr/>
+      </p:nvGrpSpPr>
+      <p:grpSpPr>
+        <a:xfrm>
+          <a:off x="0" y="0"/>
+          <a:ext cx="0" cy="0"/>
+          <a:chOff x="0" y="0"/>
+          <a:chExt cx="0" cy="0"/>
+        </a:xfrm>
+      </p:grpSpPr>
+      <p:graphicFrame>
+        <p:nvGraphicFramePr>
+          <p:cNvPr id="2" name="Table 1"/>
+          <p:cNvGraphicFramePr>
+            <a:graphicFrameLocks noGrp="1"/>
+          </p:cNvGraphicFramePr>
+          <p:nvPr>
+            <p:extLst>
+              <p:ext uri="{D42A27DB-BD31-4B8C-83A1-F6EECF244321}">
+                <p14:modId xmlns:p14="http://schemas.microsoft.com/office/powerpoint/2010/main" val="426439291"/>
+              </p:ext>
+            </p:extLst>
+          </p:nvPr>
+        </p:nvGraphicFramePr>
+        <p:xfrm>
+          <a:off x="765704" y="1539698"/>
+          <a:ext cx="946718" cy="2926080"/>
+        </p:xfrm>
+        <a:graphic>
+          <a:graphicData uri="http://schemas.openxmlformats.org/drawingml/2006/table">
+            <a:tbl>
+              <a:tblPr>
+                <a:tableStyleId>{5C22544A-7EE6-4342-B048-85BDC9FD1C3A}</a:tableStyleId>
+              </a:tblPr>
+              <a:tblGrid>
+                <a:gridCol w="497831"/>
+                <a:gridCol w="448887"/>
+              </a:tblGrid>
+              <a:tr h="370840">
+                <a:tc>
+                  <a:txBody>
+                    <a:bodyPr/>
+                    <a:lstStyle/>
+                    <a:p>
+                      <a:r>
+                        <a:rPr lang="en-US" sz="4200" dirty="0" smtClean="0"/>
+                        <a:t>2</a:t>
+                      </a:r>
+                      <a:endParaRPr lang="en-US" sz="4200" dirty="0"/>
+                    </a:p>
+                  </a:txBody>
+                  <a:tcPr>
+                    <a:lnL w="12700" cap="flat" cmpd="sng" algn="ctr">
+                      <a:solidFill>
+                        <a:schemeClr val="tx1"/>
+                      </a:solidFill>
+                      <a:prstDash val="solid"/>
+                      <a:round/>
+                      <a:headEnd type="none" w="med" len="med"/>
+                      <a:tailEnd type="none" w="med" len="med"/>
+                    </a:lnL>
+                    <a:lnR w="12700" cap="flat" cmpd="sng" algn="ctr">
+                      <a:solidFill>
+                        <a:schemeClr val="tx1"/>
+                      </a:solidFill>
+                      <a:prstDash val="solid"/>
+                      <a:round/>
+                      <a:headEnd type="none" w="med" len="med"/>
+                      <a:tailEnd type="none" w="med" len="med"/>
+                    </a:lnR>
+                    <a:lnT w="12700" cap="flat" cmpd="sng" algn="ctr">
+                      <a:solidFill>
+                        <a:schemeClr val="tx1"/>
+                      </a:solidFill>
+                      <a:prstDash val="solid"/>
+                      <a:round/>
+                      <a:headEnd type="none" w="med" len="med"/>
+                      <a:tailEnd type="none" w="med" len="med"/>
+                    </a:lnT>
+                    <a:lnB w="12700" cap="flat" cmpd="sng" algn="ctr">
+                      <a:solidFill>
+                        <a:schemeClr val="tx1"/>
+                      </a:solidFill>
+                      <a:prstDash val="solid"/>
+                      <a:round/>
+                      <a:headEnd type="none" w="med" len="med"/>
+                      <a:tailEnd type="none" w="med" len="med"/>
+                    </a:lnB>
+                    <a:solidFill>
+                      <a:schemeClr val="bg1"/>
+                    </a:solidFill>
+                  </a:tcPr>
+                </a:tc>
+                <a:tc>
+                  <a:txBody>
+                    <a:bodyPr/>
+                    <a:lstStyle/>
+                    <a:p>
+                      <a:r>
+                        <a:rPr lang="en-US" sz="4200" dirty="0" smtClean="0"/>
+                        <a:t>2</a:t>
+                      </a:r>
+                      <a:endParaRPr lang="en-US" sz="4200" dirty="0"/>
+                    </a:p>
+                  </a:txBody>
+                  <a:tcPr>
+                    <a:lnL w="12700" cap="flat" cmpd="sng" algn="ctr">
+                      <a:solidFill>
+                        <a:schemeClr val="tx1"/>
+                      </a:solidFill>
+                      <a:prstDash val="solid"/>
+                      <a:round/>
+                      <a:headEnd type="none" w="med" len="med"/>
+                      <a:tailEnd type="none" w="med" len="med"/>
+                    </a:lnL>
+                    <a:lnR w="12700" cap="flat" cmpd="sng" algn="ctr">
+                      <a:solidFill>
+                        <a:schemeClr val="tx1"/>
+                      </a:solidFill>
+                      <a:prstDash val="solid"/>
+                      <a:round/>
+                      <a:headEnd type="none" w="med" len="med"/>
+                      <a:tailEnd type="none" w="med" len="med"/>
+                    </a:lnR>
+                    <a:lnT w="12700" cap="flat" cmpd="sng" algn="ctr">
+                      <a:solidFill>
+                        <a:schemeClr val="tx1"/>
+                      </a:solidFill>
+                      <a:prstDash val="solid"/>
+                      <a:round/>
+                      <a:headEnd type="none" w="med" len="med"/>
+                      <a:tailEnd type="none" w="med" len="med"/>
+                    </a:lnT>
+                    <a:lnB w="12700" cap="flat" cmpd="sng" algn="ctr">
+                      <a:solidFill>
+                        <a:schemeClr val="tx1"/>
+                      </a:solidFill>
+                      <a:prstDash val="solid"/>
+                      <a:round/>
+                      <a:headEnd type="none" w="med" len="med"/>
+                      <a:tailEnd type="none" w="med" len="med"/>
+                    </a:lnB>
+                    <a:solidFill>
+                      <a:schemeClr val="bg1"/>
+                    </a:solidFill>
+                  </a:tcPr>
+                </a:tc>
+              </a:tr>
+              <a:tr h="370840">
+                <a:tc>
+                  <a:txBody>
+                    <a:bodyPr/>
+                    <a:lstStyle/>
+                    <a:p>
+                      <a:r>
+                        <a:rPr lang="en-US" sz="4200" dirty="0" smtClean="0"/>
+                        <a:t>1</a:t>
+                      </a:r>
+                      <a:endParaRPr lang="en-US" sz="4200" dirty="0"/>
+                    </a:p>
+                  </a:txBody>
+                  <a:tcPr>
+                    <a:lnL w="12700" cap="flat" cmpd="sng" algn="ctr">
+                      <a:solidFill>
+                        <a:schemeClr val="tx1"/>
+                      </a:solidFill>
+                      <a:prstDash val="solid"/>
+                      <a:round/>
+                      <a:headEnd type="none" w="med" len="med"/>
+                      <a:tailEnd type="none" w="med" len="med"/>
+                    </a:lnL>
+                    <a:lnR w="12700" cap="flat" cmpd="sng" algn="ctr">
+                      <a:solidFill>
+                        <a:schemeClr val="tx1"/>
+                      </a:solidFill>
+                      <a:prstDash val="solid"/>
+                      <a:round/>
+                      <a:headEnd type="none" w="med" len="med"/>
+                      <a:tailEnd type="none" w="med" len="med"/>
+                    </a:lnR>
+                    <a:lnT w="12700" cap="flat" cmpd="sng" algn="ctr">
+                      <a:solidFill>
+                        <a:schemeClr val="tx1"/>
+                      </a:solidFill>
+                      <a:prstDash val="solid"/>
+                      <a:round/>
+                      <a:headEnd type="none" w="med" len="med"/>
+                      <a:tailEnd type="none" w="med" len="med"/>
+                    </a:lnT>
+                    <a:lnB w="12700" cap="flat" cmpd="sng" algn="ctr">
+                      <a:solidFill>
+                        <a:schemeClr val="tx1"/>
+                      </a:solidFill>
+                      <a:prstDash val="solid"/>
+                      <a:round/>
+                      <a:headEnd type="none" w="med" len="med"/>
+                      <a:tailEnd type="none" w="med" len="med"/>
+                    </a:lnB>
+                    <a:solidFill>
+                      <a:schemeClr val="bg1"/>
+                    </a:solidFill>
+                  </a:tcPr>
+                </a:tc>
+                <a:tc>
+                  <a:txBody>
+                    <a:bodyPr/>
+                    <a:lstStyle/>
+                    <a:p>
+                      <a:r>
+                        <a:rPr lang="en-US" sz="4200" dirty="0" smtClean="0"/>
+                        <a:t>2</a:t>
+                      </a:r>
+                      <a:endParaRPr lang="en-US" sz="4200" dirty="0"/>
+                    </a:p>
+                  </a:txBody>
+                  <a:tcPr>
+                    <a:lnL w="12700" cap="flat" cmpd="sng" algn="ctr">
+                      <a:solidFill>
+                        <a:schemeClr val="tx1"/>
+                      </a:solidFill>
+                      <a:prstDash val="solid"/>
+                      <a:round/>
+                      <a:headEnd type="none" w="med" len="med"/>
+                      <a:tailEnd type="none" w="med" len="med"/>
+                    </a:lnL>
+                    <a:lnR w="12700" cap="flat" cmpd="sng" algn="ctr">
+                      <a:solidFill>
+                        <a:schemeClr val="tx1"/>
+                      </a:solidFill>
+                      <a:prstDash val="solid"/>
+                      <a:round/>
+                      <a:headEnd type="none" w="med" len="med"/>
+                      <a:tailEnd type="none" w="med" len="med"/>
+                    </a:lnR>
+                    <a:lnT w="12700" cap="flat" cmpd="sng" algn="ctr">
+                      <a:solidFill>
+                        <a:schemeClr val="tx1"/>
+                      </a:solidFill>
+                      <a:prstDash val="solid"/>
+                      <a:round/>
+                      <a:headEnd type="none" w="med" len="med"/>
+                      <a:tailEnd type="none" w="med" len="med"/>
+                    </a:lnT>
+                    <a:lnB w="12700" cap="flat" cmpd="sng" algn="ctr">
+                      <a:solidFill>
+                        <a:schemeClr val="tx1"/>
+                      </a:solidFill>
+                      <a:prstDash val="solid"/>
+                      <a:round/>
+                      <a:headEnd type="none" w="med" len="med"/>
+                      <a:tailEnd type="none" w="med" len="med"/>
+                    </a:lnB>
+                    <a:solidFill>
+                      <a:schemeClr val="bg1"/>
+                    </a:solidFill>
+                  </a:tcPr>
+                </a:tc>
+              </a:tr>
+              <a:tr h="370840">
+                <a:tc>
+                  <a:txBody>
+                    <a:bodyPr/>
+                    <a:lstStyle/>
+                    <a:p>
+                      <a:r>
+                        <a:rPr lang="en-US" sz="4200" dirty="0" smtClean="0"/>
+                        <a:t>1</a:t>
+                      </a:r>
+                      <a:endParaRPr lang="en-US" sz="4200" dirty="0"/>
+                    </a:p>
+                  </a:txBody>
+                  <a:tcPr>
+                    <a:lnL w="12700" cap="flat" cmpd="sng" algn="ctr">
+                      <a:solidFill>
+                        <a:schemeClr val="tx1"/>
+                      </a:solidFill>
+                      <a:prstDash val="solid"/>
+                      <a:round/>
+                      <a:headEnd type="none" w="med" len="med"/>
+                      <a:tailEnd type="none" w="med" len="med"/>
+                    </a:lnL>
+                    <a:lnR w="12700" cap="flat" cmpd="sng" algn="ctr">
+                      <a:solidFill>
+                        <a:schemeClr val="tx1"/>
+                      </a:solidFill>
+                      <a:prstDash val="solid"/>
+                      <a:round/>
+                      <a:headEnd type="none" w="med" len="med"/>
+                      <a:tailEnd type="none" w="med" len="med"/>
+                    </a:lnR>
+                    <a:lnT w="12700" cap="flat" cmpd="sng" algn="ctr">
+                      <a:solidFill>
+                        <a:schemeClr val="tx1"/>
+                      </a:solidFill>
+                      <a:prstDash val="solid"/>
+                      <a:round/>
+                      <a:headEnd type="none" w="med" len="med"/>
+                      <a:tailEnd type="none" w="med" len="med"/>
+                    </a:lnT>
+                    <a:lnB w="12700" cap="flat" cmpd="sng" algn="ctr">
+                      <a:solidFill>
+                        <a:schemeClr val="tx1"/>
+                      </a:solidFill>
+                      <a:prstDash val="solid"/>
+                      <a:round/>
+                      <a:headEnd type="none" w="med" len="med"/>
+                      <a:tailEnd type="none" w="med" len="med"/>
+                    </a:lnB>
+                    <a:solidFill>
+                      <a:schemeClr val="bg1"/>
+                    </a:solidFill>
+                  </a:tcPr>
+                </a:tc>
+                <a:tc>
+                  <a:txBody>
+                    <a:bodyPr/>
+                    <a:lstStyle/>
+                    <a:p>
+                      <a:r>
+                        <a:rPr lang="en-US" sz="4200" dirty="0" smtClean="0"/>
+                        <a:t>1</a:t>
+                      </a:r>
+                      <a:endParaRPr lang="en-US" sz="4200" dirty="0"/>
+                    </a:p>
+                  </a:txBody>
+                  <a:tcPr>
+                    <a:lnL w="12700" cap="flat" cmpd="sng" algn="ctr">
+                      <a:solidFill>
+                        <a:schemeClr val="tx1"/>
+                      </a:solidFill>
+                      <a:prstDash val="solid"/>
+                      <a:round/>
+                      <a:headEnd type="none" w="med" len="med"/>
+                      <a:tailEnd type="none" w="med" len="med"/>
+                    </a:lnL>
+                    <a:lnR w="12700" cap="flat" cmpd="sng" algn="ctr">
+                      <a:solidFill>
+                        <a:schemeClr val="tx1"/>
+                      </a:solidFill>
+                      <a:prstDash val="solid"/>
+                      <a:round/>
+                      <a:headEnd type="none" w="med" len="med"/>
+                      <a:tailEnd type="none" w="med" len="med"/>
+                    </a:lnR>
+                    <a:lnT w="12700" cap="flat" cmpd="sng" algn="ctr">
+                      <a:solidFill>
+                        <a:schemeClr val="tx1"/>
+                      </a:solidFill>
+                      <a:prstDash val="solid"/>
+                      <a:round/>
+                      <a:headEnd type="none" w="med" len="med"/>
+                      <a:tailEnd type="none" w="med" len="med"/>
+                    </a:lnT>
+                    <a:lnB w="12700" cap="flat" cmpd="sng" algn="ctr">
+                      <a:solidFill>
+                        <a:schemeClr val="tx1"/>
+                      </a:solidFill>
+                      <a:prstDash val="solid"/>
+                      <a:round/>
+                      <a:headEnd type="none" w="med" len="med"/>
+                      <a:tailEnd type="none" w="med" len="med"/>
+                    </a:lnB>
+                    <a:solidFill>
+                      <a:schemeClr val="bg1"/>
+                    </a:solidFill>
+                  </a:tcPr>
+                </a:tc>
+              </a:tr>
+              <a:tr h="370840">
+                <a:tc>
+                  <a:txBody>
+                    <a:bodyPr/>
+                    <a:lstStyle/>
+                    <a:p>
+                      <a:r>
+                        <a:rPr lang="en-US" sz="4200" dirty="0" smtClean="0"/>
+                        <a:t>2</a:t>
+                      </a:r>
+                      <a:endParaRPr lang="en-US" sz="4200" dirty="0"/>
+                    </a:p>
+                  </a:txBody>
+                  <a:tcPr>
+                    <a:lnL w="12700" cap="flat" cmpd="sng" algn="ctr">
+                      <a:solidFill>
+                        <a:schemeClr val="tx1"/>
+                      </a:solidFill>
+                      <a:prstDash val="solid"/>
+                      <a:round/>
+                      <a:headEnd type="none" w="med" len="med"/>
+                      <a:tailEnd type="none" w="med" len="med"/>
+                    </a:lnL>
+                    <a:lnR w="12700" cap="flat" cmpd="sng" algn="ctr">
+                      <a:solidFill>
+                        <a:schemeClr val="tx1"/>
+                      </a:solidFill>
+                      <a:prstDash val="solid"/>
+                      <a:round/>
+                      <a:headEnd type="none" w="med" len="med"/>
+                      <a:tailEnd type="none" w="med" len="med"/>
+                    </a:lnR>
+                    <a:lnT w="12700" cap="flat" cmpd="sng" algn="ctr">
+                      <a:solidFill>
+                        <a:schemeClr val="tx1"/>
+                      </a:solidFill>
+                      <a:prstDash val="solid"/>
+                      <a:round/>
+                      <a:headEnd type="none" w="med" len="med"/>
+                      <a:tailEnd type="none" w="med" len="med"/>
+                    </a:lnT>
+                    <a:lnB w="12700" cap="flat" cmpd="sng" algn="ctr">
+                      <a:solidFill>
+                        <a:schemeClr val="tx1"/>
+                      </a:solidFill>
+                      <a:prstDash val="solid"/>
+                      <a:round/>
+                      <a:headEnd type="none" w="med" len="med"/>
+                      <a:tailEnd type="none" w="med" len="med"/>
+                    </a:lnB>
+                    <a:solidFill>
+                      <a:schemeClr val="bg1"/>
+                    </a:solidFill>
+                  </a:tcPr>
+                </a:tc>
+                <a:tc>
+                  <a:txBody>
+                    <a:bodyPr/>
+                    <a:lstStyle/>
+                    <a:p>
+                      <a:r>
+                        <a:rPr lang="en-US" sz="4200" dirty="0" smtClean="0"/>
+                        <a:t>1</a:t>
+                      </a:r>
+                      <a:endParaRPr lang="en-US" sz="4200" dirty="0"/>
+                    </a:p>
+                  </a:txBody>
+                  <a:tcPr>
+                    <a:lnL w="12700" cap="flat" cmpd="sng" algn="ctr">
+                      <a:solidFill>
+                        <a:schemeClr val="tx1"/>
+                      </a:solidFill>
+                      <a:prstDash val="solid"/>
+                      <a:round/>
+                      <a:headEnd type="none" w="med" len="med"/>
+                      <a:tailEnd type="none" w="med" len="med"/>
+                    </a:lnL>
+                    <a:lnR w="12700" cap="flat" cmpd="sng" algn="ctr">
+                      <a:solidFill>
+                        <a:schemeClr val="tx1"/>
+                      </a:solidFill>
+                      <a:prstDash val="solid"/>
+                      <a:round/>
+                      <a:headEnd type="none" w="med" len="med"/>
+                      <a:tailEnd type="none" w="med" len="med"/>
+                    </a:lnR>
+                    <a:lnT w="12700" cap="flat" cmpd="sng" algn="ctr">
+                      <a:solidFill>
+                        <a:schemeClr val="tx1"/>
+                      </a:solidFill>
+                      <a:prstDash val="solid"/>
+                      <a:round/>
+                      <a:headEnd type="none" w="med" len="med"/>
+                      <a:tailEnd type="none" w="med" len="med"/>
+                    </a:lnT>
+                    <a:lnB w="12700" cap="flat" cmpd="sng" algn="ctr">
+                      <a:solidFill>
+                        <a:schemeClr val="tx1"/>
+                      </a:solidFill>
+                      <a:prstDash val="solid"/>
+                      <a:round/>
+                      <a:headEnd type="none" w="med" len="med"/>
+                      <a:tailEnd type="none" w="med" len="med"/>
+                    </a:lnB>
+                    <a:solidFill>
+                      <a:schemeClr val="bg1"/>
+                    </a:solidFill>
+                  </a:tcPr>
+                </a:tc>
+              </a:tr>
+            </a:tbl>
+          </a:graphicData>
+        </a:graphic>
+      </p:graphicFrame>
+      <p:graphicFrame>
+        <p:nvGraphicFramePr>
+          <p:cNvPr id="7" name="Table 6"/>
+          <p:cNvGraphicFramePr>
+            <a:graphicFrameLocks noGrp="1"/>
+          </p:cNvGraphicFramePr>
+          <p:nvPr>
+            <p:extLst>
+              <p:ext uri="{D42A27DB-BD31-4B8C-83A1-F6EECF244321}">
+                <p14:modId xmlns:p14="http://schemas.microsoft.com/office/powerpoint/2010/main" val="3074198719"/>
+              </p:ext>
+            </p:extLst>
+          </p:nvPr>
+        </p:nvGraphicFramePr>
+        <p:xfrm>
+          <a:off x="3511673" y="1542473"/>
+          <a:ext cx="946718" cy="2926080"/>
+        </p:xfrm>
+        <a:graphic>
+          <a:graphicData uri="http://schemas.openxmlformats.org/drawingml/2006/table">
+            <a:tbl>
+              <a:tblPr>
+                <a:tableStyleId>{5C22544A-7EE6-4342-B048-85BDC9FD1C3A}</a:tableStyleId>
+              </a:tblPr>
+              <a:tblGrid>
+                <a:gridCol w="497831"/>
+                <a:gridCol w="448887"/>
+              </a:tblGrid>
+              <a:tr h="370840">
+                <a:tc>
+                  <a:txBody>
+                    <a:bodyPr/>
+                    <a:lstStyle/>
+                    <a:p>
+                      <a:r>
+                        <a:rPr lang="en-US" sz="4200" b="0" dirty="0" smtClean="0">
+                          <a:solidFill>
+                            <a:schemeClr val="tx1"/>
+                          </a:solidFill>
+                        </a:rPr>
+                        <a:t>1</a:t>
+                      </a:r>
+                      <a:endParaRPr lang="en-US" sz="4200" b="0" dirty="0">
+                        <a:solidFill>
+                          <a:schemeClr val="tx1"/>
+                        </a:solidFill>
+                      </a:endParaRPr>
+                    </a:p>
+                  </a:txBody>
+                  <a:tcPr>
+                    <a:lnL w="12700" cap="flat" cmpd="sng" algn="ctr">
+                      <a:solidFill>
+                        <a:schemeClr val="tx1"/>
+                      </a:solidFill>
+                      <a:prstDash val="solid"/>
+                      <a:round/>
+                      <a:headEnd type="none" w="med" len="med"/>
+                      <a:tailEnd type="none" w="med" len="med"/>
+                    </a:lnL>
+                    <a:lnR w="12700" cap="flat" cmpd="sng" algn="ctr">
+                      <a:solidFill>
+                        <a:schemeClr val="tx1"/>
+                      </a:solidFill>
+                      <a:prstDash val="solid"/>
+                      <a:round/>
+                      <a:headEnd type="none" w="med" len="med"/>
+                      <a:tailEnd type="none" w="med" len="med"/>
+                    </a:lnR>
+                    <a:lnT w="12700" cap="flat" cmpd="sng" algn="ctr">
+                      <a:solidFill>
+                        <a:schemeClr val="tx1"/>
+                      </a:solidFill>
+                      <a:prstDash val="solid"/>
+                      <a:round/>
+                      <a:headEnd type="none" w="med" len="med"/>
+                      <a:tailEnd type="none" w="med" len="med"/>
+                    </a:lnT>
+                    <a:lnB w="12700" cap="flat" cmpd="sng" algn="ctr">
+                      <a:solidFill>
+                        <a:schemeClr val="tx1"/>
+                      </a:solidFill>
+                      <a:prstDash val="solid"/>
+                      <a:round/>
+                      <a:headEnd type="none" w="med" len="med"/>
+                      <a:tailEnd type="none" w="med" len="med"/>
+                    </a:lnB>
+                    <a:solidFill>
+                      <a:schemeClr val="bg1"/>
+                    </a:solidFill>
+                  </a:tcPr>
+                </a:tc>
+                <a:tc>
+                  <a:txBody>
+                    <a:bodyPr/>
+                    <a:lstStyle/>
+                    <a:p>
+                      <a:r>
+                        <a:rPr lang="en-US" sz="4200" dirty="0" smtClean="0">
+                          <a:solidFill>
+                            <a:schemeClr val="bg1"/>
+                          </a:solidFill>
+                        </a:rPr>
+                        <a:t>1</a:t>
+                      </a:r>
+                      <a:endParaRPr lang="en-US" sz="4200" dirty="0">
+                        <a:solidFill>
+                          <a:schemeClr val="bg1"/>
+                        </a:solidFill>
+                      </a:endParaRPr>
+                    </a:p>
+                  </a:txBody>
+                  <a:tcPr>
+                    <a:lnL w="12700" cap="flat" cmpd="sng" algn="ctr">
+                      <a:solidFill>
+                        <a:schemeClr val="tx1"/>
+                      </a:solidFill>
+                      <a:prstDash val="solid"/>
+                      <a:round/>
+                      <a:headEnd type="none" w="med" len="med"/>
+                      <a:tailEnd type="none" w="med" len="med"/>
+                    </a:lnL>
+                    <a:lnR w="12700" cap="flat" cmpd="sng" algn="ctr">
+                      <a:solidFill>
+                        <a:schemeClr val="tx1"/>
+                      </a:solidFill>
+                      <a:prstDash val="solid"/>
+                      <a:round/>
+                      <a:headEnd type="none" w="med" len="med"/>
+                      <a:tailEnd type="none" w="med" len="med"/>
+                    </a:lnR>
+                    <a:lnT w="12700" cap="flat" cmpd="sng" algn="ctr">
+                      <a:solidFill>
+                        <a:schemeClr val="tx1"/>
+                      </a:solidFill>
+                      <a:prstDash val="solid"/>
+                      <a:round/>
+                      <a:headEnd type="none" w="med" len="med"/>
+                      <a:tailEnd type="none" w="med" len="med"/>
+                    </a:lnT>
+                    <a:lnB w="12700" cap="flat" cmpd="sng" algn="ctr">
+                      <a:solidFill>
+                        <a:schemeClr val="tx1"/>
+                      </a:solidFill>
+                      <a:prstDash val="solid"/>
+                      <a:round/>
+                      <a:headEnd type="none" w="med" len="med"/>
+                      <a:tailEnd type="none" w="med" len="med"/>
+                    </a:lnB>
+                    <a:solidFill>
+                      <a:srgbClr val="00B0F0"/>
+                    </a:solidFill>
+                  </a:tcPr>
+                </a:tc>
+              </a:tr>
+              <a:tr h="370840">
+                <a:tc>
+                  <a:txBody>
+                    <a:bodyPr/>
+                    <a:lstStyle/>
+                    <a:p>
+                      <a:r>
+                        <a:rPr lang="en-US" sz="4200" b="0" dirty="0" smtClean="0">
+                          <a:solidFill>
+                            <a:schemeClr val="tx1"/>
+                          </a:solidFill>
+                        </a:rPr>
+                        <a:t>2</a:t>
+                      </a:r>
+                      <a:endParaRPr lang="en-US" sz="4200" b="0" dirty="0">
+                        <a:solidFill>
+                          <a:schemeClr val="tx1"/>
+                        </a:solidFill>
+                      </a:endParaRPr>
+                    </a:p>
+                  </a:txBody>
+                  <a:tcPr>
+                    <a:lnL w="12700" cap="flat" cmpd="sng" algn="ctr">
+                      <a:solidFill>
+                        <a:schemeClr val="tx1"/>
+                      </a:solidFill>
+                      <a:prstDash val="solid"/>
+                      <a:round/>
+                      <a:headEnd type="none" w="med" len="med"/>
+                      <a:tailEnd type="none" w="med" len="med"/>
+                    </a:lnL>
+                    <a:lnR w="12700" cap="flat" cmpd="sng" algn="ctr">
+                      <a:solidFill>
+                        <a:schemeClr val="tx1"/>
+                      </a:solidFill>
+                      <a:prstDash val="solid"/>
+                      <a:round/>
+                      <a:headEnd type="none" w="med" len="med"/>
+                      <a:tailEnd type="none" w="med" len="med"/>
+                    </a:lnR>
+                    <a:lnT w="12700" cap="flat" cmpd="sng" algn="ctr">
+                      <a:solidFill>
+                        <a:schemeClr val="tx1"/>
+                      </a:solidFill>
+                      <a:prstDash val="solid"/>
+                      <a:round/>
+                      <a:headEnd type="none" w="med" len="med"/>
+                      <a:tailEnd type="none" w="med" len="med"/>
+                    </a:lnT>
+                    <a:lnB w="12700" cap="flat" cmpd="sng" algn="ctr">
+                      <a:solidFill>
+                        <a:schemeClr val="tx1"/>
+                      </a:solidFill>
+                      <a:prstDash val="solid"/>
+                      <a:round/>
+                      <a:headEnd type="none" w="med" len="med"/>
+                      <a:tailEnd type="none" w="med" len="med"/>
+                    </a:lnB>
+                    <a:solidFill>
+                      <a:schemeClr val="bg1"/>
+                    </a:solidFill>
+                  </a:tcPr>
+                </a:tc>
+                <a:tc>
+                  <a:txBody>
+                    <a:bodyPr/>
+                    <a:lstStyle/>
+                    <a:p>
+                      <a:r>
+                        <a:rPr lang="en-US" sz="4200" dirty="0" smtClean="0">
+                          <a:solidFill>
+                            <a:schemeClr val="bg1"/>
+                          </a:solidFill>
+                        </a:rPr>
+                        <a:t>1</a:t>
+                      </a:r>
+                      <a:endParaRPr lang="en-US" sz="4200" dirty="0">
+                        <a:solidFill>
+                          <a:schemeClr val="bg1"/>
+                        </a:solidFill>
+                      </a:endParaRPr>
+                    </a:p>
+                  </a:txBody>
+                  <a:tcPr>
+                    <a:lnL w="12700" cap="flat" cmpd="sng" algn="ctr">
+                      <a:solidFill>
+                        <a:schemeClr val="tx1"/>
+                      </a:solidFill>
+                      <a:prstDash val="solid"/>
+                      <a:round/>
+                      <a:headEnd type="none" w="med" len="med"/>
+                      <a:tailEnd type="none" w="med" len="med"/>
+                    </a:lnL>
+                    <a:lnR w="12700" cap="flat" cmpd="sng" algn="ctr">
+                      <a:solidFill>
+                        <a:schemeClr val="tx1"/>
+                      </a:solidFill>
+                      <a:prstDash val="solid"/>
+                      <a:round/>
+                      <a:headEnd type="none" w="med" len="med"/>
+                      <a:tailEnd type="none" w="med" len="med"/>
+                    </a:lnR>
+                    <a:lnT w="12700" cap="flat" cmpd="sng" algn="ctr">
+                      <a:solidFill>
+                        <a:schemeClr val="tx1"/>
+                      </a:solidFill>
+                      <a:prstDash val="solid"/>
+                      <a:round/>
+                      <a:headEnd type="none" w="med" len="med"/>
+                      <a:tailEnd type="none" w="med" len="med"/>
+                    </a:lnT>
+                    <a:lnB w="12700" cap="flat" cmpd="sng" algn="ctr">
+                      <a:solidFill>
+                        <a:schemeClr val="tx1"/>
+                      </a:solidFill>
+                      <a:prstDash val="solid"/>
+                      <a:round/>
+                      <a:headEnd type="none" w="med" len="med"/>
+                      <a:tailEnd type="none" w="med" len="med"/>
+                    </a:lnB>
+                    <a:solidFill>
+                      <a:srgbClr val="00B0F0"/>
+                    </a:solidFill>
+                  </a:tcPr>
+                </a:tc>
+              </a:tr>
+              <a:tr h="370840">
+                <a:tc>
+                  <a:txBody>
+                    <a:bodyPr/>
+                    <a:lstStyle/>
+                    <a:p>
+                      <a:r>
+                        <a:rPr lang="en-US" sz="4200" b="0" dirty="0" smtClean="0">
+                          <a:solidFill>
+                            <a:schemeClr val="tx1"/>
+                          </a:solidFill>
+                        </a:rPr>
+                        <a:t>2</a:t>
+                      </a:r>
+                      <a:endParaRPr lang="en-US" sz="4200" b="0" dirty="0">
+                        <a:solidFill>
+                          <a:schemeClr val="tx1"/>
+                        </a:solidFill>
+                      </a:endParaRPr>
+                    </a:p>
+                  </a:txBody>
+                  <a:tcPr>
+                    <a:lnL w="12700" cap="flat" cmpd="sng" algn="ctr">
+                      <a:solidFill>
+                        <a:schemeClr val="tx1"/>
+                      </a:solidFill>
+                      <a:prstDash val="solid"/>
+                      <a:round/>
+                      <a:headEnd type="none" w="med" len="med"/>
+                      <a:tailEnd type="none" w="med" len="med"/>
+                    </a:lnL>
+                    <a:lnR w="12700" cap="flat" cmpd="sng" algn="ctr">
+                      <a:solidFill>
+                        <a:schemeClr val="tx1"/>
+                      </a:solidFill>
+                      <a:prstDash val="solid"/>
+                      <a:round/>
+                      <a:headEnd type="none" w="med" len="med"/>
+                      <a:tailEnd type="none" w="med" len="med"/>
+                    </a:lnR>
+                    <a:lnT w="12700" cap="flat" cmpd="sng" algn="ctr">
+                      <a:solidFill>
+                        <a:schemeClr val="tx1"/>
+                      </a:solidFill>
+                      <a:prstDash val="solid"/>
+                      <a:round/>
+                      <a:headEnd type="none" w="med" len="med"/>
+                      <a:tailEnd type="none" w="med" len="med"/>
+                    </a:lnT>
+                    <a:lnB w="12700" cap="flat" cmpd="sng" algn="ctr">
+                      <a:solidFill>
+                        <a:schemeClr val="tx1"/>
+                      </a:solidFill>
+                      <a:prstDash val="solid"/>
+                      <a:round/>
+                      <a:headEnd type="none" w="med" len="med"/>
+                      <a:tailEnd type="none" w="med" len="med"/>
+                    </a:lnB>
+                    <a:solidFill>
+                      <a:schemeClr val="bg1"/>
+                    </a:solidFill>
+                  </a:tcPr>
+                </a:tc>
+                <a:tc>
+                  <a:txBody>
+                    <a:bodyPr/>
+                    <a:lstStyle/>
+                    <a:p>
+                      <a:r>
+                        <a:rPr lang="en-US" sz="4200" dirty="0" smtClean="0">
+                          <a:solidFill>
+                            <a:schemeClr val="bg1"/>
+                          </a:solidFill>
+                        </a:rPr>
+                        <a:t>2</a:t>
+                      </a:r>
+                      <a:endParaRPr lang="en-US" sz="4200" dirty="0">
+                        <a:solidFill>
+                          <a:schemeClr val="bg1"/>
+                        </a:solidFill>
+                      </a:endParaRPr>
+                    </a:p>
+                  </a:txBody>
+                  <a:tcPr>
+                    <a:lnL w="12700" cap="flat" cmpd="sng" algn="ctr">
+                      <a:solidFill>
+                        <a:schemeClr val="tx1"/>
+                      </a:solidFill>
+                      <a:prstDash val="solid"/>
+                      <a:round/>
+                      <a:headEnd type="none" w="med" len="med"/>
+                      <a:tailEnd type="none" w="med" len="med"/>
+                    </a:lnL>
+                    <a:lnR w="12700" cap="flat" cmpd="sng" algn="ctr">
+                      <a:solidFill>
+                        <a:schemeClr val="tx1"/>
+                      </a:solidFill>
+                      <a:prstDash val="solid"/>
+                      <a:round/>
+                      <a:headEnd type="none" w="med" len="med"/>
+                      <a:tailEnd type="none" w="med" len="med"/>
+                    </a:lnR>
+                    <a:lnT w="12700" cap="flat" cmpd="sng" algn="ctr">
+                      <a:solidFill>
+                        <a:schemeClr val="tx1"/>
+                      </a:solidFill>
+                      <a:prstDash val="solid"/>
+                      <a:round/>
+                      <a:headEnd type="none" w="med" len="med"/>
+                      <a:tailEnd type="none" w="med" len="med"/>
+                    </a:lnT>
+                    <a:lnB w="12700" cap="flat" cmpd="sng" algn="ctr">
+                      <a:solidFill>
+                        <a:schemeClr val="tx1"/>
+                      </a:solidFill>
+                      <a:prstDash val="solid"/>
+                      <a:round/>
+                      <a:headEnd type="none" w="med" len="med"/>
+                      <a:tailEnd type="none" w="med" len="med"/>
+                    </a:lnB>
+                    <a:solidFill>
+                      <a:srgbClr val="00B0F0"/>
+                    </a:solidFill>
+                  </a:tcPr>
+                </a:tc>
+              </a:tr>
+              <a:tr h="370840">
+                <a:tc>
+                  <a:txBody>
+                    <a:bodyPr/>
+                    <a:lstStyle/>
+                    <a:p>
+                      <a:r>
+                        <a:rPr lang="en-US" sz="4200" b="0" dirty="0" smtClean="0">
+                          <a:solidFill>
+                            <a:schemeClr val="tx1"/>
+                          </a:solidFill>
+                        </a:rPr>
+                        <a:t>1</a:t>
+                      </a:r>
+                      <a:endParaRPr lang="en-US" sz="4200" b="0" dirty="0">
+                        <a:solidFill>
+                          <a:schemeClr val="tx1"/>
+                        </a:solidFill>
+                      </a:endParaRPr>
+                    </a:p>
+                  </a:txBody>
+                  <a:tcPr>
+                    <a:lnL w="12700" cap="flat" cmpd="sng" algn="ctr">
+                      <a:solidFill>
+                        <a:schemeClr val="tx1"/>
+                      </a:solidFill>
+                      <a:prstDash val="solid"/>
+                      <a:round/>
+                      <a:headEnd type="none" w="med" len="med"/>
+                      <a:tailEnd type="none" w="med" len="med"/>
+                    </a:lnL>
+                    <a:lnR w="12700" cap="flat" cmpd="sng" algn="ctr">
+                      <a:solidFill>
+                        <a:schemeClr val="tx1"/>
+                      </a:solidFill>
+                      <a:prstDash val="solid"/>
+                      <a:round/>
+                      <a:headEnd type="none" w="med" len="med"/>
+                      <a:tailEnd type="none" w="med" len="med"/>
+                    </a:lnR>
+                    <a:lnT w="12700" cap="flat" cmpd="sng" algn="ctr">
+                      <a:solidFill>
+                        <a:schemeClr val="tx1"/>
+                      </a:solidFill>
+                      <a:prstDash val="solid"/>
+                      <a:round/>
+                      <a:headEnd type="none" w="med" len="med"/>
+                      <a:tailEnd type="none" w="med" len="med"/>
+                    </a:lnT>
+                    <a:lnB w="12700" cap="flat" cmpd="sng" algn="ctr">
+                      <a:solidFill>
+                        <a:schemeClr val="tx1"/>
+                      </a:solidFill>
+                      <a:prstDash val="solid"/>
+                      <a:round/>
+                      <a:headEnd type="none" w="med" len="med"/>
+                      <a:tailEnd type="none" w="med" len="med"/>
+                    </a:lnB>
+                    <a:solidFill>
+                      <a:schemeClr val="bg1"/>
+                    </a:solidFill>
+                  </a:tcPr>
+                </a:tc>
+                <a:tc>
+                  <a:txBody>
+                    <a:bodyPr/>
+                    <a:lstStyle/>
+                    <a:p>
+                      <a:r>
+                        <a:rPr lang="en-US" sz="4200" dirty="0" smtClean="0">
+                          <a:solidFill>
+                            <a:schemeClr val="bg1"/>
+                          </a:solidFill>
+                        </a:rPr>
+                        <a:t>2</a:t>
+                      </a:r>
+                      <a:endParaRPr lang="en-US" sz="4200" dirty="0">
+                        <a:solidFill>
+                          <a:schemeClr val="bg1"/>
+                        </a:solidFill>
+                      </a:endParaRPr>
+                    </a:p>
+                  </a:txBody>
+                  <a:tcPr>
+                    <a:lnL w="12700" cap="flat" cmpd="sng" algn="ctr">
+                      <a:solidFill>
+                        <a:schemeClr val="tx1"/>
+                      </a:solidFill>
+                      <a:prstDash val="solid"/>
+                      <a:round/>
+                      <a:headEnd type="none" w="med" len="med"/>
+                      <a:tailEnd type="none" w="med" len="med"/>
+                    </a:lnL>
+                    <a:lnR w="12700" cap="flat" cmpd="sng" algn="ctr">
+                      <a:solidFill>
+                        <a:schemeClr val="tx1"/>
+                      </a:solidFill>
+                      <a:prstDash val="solid"/>
+                      <a:round/>
+                      <a:headEnd type="none" w="med" len="med"/>
+                      <a:tailEnd type="none" w="med" len="med"/>
+                    </a:lnR>
+                    <a:lnT w="12700" cap="flat" cmpd="sng" algn="ctr">
+                      <a:solidFill>
+                        <a:schemeClr val="tx1"/>
+                      </a:solidFill>
+                      <a:prstDash val="solid"/>
+                      <a:round/>
+                      <a:headEnd type="none" w="med" len="med"/>
+                      <a:tailEnd type="none" w="med" len="med"/>
+                    </a:lnT>
+                    <a:lnB w="12700" cap="flat" cmpd="sng" algn="ctr">
+                      <a:solidFill>
+                        <a:schemeClr val="tx1"/>
+                      </a:solidFill>
+                      <a:prstDash val="solid"/>
+                      <a:round/>
+                      <a:headEnd type="none" w="med" len="med"/>
+                      <a:tailEnd type="none" w="med" len="med"/>
+                    </a:lnB>
+                    <a:solidFill>
+                      <a:srgbClr val="00B0F0"/>
+                    </a:solidFill>
+                  </a:tcPr>
+                </a:tc>
+              </a:tr>
+            </a:tbl>
+          </a:graphicData>
+        </a:graphic>
+      </p:graphicFrame>
+      <p:graphicFrame>
+        <p:nvGraphicFramePr>
+          <p:cNvPr id="8" name="Table 7"/>
+          <p:cNvGraphicFramePr>
+            <a:graphicFrameLocks noGrp="1"/>
+          </p:cNvGraphicFramePr>
+          <p:nvPr>
+            <p:extLst>
+              <p:ext uri="{D42A27DB-BD31-4B8C-83A1-F6EECF244321}">
+                <p14:modId xmlns:p14="http://schemas.microsoft.com/office/powerpoint/2010/main" val="1944249600"/>
+              </p:ext>
+            </p:extLst>
+          </p:nvPr>
+        </p:nvGraphicFramePr>
+        <p:xfrm>
+          <a:off x="6872784" y="1546168"/>
+          <a:ext cx="946718" cy="2941786"/>
+        </p:xfrm>
+        <a:graphic>
+          <a:graphicData uri="http://schemas.openxmlformats.org/drawingml/2006/table">
+            <a:tbl>
+              <a:tblPr>
+                <a:tableStyleId>{5C22544A-7EE6-4342-B048-85BDC9FD1C3A}</a:tableStyleId>
+              </a:tblPr>
+              <a:tblGrid>
+                <a:gridCol w="497831"/>
+                <a:gridCol w="448887"/>
+              </a:tblGrid>
+              <a:tr h="747226">
+                <a:tc>
+                  <a:txBody>
+                    <a:bodyPr/>
+                    <a:lstStyle/>
+                    <a:p>
+                      <a:r>
+                        <a:rPr lang="en-US" sz="4200" b="0" dirty="0" smtClean="0">
+                          <a:solidFill>
+                            <a:schemeClr val="tx1"/>
+                          </a:solidFill>
+                        </a:rPr>
+                        <a:t>1</a:t>
+                      </a:r>
+                      <a:endParaRPr lang="en-US" sz="4200" b="0" dirty="0">
+                        <a:solidFill>
+                          <a:schemeClr val="tx1"/>
+                        </a:solidFill>
+                      </a:endParaRPr>
+                    </a:p>
+                  </a:txBody>
+                  <a:tcPr>
+                    <a:lnL w="12700" cap="flat" cmpd="sng" algn="ctr">
+                      <a:solidFill>
+                        <a:schemeClr val="tx1"/>
+                      </a:solidFill>
+                      <a:prstDash val="solid"/>
+                      <a:round/>
+                      <a:headEnd type="none" w="med" len="med"/>
+                      <a:tailEnd type="none" w="med" len="med"/>
+                    </a:lnL>
+                    <a:lnR w="12700" cap="flat" cmpd="sng" algn="ctr">
+                      <a:solidFill>
+                        <a:schemeClr val="tx1"/>
+                      </a:solidFill>
+                      <a:prstDash val="solid"/>
+                      <a:round/>
+                      <a:headEnd type="none" w="med" len="med"/>
+                      <a:tailEnd type="none" w="med" len="med"/>
+                    </a:lnR>
+                    <a:lnT w="12700" cap="flat" cmpd="sng" algn="ctr">
+                      <a:solidFill>
+                        <a:schemeClr val="tx1"/>
+                      </a:solidFill>
+                      <a:prstDash val="solid"/>
+                      <a:round/>
+                      <a:headEnd type="none" w="med" len="med"/>
+                      <a:tailEnd type="none" w="med" len="med"/>
+                    </a:lnT>
+                    <a:lnB w="12700" cap="flat" cmpd="sng" algn="ctr">
+                      <a:solidFill>
+                        <a:schemeClr val="tx1"/>
+                      </a:solidFill>
+                      <a:prstDash val="solid"/>
+                      <a:round/>
+                      <a:headEnd type="none" w="med" len="med"/>
+                      <a:tailEnd type="none" w="med" len="med"/>
+                    </a:lnB>
+                    <a:solidFill>
+                      <a:schemeClr val="bg1"/>
+                    </a:solidFill>
+                  </a:tcPr>
+                </a:tc>
+                <a:tc>
+                  <a:txBody>
+                    <a:bodyPr/>
+                    <a:lstStyle/>
+                    <a:p>
+                      <a:r>
+                        <a:rPr lang="en-US" sz="4200" kern="1200" dirty="0" smtClean="0">
+                          <a:solidFill>
+                            <a:schemeClr val="bg1"/>
+                          </a:solidFill>
+                          <a:latin typeface="+mn-lt"/>
+                          <a:ea typeface="+mn-ea"/>
+                          <a:cs typeface="+mn-cs"/>
+                        </a:rPr>
+                        <a:t>1</a:t>
+                      </a:r>
+                      <a:endParaRPr lang="en-US" sz="4200" kern="1200" dirty="0">
+                        <a:solidFill>
+                          <a:schemeClr val="bg1"/>
+                        </a:solidFill>
+                        <a:latin typeface="+mn-lt"/>
+                        <a:ea typeface="+mn-ea"/>
+                        <a:cs typeface="+mn-cs"/>
+                      </a:endParaRPr>
+                    </a:p>
+                  </a:txBody>
+                  <a:tcPr>
+                    <a:lnL w="12700" cap="flat" cmpd="sng" algn="ctr">
+                      <a:solidFill>
+                        <a:schemeClr val="tx1"/>
+                      </a:solidFill>
+                      <a:prstDash val="solid"/>
+                      <a:round/>
+                      <a:headEnd type="none" w="med" len="med"/>
+                      <a:tailEnd type="none" w="med" len="med"/>
+                    </a:lnL>
+                    <a:lnR w="12700" cap="flat" cmpd="sng" algn="ctr">
+                      <a:solidFill>
+                        <a:schemeClr val="tx1"/>
+                      </a:solidFill>
+                      <a:prstDash val="solid"/>
+                      <a:round/>
+                      <a:headEnd type="none" w="med" len="med"/>
+                      <a:tailEnd type="none" w="med" len="med"/>
+                    </a:lnR>
+                    <a:lnT w="12700" cap="flat" cmpd="sng" algn="ctr">
+                      <a:solidFill>
+                        <a:schemeClr val="tx1"/>
+                      </a:solidFill>
+                      <a:prstDash val="solid"/>
+                      <a:round/>
+                      <a:headEnd type="none" w="med" len="med"/>
+                      <a:tailEnd type="none" w="med" len="med"/>
+                    </a:lnT>
+                    <a:lnB w="12700" cap="flat" cmpd="sng" algn="ctr">
+                      <a:solidFill>
+                        <a:schemeClr val="tx1"/>
+                      </a:solidFill>
+                      <a:prstDash val="solid"/>
+                      <a:round/>
+                      <a:headEnd type="none" w="med" len="med"/>
+                      <a:tailEnd type="none" w="med" len="med"/>
+                    </a:lnB>
+                    <a:solidFill>
+                      <a:srgbClr val="00B0F0"/>
+                    </a:solidFill>
+                  </a:tcPr>
+                </a:tc>
+              </a:tr>
+              <a:tr h="370840">
+                <a:tc>
+                  <a:txBody>
+                    <a:bodyPr/>
+                    <a:lstStyle/>
+                    <a:p>
+                      <a:r>
+                        <a:rPr lang="en-US" sz="4200" b="0" dirty="0" smtClean="0">
+                          <a:solidFill>
+                            <a:schemeClr val="tx1"/>
+                          </a:solidFill>
+                        </a:rPr>
+                        <a:t>1</a:t>
+                      </a:r>
+                      <a:endParaRPr lang="en-US" sz="4200" b="0" dirty="0">
+                        <a:solidFill>
+                          <a:schemeClr val="tx1"/>
+                        </a:solidFill>
+                      </a:endParaRPr>
+                    </a:p>
+                  </a:txBody>
+                  <a:tcPr>
+                    <a:lnL w="12700" cap="flat" cmpd="sng" algn="ctr">
+                      <a:solidFill>
+                        <a:schemeClr val="tx1"/>
+                      </a:solidFill>
+                      <a:prstDash val="solid"/>
+                      <a:round/>
+                      <a:headEnd type="none" w="med" len="med"/>
+                      <a:tailEnd type="none" w="med" len="med"/>
+                    </a:lnL>
+                    <a:lnR w="12700" cap="flat" cmpd="sng" algn="ctr">
+                      <a:solidFill>
+                        <a:schemeClr val="tx1"/>
+                      </a:solidFill>
+                      <a:prstDash val="solid"/>
+                      <a:round/>
+                      <a:headEnd type="none" w="med" len="med"/>
+                      <a:tailEnd type="none" w="med" len="med"/>
+                    </a:lnR>
+                    <a:lnT w="12700" cap="flat" cmpd="sng" algn="ctr">
+                      <a:solidFill>
+                        <a:schemeClr val="tx1"/>
+                      </a:solidFill>
+                      <a:prstDash val="solid"/>
+                      <a:round/>
+                      <a:headEnd type="none" w="med" len="med"/>
+                      <a:tailEnd type="none" w="med" len="med"/>
+                    </a:lnT>
+                    <a:lnB w="12700" cap="flat" cmpd="sng" algn="ctr">
+                      <a:solidFill>
+                        <a:schemeClr val="tx1"/>
+                      </a:solidFill>
+                      <a:prstDash val="solid"/>
+                      <a:round/>
+                      <a:headEnd type="none" w="med" len="med"/>
+                      <a:tailEnd type="none" w="med" len="med"/>
+                    </a:lnB>
+                    <a:solidFill>
+                      <a:schemeClr val="bg1"/>
+                    </a:solidFill>
+                  </a:tcPr>
+                </a:tc>
+                <a:tc>
+                  <a:txBody>
+                    <a:bodyPr/>
+                    <a:lstStyle/>
+                    <a:p>
+                      <a:r>
+                        <a:rPr lang="en-US" sz="4200" kern="1200" dirty="0" smtClean="0">
+                          <a:solidFill>
+                            <a:schemeClr val="bg1"/>
+                          </a:solidFill>
+                          <a:latin typeface="+mn-lt"/>
+                          <a:ea typeface="+mn-ea"/>
+                          <a:cs typeface="+mn-cs"/>
+                        </a:rPr>
+                        <a:t>2</a:t>
+                      </a:r>
+                      <a:endParaRPr lang="en-US" sz="4200" kern="1200" dirty="0">
+                        <a:solidFill>
+                          <a:schemeClr val="bg1"/>
+                        </a:solidFill>
+                        <a:latin typeface="+mn-lt"/>
+                        <a:ea typeface="+mn-ea"/>
+                        <a:cs typeface="+mn-cs"/>
+                      </a:endParaRPr>
+                    </a:p>
+                  </a:txBody>
+                  <a:tcPr>
+                    <a:lnL w="12700" cap="flat" cmpd="sng" algn="ctr">
+                      <a:solidFill>
+                        <a:schemeClr val="tx1"/>
+                      </a:solidFill>
+                      <a:prstDash val="solid"/>
+                      <a:round/>
+                      <a:headEnd type="none" w="med" len="med"/>
+                      <a:tailEnd type="none" w="med" len="med"/>
+                    </a:lnL>
+                    <a:lnR w="12700" cap="flat" cmpd="sng" algn="ctr">
+                      <a:solidFill>
+                        <a:schemeClr val="tx1"/>
+                      </a:solidFill>
+                      <a:prstDash val="solid"/>
+                      <a:round/>
+                      <a:headEnd type="none" w="med" len="med"/>
+                      <a:tailEnd type="none" w="med" len="med"/>
+                    </a:lnR>
+                    <a:lnT w="12700" cap="flat" cmpd="sng" algn="ctr">
+                      <a:solidFill>
+                        <a:schemeClr val="tx1"/>
+                      </a:solidFill>
+                      <a:prstDash val="solid"/>
+                      <a:round/>
+                      <a:headEnd type="none" w="med" len="med"/>
+                      <a:tailEnd type="none" w="med" len="med"/>
+                    </a:lnT>
+                    <a:lnB w="12700" cap="flat" cmpd="sng" algn="ctr">
+                      <a:solidFill>
+                        <a:schemeClr val="tx1"/>
+                      </a:solidFill>
+                      <a:prstDash val="solid"/>
+                      <a:round/>
+                      <a:headEnd type="none" w="med" len="med"/>
+                      <a:tailEnd type="none" w="med" len="med"/>
+                    </a:lnB>
+                    <a:solidFill>
+                      <a:srgbClr val="00B0F0"/>
+                    </a:solidFill>
+                  </a:tcPr>
+                </a:tc>
+              </a:tr>
+              <a:tr h="370840">
+                <a:tc>
+                  <a:txBody>
+                    <a:bodyPr/>
+                    <a:lstStyle/>
+                    <a:p>
+                      <a:r>
+                        <a:rPr lang="en-US" sz="4200" b="0" dirty="0" smtClean="0">
+                          <a:solidFill>
+                            <a:schemeClr val="tx1"/>
+                          </a:solidFill>
+                        </a:rPr>
+                        <a:t>2</a:t>
+                      </a:r>
+                      <a:endParaRPr lang="en-US" sz="4200" b="0" dirty="0">
+                        <a:solidFill>
+                          <a:schemeClr val="tx1"/>
+                        </a:solidFill>
+                      </a:endParaRPr>
+                    </a:p>
+                  </a:txBody>
+                  <a:tcPr>
+                    <a:lnL w="12700" cap="flat" cmpd="sng" algn="ctr">
+                      <a:solidFill>
+                        <a:schemeClr val="tx1"/>
+                      </a:solidFill>
+                      <a:prstDash val="solid"/>
+                      <a:round/>
+                      <a:headEnd type="none" w="med" len="med"/>
+                      <a:tailEnd type="none" w="med" len="med"/>
+                    </a:lnL>
+                    <a:lnR w="12700" cap="flat" cmpd="sng" algn="ctr">
+                      <a:solidFill>
+                        <a:schemeClr val="tx1"/>
+                      </a:solidFill>
+                      <a:prstDash val="solid"/>
+                      <a:round/>
+                      <a:headEnd type="none" w="med" len="med"/>
+                      <a:tailEnd type="none" w="med" len="med"/>
+                    </a:lnR>
+                    <a:lnT w="12700" cap="flat" cmpd="sng" algn="ctr">
+                      <a:solidFill>
+                        <a:schemeClr val="tx1"/>
+                      </a:solidFill>
+                      <a:prstDash val="solid"/>
+                      <a:round/>
+                      <a:headEnd type="none" w="med" len="med"/>
+                      <a:tailEnd type="none" w="med" len="med"/>
+                    </a:lnT>
+                    <a:lnB w="12700" cap="flat" cmpd="sng" algn="ctr">
+                      <a:solidFill>
+                        <a:schemeClr val="tx1"/>
+                      </a:solidFill>
+                      <a:prstDash val="solid"/>
+                      <a:round/>
+                      <a:headEnd type="none" w="med" len="med"/>
+                      <a:tailEnd type="none" w="med" len="med"/>
+                    </a:lnB>
+                    <a:solidFill>
+                      <a:schemeClr val="bg1"/>
+                    </a:solidFill>
+                  </a:tcPr>
+                </a:tc>
+                <a:tc>
+                  <a:txBody>
+                    <a:bodyPr/>
+                    <a:lstStyle/>
+                    <a:p>
+                      <a:r>
+                        <a:rPr lang="en-US" sz="4200" kern="1200" dirty="0" smtClean="0">
+                          <a:solidFill>
+                            <a:schemeClr val="bg1"/>
+                          </a:solidFill>
+                          <a:latin typeface="+mn-lt"/>
+                          <a:ea typeface="+mn-ea"/>
+                          <a:cs typeface="+mn-cs"/>
+                        </a:rPr>
+                        <a:t>1</a:t>
+                      </a:r>
+                      <a:endParaRPr lang="en-US" sz="4200" kern="1200" dirty="0">
+                        <a:solidFill>
+                          <a:schemeClr val="bg1"/>
+                        </a:solidFill>
+                        <a:latin typeface="+mn-lt"/>
+                        <a:ea typeface="+mn-ea"/>
+                        <a:cs typeface="+mn-cs"/>
+                      </a:endParaRPr>
+                    </a:p>
+                  </a:txBody>
+                  <a:tcPr>
+                    <a:lnL w="12700" cap="flat" cmpd="sng" algn="ctr">
+                      <a:solidFill>
+                        <a:schemeClr val="tx1"/>
+                      </a:solidFill>
+                      <a:prstDash val="solid"/>
+                      <a:round/>
+                      <a:headEnd type="none" w="med" len="med"/>
+                      <a:tailEnd type="none" w="med" len="med"/>
+                    </a:lnL>
+                    <a:lnR w="12700" cap="flat" cmpd="sng" algn="ctr">
+                      <a:solidFill>
+                        <a:schemeClr val="tx1"/>
+                      </a:solidFill>
+                      <a:prstDash val="solid"/>
+                      <a:round/>
+                      <a:headEnd type="none" w="med" len="med"/>
+                      <a:tailEnd type="none" w="med" len="med"/>
+                    </a:lnR>
+                    <a:lnT w="12700" cap="flat" cmpd="sng" algn="ctr">
+                      <a:solidFill>
+                        <a:schemeClr val="tx1"/>
+                      </a:solidFill>
+                      <a:prstDash val="solid"/>
+                      <a:round/>
+                      <a:headEnd type="none" w="med" len="med"/>
+                      <a:tailEnd type="none" w="med" len="med"/>
+                    </a:lnT>
+                    <a:lnB w="12700" cap="flat" cmpd="sng" algn="ctr">
+                      <a:solidFill>
+                        <a:schemeClr val="tx1"/>
+                      </a:solidFill>
+                      <a:prstDash val="solid"/>
+                      <a:round/>
+                      <a:headEnd type="none" w="med" len="med"/>
+                      <a:tailEnd type="none" w="med" len="med"/>
+                    </a:lnB>
+                    <a:solidFill>
+                      <a:srgbClr val="00B0F0"/>
+                    </a:solidFill>
+                  </a:tcPr>
+                </a:tc>
+              </a:tr>
+              <a:tr h="370840">
+                <a:tc>
+                  <a:txBody>
+                    <a:bodyPr/>
+                    <a:lstStyle/>
+                    <a:p>
+                      <a:r>
+                        <a:rPr lang="en-US" sz="4200" b="0" dirty="0" smtClean="0">
+                          <a:solidFill>
+                            <a:schemeClr val="tx1"/>
+                          </a:solidFill>
+                        </a:rPr>
+                        <a:t>2</a:t>
+                      </a:r>
+                      <a:endParaRPr lang="en-US" sz="4200" b="0" dirty="0">
+                        <a:solidFill>
+                          <a:schemeClr val="tx1"/>
+                        </a:solidFill>
+                      </a:endParaRPr>
+                    </a:p>
+                  </a:txBody>
+                  <a:tcPr>
+                    <a:lnL w="12700" cap="flat" cmpd="sng" algn="ctr">
+                      <a:solidFill>
+                        <a:schemeClr val="tx1"/>
+                      </a:solidFill>
+                      <a:prstDash val="solid"/>
+                      <a:round/>
+                      <a:headEnd type="none" w="med" len="med"/>
+                      <a:tailEnd type="none" w="med" len="med"/>
+                    </a:lnL>
+                    <a:lnR w="12700" cap="flat" cmpd="sng" algn="ctr">
+                      <a:solidFill>
+                        <a:schemeClr val="tx1"/>
+                      </a:solidFill>
+                      <a:prstDash val="solid"/>
+                      <a:round/>
+                      <a:headEnd type="none" w="med" len="med"/>
+                      <a:tailEnd type="none" w="med" len="med"/>
+                    </a:lnR>
+                    <a:lnT w="12700" cap="flat" cmpd="sng" algn="ctr">
+                      <a:solidFill>
+                        <a:schemeClr val="tx1"/>
+                      </a:solidFill>
+                      <a:prstDash val="solid"/>
+                      <a:round/>
+                      <a:headEnd type="none" w="med" len="med"/>
+                      <a:tailEnd type="none" w="med" len="med"/>
+                    </a:lnT>
+                    <a:lnB w="12700" cap="flat" cmpd="sng" algn="ctr">
+                      <a:solidFill>
+                        <a:schemeClr val="tx1"/>
+                      </a:solidFill>
+                      <a:prstDash val="solid"/>
+                      <a:round/>
+                      <a:headEnd type="none" w="med" len="med"/>
+                      <a:tailEnd type="none" w="med" len="med"/>
+                    </a:lnB>
+                    <a:solidFill>
+                      <a:schemeClr val="bg1"/>
+                    </a:solidFill>
+                  </a:tcPr>
+                </a:tc>
+                <a:tc>
+                  <a:txBody>
+                    <a:bodyPr/>
+                    <a:lstStyle/>
+                    <a:p>
+                      <a:r>
+                        <a:rPr lang="en-US" sz="4200" kern="1200" dirty="0" smtClean="0">
+                          <a:solidFill>
+                            <a:schemeClr val="bg1"/>
+                          </a:solidFill>
+                          <a:latin typeface="+mn-lt"/>
+                          <a:ea typeface="+mn-ea"/>
+                          <a:cs typeface="+mn-cs"/>
+                        </a:rPr>
+                        <a:t>2</a:t>
+                      </a:r>
+                      <a:endParaRPr lang="en-US" sz="4200" kern="1200" dirty="0">
+                        <a:solidFill>
+                          <a:schemeClr val="bg1"/>
+                        </a:solidFill>
+                        <a:latin typeface="+mn-lt"/>
+                        <a:ea typeface="+mn-ea"/>
+                        <a:cs typeface="+mn-cs"/>
+                      </a:endParaRPr>
+                    </a:p>
+                  </a:txBody>
+                  <a:tcPr>
+                    <a:lnL w="12700" cap="flat" cmpd="sng" algn="ctr">
+                      <a:solidFill>
+                        <a:schemeClr val="tx1"/>
+                      </a:solidFill>
+                      <a:prstDash val="solid"/>
+                      <a:round/>
+                      <a:headEnd type="none" w="med" len="med"/>
+                      <a:tailEnd type="none" w="med" len="med"/>
+                    </a:lnL>
+                    <a:lnR w="12700" cap="flat" cmpd="sng" algn="ctr">
+                      <a:solidFill>
+                        <a:schemeClr val="tx1"/>
+                      </a:solidFill>
+                      <a:prstDash val="solid"/>
+                      <a:round/>
+                      <a:headEnd type="none" w="med" len="med"/>
+                      <a:tailEnd type="none" w="med" len="med"/>
+                    </a:lnR>
+                    <a:lnT w="12700" cap="flat" cmpd="sng" algn="ctr">
+                      <a:solidFill>
+                        <a:schemeClr val="tx1"/>
+                      </a:solidFill>
+                      <a:prstDash val="solid"/>
+                      <a:round/>
+                      <a:headEnd type="none" w="med" len="med"/>
+                      <a:tailEnd type="none" w="med" len="med"/>
+                    </a:lnT>
+                    <a:lnB w="12700" cap="flat" cmpd="sng" algn="ctr">
+                      <a:solidFill>
+                        <a:schemeClr val="tx1"/>
+                      </a:solidFill>
+                      <a:prstDash val="solid"/>
+                      <a:round/>
+                      <a:headEnd type="none" w="med" len="med"/>
+                      <a:tailEnd type="none" w="med" len="med"/>
+                    </a:lnB>
+                    <a:solidFill>
+                      <a:srgbClr val="00B0F0"/>
+                    </a:solidFill>
+                  </a:tcPr>
+                </a:tc>
+              </a:tr>
+            </a:tbl>
+          </a:graphicData>
+        </a:graphic>
+      </p:graphicFrame>
+      <p:graphicFrame>
+        <p:nvGraphicFramePr>
+          <p:cNvPr id="9" name="Table 8"/>
+          <p:cNvGraphicFramePr>
+            <a:graphicFrameLocks noGrp="1"/>
+          </p:cNvGraphicFramePr>
+          <p:nvPr>
+            <p:extLst>
+              <p:ext uri="{D42A27DB-BD31-4B8C-83A1-F6EECF244321}">
+                <p14:modId xmlns:p14="http://schemas.microsoft.com/office/powerpoint/2010/main" val="1461564674"/>
+              </p:ext>
+            </p:extLst>
+          </p:nvPr>
+        </p:nvGraphicFramePr>
+        <p:xfrm>
+          <a:off x="2431018" y="1559100"/>
+          <a:ext cx="946718" cy="2926080"/>
+        </p:xfrm>
+        <a:graphic>
+          <a:graphicData uri="http://schemas.openxmlformats.org/drawingml/2006/table">
+            <a:tbl>
+              <a:tblPr>
+                <a:tableStyleId>{5C22544A-7EE6-4342-B048-85BDC9FD1C3A}</a:tableStyleId>
+              </a:tblPr>
+              <a:tblGrid>
+                <a:gridCol w="497831"/>
+                <a:gridCol w="448887"/>
+              </a:tblGrid>
+              <a:tr h="370840">
+                <a:tc>
+                  <a:txBody>
+                    <a:bodyPr/>
+                    <a:lstStyle/>
+                    <a:p>
+                      <a:r>
+                        <a:rPr lang="en-US" sz="4200" dirty="0" smtClean="0"/>
+                        <a:t>2</a:t>
+                      </a:r>
+                      <a:endParaRPr lang="en-US" sz="4200" dirty="0"/>
+                    </a:p>
+                  </a:txBody>
+                  <a:tcPr>
+                    <a:lnL w="12700" cap="flat" cmpd="sng" algn="ctr">
+                      <a:solidFill>
+                        <a:schemeClr val="tx1"/>
+                      </a:solidFill>
+                      <a:prstDash val="solid"/>
+                      <a:round/>
+                      <a:headEnd type="none" w="med" len="med"/>
+                      <a:tailEnd type="none" w="med" len="med"/>
+                    </a:lnL>
+                    <a:lnR w="12700" cap="flat" cmpd="sng" algn="ctr">
+                      <a:solidFill>
+                        <a:schemeClr val="tx1"/>
+                      </a:solidFill>
+                      <a:prstDash val="solid"/>
+                      <a:round/>
+                      <a:headEnd type="none" w="med" len="med"/>
+                      <a:tailEnd type="none" w="med" len="med"/>
+                    </a:lnR>
+                    <a:lnT w="12700" cap="flat" cmpd="sng" algn="ctr">
+                      <a:solidFill>
+                        <a:schemeClr val="tx1"/>
+                      </a:solidFill>
+                      <a:prstDash val="solid"/>
+                      <a:round/>
+                      <a:headEnd type="none" w="med" len="med"/>
+                      <a:tailEnd type="none" w="med" len="med"/>
+                    </a:lnT>
+                    <a:lnB w="12700" cap="flat" cmpd="sng" algn="ctr">
+                      <a:solidFill>
+                        <a:schemeClr val="tx1"/>
+                      </a:solidFill>
+                      <a:prstDash val="solid"/>
+                      <a:round/>
+                      <a:headEnd type="none" w="med" len="med"/>
+                      <a:tailEnd type="none" w="med" len="med"/>
+                    </a:lnB>
+                    <a:solidFill>
+                      <a:schemeClr val="bg1"/>
+                    </a:solidFill>
+                  </a:tcPr>
+                </a:tc>
+                <a:tc>
+                  <a:txBody>
+                    <a:bodyPr/>
+                    <a:lstStyle/>
+                    <a:p>
+                      <a:r>
+                        <a:rPr lang="en-US" sz="4200" dirty="0" smtClean="0"/>
+                        <a:t>2</a:t>
+                      </a:r>
+                      <a:endParaRPr lang="en-US" sz="4200" dirty="0"/>
+                    </a:p>
+                  </a:txBody>
+                  <a:tcPr>
+                    <a:lnL w="12700" cap="flat" cmpd="sng" algn="ctr">
+                      <a:solidFill>
+                        <a:schemeClr val="tx1"/>
+                      </a:solidFill>
+                      <a:prstDash val="solid"/>
+                      <a:round/>
+                      <a:headEnd type="none" w="med" len="med"/>
+                      <a:tailEnd type="none" w="med" len="med"/>
+                    </a:lnL>
+                    <a:lnR w="12700" cap="flat" cmpd="sng" algn="ctr">
+                      <a:solidFill>
+                        <a:schemeClr val="tx1"/>
+                      </a:solidFill>
+                      <a:prstDash val="solid"/>
+                      <a:round/>
+                      <a:headEnd type="none" w="med" len="med"/>
+                      <a:tailEnd type="none" w="med" len="med"/>
+                    </a:lnR>
+                    <a:lnT w="12700" cap="flat" cmpd="sng" algn="ctr">
+                      <a:solidFill>
+                        <a:schemeClr val="tx1"/>
+                      </a:solidFill>
+                      <a:prstDash val="solid"/>
+                      <a:round/>
+                      <a:headEnd type="none" w="med" len="med"/>
+                      <a:tailEnd type="none" w="med" len="med"/>
+                    </a:lnT>
+                    <a:lnB w="12700" cap="flat" cmpd="sng" algn="ctr">
+                      <a:solidFill>
+                        <a:schemeClr val="tx1"/>
+                      </a:solidFill>
+                      <a:prstDash val="solid"/>
+                      <a:round/>
+                      <a:headEnd type="none" w="med" len="med"/>
+                      <a:tailEnd type="none" w="med" len="med"/>
+                    </a:lnB>
+                    <a:solidFill>
+                      <a:schemeClr val="bg1"/>
+                    </a:solidFill>
+                  </a:tcPr>
+                </a:tc>
+              </a:tr>
+              <a:tr h="370840">
+                <a:tc>
+                  <a:txBody>
+                    <a:bodyPr/>
+                    <a:lstStyle/>
+                    <a:p>
+                      <a:r>
+                        <a:rPr lang="en-US" sz="4200" dirty="0" smtClean="0"/>
+                        <a:t>1</a:t>
+                      </a:r>
+                      <a:endParaRPr lang="en-US" sz="4200" dirty="0"/>
+                    </a:p>
+                  </a:txBody>
+                  <a:tcPr>
+                    <a:lnL w="12700" cap="flat" cmpd="sng" algn="ctr">
+                      <a:solidFill>
+                        <a:schemeClr val="tx1"/>
+                      </a:solidFill>
+                      <a:prstDash val="solid"/>
+                      <a:round/>
+                      <a:headEnd type="none" w="med" len="med"/>
+                      <a:tailEnd type="none" w="med" len="med"/>
+                    </a:lnL>
+                    <a:lnR w="12700" cap="flat" cmpd="sng" algn="ctr">
+                      <a:solidFill>
+                        <a:schemeClr val="tx1"/>
+                      </a:solidFill>
+                      <a:prstDash val="solid"/>
+                      <a:round/>
+                      <a:headEnd type="none" w="med" len="med"/>
+                      <a:tailEnd type="none" w="med" len="med"/>
+                    </a:lnR>
+                    <a:lnT w="12700" cap="flat" cmpd="sng" algn="ctr">
+                      <a:solidFill>
+                        <a:schemeClr val="tx1"/>
+                      </a:solidFill>
+                      <a:prstDash val="solid"/>
+                      <a:round/>
+                      <a:headEnd type="none" w="med" len="med"/>
+                      <a:tailEnd type="none" w="med" len="med"/>
+                    </a:lnT>
+                    <a:lnB w="12700" cap="flat" cmpd="sng" algn="ctr">
+                      <a:solidFill>
+                        <a:schemeClr val="tx1"/>
+                      </a:solidFill>
+                      <a:prstDash val="solid"/>
+                      <a:round/>
+                      <a:headEnd type="none" w="med" len="med"/>
+                      <a:tailEnd type="none" w="med" len="med"/>
+                    </a:lnB>
+                    <a:solidFill>
+                      <a:schemeClr val="bg1"/>
+                    </a:solidFill>
+                  </a:tcPr>
+                </a:tc>
+                <a:tc>
+                  <a:txBody>
+                    <a:bodyPr/>
+                    <a:lstStyle/>
+                    <a:p>
+                      <a:r>
+                        <a:rPr lang="en-US" sz="4200" dirty="0" smtClean="0"/>
+                        <a:t>2</a:t>
+                      </a:r>
+                      <a:endParaRPr lang="en-US" sz="4200" dirty="0"/>
+                    </a:p>
+                  </a:txBody>
+                  <a:tcPr>
+                    <a:lnL w="12700" cap="flat" cmpd="sng" algn="ctr">
+                      <a:solidFill>
+                        <a:schemeClr val="tx1"/>
+                      </a:solidFill>
+                      <a:prstDash val="solid"/>
+                      <a:round/>
+                      <a:headEnd type="none" w="med" len="med"/>
+                      <a:tailEnd type="none" w="med" len="med"/>
+                    </a:lnL>
+                    <a:lnR w="12700" cap="flat" cmpd="sng" algn="ctr">
+                      <a:solidFill>
+                        <a:schemeClr val="tx1"/>
+                      </a:solidFill>
+                      <a:prstDash val="solid"/>
+                      <a:round/>
+                      <a:headEnd type="none" w="med" len="med"/>
+                      <a:tailEnd type="none" w="med" len="med"/>
+                    </a:lnR>
+                    <a:lnT w="12700" cap="flat" cmpd="sng" algn="ctr">
+                      <a:solidFill>
+                        <a:schemeClr val="tx1"/>
+                      </a:solidFill>
+                      <a:prstDash val="solid"/>
+                      <a:round/>
+                      <a:headEnd type="none" w="med" len="med"/>
+                      <a:tailEnd type="none" w="med" len="med"/>
+                    </a:lnT>
+                    <a:lnB w="12700" cap="flat" cmpd="sng" algn="ctr">
+                      <a:solidFill>
+                        <a:schemeClr val="tx1"/>
+                      </a:solidFill>
+                      <a:prstDash val="solid"/>
+                      <a:round/>
+                      <a:headEnd type="none" w="med" len="med"/>
+                      <a:tailEnd type="none" w="med" len="med"/>
+                    </a:lnB>
+                    <a:solidFill>
+                      <a:schemeClr val="bg1"/>
+                    </a:solidFill>
+                  </a:tcPr>
+                </a:tc>
+              </a:tr>
+              <a:tr h="370840">
+                <a:tc>
+                  <a:txBody>
+                    <a:bodyPr/>
+                    <a:lstStyle/>
+                    <a:p>
+                      <a:r>
+                        <a:rPr lang="en-US" sz="4200" dirty="0" smtClean="0"/>
+                        <a:t>1</a:t>
+                      </a:r>
+                      <a:endParaRPr lang="en-US" sz="4200" dirty="0"/>
+                    </a:p>
+                  </a:txBody>
+                  <a:tcPr>
+                    <a:lnL w="12700" cap="flat" cmpd="sng" algn="ctr">
+                      <a:solidFill>
+                        <a:schemeClr val="tx1"/>
+                      </a:solidFill>
+                      <a:prstDash val="solid"/>
+                      <a:round/>
+                      <a:headEnd type="none" w="med" len="med"/>
+                      <a:tailEnd type="none" w="med" len="med"/>
+                    </a:lnL>
+                    <a:lnR w="12700" cap="flat" cmpd="sng" algn="ctr">
+                      <a:solidFill>
+                        <a:schemeClr val="tx1"/>
+                      </a:solidFill>
+                      <a:prstDash val="solid"/>
+                      <a:round/>
+                      <a:headEnd type="none" w="med" len="med"/>
+                      <a:tailEnd type="none" w="med" len="med"/>
+                    </a:lnR>
+                    <a:lnT w="12700" cap="flat" cmpd="sng" algn="ctr">
+                      <a:solidFill>
+                        <a:schemeClr val="tx1"/>
+                      </a:solidFill>
+                      <a:prstDash val="solid"/>
+                      <a:round/>
+                      <a:headEnd type="none" w="med" len="med"/>
+                      <a:tailEnd type="none" w="med" len="med"/>
+                    </a:lnT>
+                    <a:lnB w="12700" cap="flat" cmpd="sng" algn="ctr">
+                      <a:solidFill>
+                        <a:schemeClr val="tx1"/>
+                      </a:solidFill>
+                      <a:prstDash val="solid"/>
+                      <a:round/>
+                      <a:headEnd type="none" w="med" len="med"/>
+                      <a:tailEnd type="none" w="med" len="med"/>
+                    </a:lnB>
+                    <a:solidFill>
+                      <a:schemeClr val="bg1"/>
+                    </a:solidFill>
+                  </a:tcPr>
+                </a:tc>
+                <a:tc>
+                  <a:txBody>
+                    <a:bodyPr/>
+                    <a:lstStyle/>
+                    <a:p>
+                      <a:r>
+                        <a:rPr lang="en-US" sz="4200" dirty="0" smtClean="0"/>
+                        <a:t>1</a:t>
+                      </a:r>
+                      <a:endParaRPr lang="en-US" sz="4200" dirty="0"/>
+                    </a:p>
+                  </a:txBody>
+                  <a:tcPr>
+                    <a:lnL w="12700" cap="flat" cmpd="sng" algn="ctr">
+                      <a:solidFill>
+                        <a:schemeClr val="tx1"/>
+                      </a:solidFill>
+                      <a:prstDash val="solid"/>
+                      <a:round/>
+                      <a:headEnd type="none" w="med" len="med"/>
+                      <a:tailEnd type="none" w="med" len="med"/>
+                    </a:lnL>
+                    <a:lnR w="12700" cap="flat" cmpd="sng" algn="ctr">
+                      <a:solidFill>
+                        <a:schemeClr val="tx1"/>
+                      </a:solidFill>
+                      <a:prstDash val="solid"/>
+                      <a:round/>
+                      <a:headEnd type="none" w="med" len="med"/>
+                      <a:tailEnd type="none" w="med" len="med"/>
+                    </a:lnR>
+                    <a:lnT w="12700" cap="flat" cmpd="sng" algn="ctr">
+                      <a:solidFill>
+                        <a:schemeClr val="tx1"/>
+                      </a:solidFill>
+                      <a:prstDash val="solid"/>
+                      <a:round/>
+                      <a:headEnd type="none" w="med" len="med"/>
+                      <a:tailEnd type="none" w="med" len="med"/>
+                    </a:lnT>
+                    <a:lnB w="12700" cap="flat" cmpd="sng" algn="ctr">
+                      <a:solidFill>
+                        <a:schemeClr val="tx1"/>
+                      </a:solidFill>
+                      <a:prstDash val="solid"/>
+                      <a:round/>
+                      <a:headEnd type="none" w="med" len="med"/>
+                      <a:tailEnd type="none" w="med" len="med"/>
+                    </a:lnB>
+                    <a:solidFill>
+                      <a:schemeClr val="bg1"/>
+                    </a:solidFill>
+                  </a:tcPr>
+                </a:tc>
+              </a:tr>
+              <a:tr h="370840">
+                <a:tc>
+                  <a:txBody>
+                    <a:bodyPr/>
+                    <a:lstStyle/>
+                    <a:p>
+                      <a:r>
+                        <a:rPr lang="en-US" sz="4200" dirty="0" smtClean="0"/>
+                        <a:t>2</a:t>
+                      </a:r>
+                      <a:endParaRPr lang="en-US" sz="4200" dirty="0"/>
+                    </a:p>
+                  </a:txBody>
+                  <a:tcPr>
+                    <a:lnL w="12700" cap="flat" cmpd="sng" algn="ctr">
+                      <a:solidFill>
+                        <a:schemeClr val="tx1"/>
+                      </a:solidFill>
+                      <a:prstDash val="solid"/>
+                      <a:round/>
+                      <a:headEnd type="none" w="med" len="med"/>
+                      <a:tailEnd type="none" w="med" len="med"/>
+                    </a:lnL>
+                    <a:lnR w="12700" cap="flat" cmpd="sng" algn="ctr">
+                      <a:solidFill>
+                        <a:schemeClr val="tx1"/>
+                      </a:solidFill>
+                      <a:prstDash val="solid"/>
+                      <a:round/>
+                      <a:headEnd type="none" w="med" len="med"/>
+                      <a:tailEnd type="none" w="med" len="med"/>
+                    </a:lnR>
+                    <a:lnT w="12700" cap="flat" cmpd="sng" algn="ctr">
+                      <a:solidFill>
+                        <a:schemeClr val="tx1"/>
+                      </a:solidFill>
+                      <a:prstDash val="solid"/>
+                      <a:round/>
+                      <a:headEnd type="none" w="med" len="med"/>
+                      <a:tailEnd type="none" w="med" len="med"/>
+                    </a:lnT>
+                    <a:lnB w="12700" cap="flat" cmpd="sng" algn="ctr">
+                      <a:solidFill>
+                        <a:schemeClr val="tx1"/>
+                      </a:solidFill>
+                      <a:prstDash val="solid"/>
+                      <a:round/>
+                      <a:headEnd type="none" w="med" len="med"/>
+                      <a:tailEnd type="none" w="med" len="med"/>
+                    </a:lnB>
+                    <a:solidFill>
+                      <a:schemeClr val="bg1"/>
+                    </a:solidFill>
+                  </a:tcPr>
+                </a:tc>
+                <a:tc>
+                  <a:txBody>
+                    <a:bodyPr/>
+                    <a:lstStyle/>
+                    <a:p>
+                      <a:r>
+                        <a:rPr lang="en-US" sz="4200" dirty="0" smtClean="0"/>
+                        <a:t>1</a:t>
+                      </a:r>
+                      <a:endParaRPr lang="en-US" sz="4200" dirty="0"/>
+                    </a:p>
+                  </a:txBody>
+                  <a:tcPr>
+                    <a:lnL w="12700" cap="flat" cmpd="sng" algn="ctr">
+                      <a:solidFill>
+                        <a:schemeClr val="tx1"/>
+                      </a:solidFill>
+                      <a:prstDash val="solid"/>
+                      <a:round/>
+                      <a:headEnd type="none" w="med" len="med"/>
+                      <a:tailEnd type="none" w="med" len="med"/>
+                    </a:lnL>
+                    <a:lnR w="12700" cap="flat" cmpd="sng" algn="ctr">
+                      <a:solidFill>
+                        <a:schemeClr val="tx1"/>
+                      </a:solidFill>
+                      <a:prstDash val="solid"/>
+                      <a:round/>
+                      <a:headEnd type="none" w="med" len="med"/>
+                      <a:tailEnd type="none" w="med" len="med"/>
+                    </a:lnR>
+                    <a:lnT w="12700" cap="flat" cmpd="sng" algn="ctr">
+                      <a:solidFill>
+                        <a:schemeClr val="tx1"/>
+                      </a:solidFill>
+                      <a:prstDash val="solid"/>
+                      <a:round/>
+                      <a:headEnd type="none" w="med" len="med"/>
+                      <a:tailEnd type="none" w="med" len="med"/>
+                    </a:lnT>
+                    <a:lnB w="12700" cap="flat" cmpd="sng" algn="ctr">
+                      <a:solidFill>
+                        <a:schemeClr val="tx1"/>
+                      </a:solidFill>
+                      <a:prstDash val="solid"/>
+                      <a:round/>
+                      <a:headEnd type="none" w="med" len="med"/>
+                      <a:tailEnd type="none" w="med" len="med"/>
+                    </a:lnB>
+                    <a:solidFill>
+                      <a:schemeClr val="bg1"/>
+                    </a:solidFill>
+                  </a:tcPr>
+                </a:tc>
+              </a:tr>
+            </a:tbl>
+          </a:graphicData>
+        </a:graphic>
+      </p:graphicFrame>
+      <p:sp>
+        <p:nvSpPr>
+          <p:cNvPr id="3" name="Down Arrow 2"/>
+          <p:cNvSpPr/>
+          <p:nvPr/>
+        </p:nvSpPr>
+        <p:spPr>
+          <a:xfrm>
+            <a:off x="3075708" y="850673"/>
+            <a:ext cx="216131" cy="598516"/>
+          </a:xfrm>
+          <a:prstGeom prst="downArrow">
+            <a:avLst/>
+          </a:prstGeom>
+          <a:solidFill>
+            <a:schemeClr val="bg1"/>
+          </a:solidFill>
+          <a:ln>
+            <a:solidFill>
+              <a:schemeClr val="tx2"/>
+            </a:solidFill>
+          </a:ln>
+        </p:spPr>
+        <p:style>
+          <a:lnRef idx="2">
+            <a:schemeClr val="accent1">
+              <a:shade val="50000"/>
+            </a:schemeClr>
+          </a:lnRef>
+          <a:fillRef idx="1">
+            <a:schemeClr val="accent1"/>
+          </a:fillRef>
+          <a:effectRef idx="0">
+            <a:schemeClr val="accent1"/>
+          </a:effectRef>
+          <a:fontRef idx="minor">
+            <a:schemeClr val="lt1"/>
+          </a:fontRef>
+        </p:style>
+        <p:txBody>
+          <a:bodyPr rtlCol="0" anchor="ctr"/>
+          <a:lstStyle/>
+          <a:p>
+            <a:pPr algn="ctr"/>
+            <a:endParaRPr lang="en-US"/>
+          </a:p>
+        </p:txBody>
+      </p:sp>
+      <p:sp>
+        <p:nvSpPr>
+          <p:cNvPr id="11" name="Down Arrow 10"/>
+          <p:cNvSpPr/>
+          <p:nvPr/>
+        </p:nvSpPr>
+        <p:spPr>
+          <a:xfrm>
+            <a:off x="5921434" y="850673"/>
+            <a:ext cx="216131" cy="598516"/>
+          </a:xfrm>
+          <a:prstGeom prst="downArrow">
+            <a:avLst/>
+          </a:prstGeom>
+          <a:solidFill>
+            <a:schemeClr val="bg1"/>
+          </a:solidFill>
+          <a:ln>
+            <a:solidFill>
+              <a:schemeClr val="tx2"/>
+            </a:solidFill>
+          </a:ln>
+        </p:spPr>
+        <p:style>
+          <a:lnRef idx="2">
+            <a:schemeClr val="accent1">
+              <a:shade val="50000"/>
+            </a:schemeClr>
+          </a:lnRef>
+          <a:fillRef idx="1">
+            <a:schemeClr val="accent1"/>
+          </a:fillRef>
+          <a:effectRef idx="0">
+            <a:schemeClr val="accent1"/>
+          </a:effectRef>
+          <a:fontRef idx="minor">
+            <a:schemeClr val="lt1"/>
+          </a:fontRef>
+        </p:style>
+        <p:txBody>
+          <a:bodyPr rtlCol="0" anchor="ctr"/>
+          <a:lstStyle/>
+          <a:p>
+            <a:pPr algn="ctr"/>
+            <a:endParaRPr lang="en-US"/>
+          </a:p>
+        </p:txBody>
+      </p:sp>
+      <p:graphicFrame>
+        <p:nvGraphicFramePr>
+          <p:cNvPr id="12" name="Table 11"/>
+          <p:cNvGraphicFramePr>
+            <a:graphicFrameLocks noGrp="1"/>
+          </p:cNvGraphicFramePr>
+          <p:nvPr>
+            <p:extLst>
+              <p:ext uri="{D42A27DB-BD31-4B8C-83A1-F6EECF244321}">
+                <p14:modId xmlns:p14="http://schemas.microsoft.com/office/powerpoint/2010/main" val="2631593384"/>
+              </p:ext>
+            </p:extLst>
+          </p:nvPr>
+        </p:nvGraphicFramePr>
+        <p:xfrm>
+          <a:off x="5771809" y="1532314"/>
+          <a:ext cx="946718" cy="2926080"/>
+        </p:xfrm>
+        <a:graphic>
+          <a:graphicData uri="http://schemas.openxmlformats.org/drawingml/2006/table">
+            <a:tbl>
+              <a:tblPr>
+                <a:tableStyleId>{5C22544A-7EE6-4342-B048-85BDC9FD1C3A}</a:tableStyleId>
+              </a:tblPr>
+              <a:tblGrid>
+                <a:gridCol w="497831"/>
+                <a:gridCol w="448887"/>
+              </a:tblGrid>
+              <a:tr h="370840">
+                <a:tc>
+                  <a:txBody>
+                    <a:bodyPr/>
+                    <a:lstStyle/>
+                    <a:p>
+                      <a:r>
+                        <a:rPr lang="en-US" sz="4200" b="0" dirty="0" smtClean="0">
+                          <a:solidFill>
+                            <a:schemeClr val="tx1"/>
+                          </a:solidFill>
+                        </a:rPr>
+                        <a:t>1</a:t>
+                      </a:r>
+                      <a:endParaRPr lang="en-US" sz="4200" b="0" dirty="0">
+                        <a:solidFill>
+                          <a:schemeClr val="tx1"/>
+                        </a:solidFill>
+                      </a:endParaRPr>
+                    </a:p>
+                  </a:txBody>
+                  <a:tcPr>
+                    <a:lnL w="12700" cap="flat" cmpd="sng" algn="ctr">
+                      <a:solidFill>
+                        <a:schemeClr val="tx1"/>
+                      </a:solidFill>
+                      <a:prstDash val="solid"/>
+                      <a:round/>
+                      <a:headEnd type="none" w="med" len="med"/>
+                      <a:tailEnd type="none" w="med" len="med"/>
+                    </a:lnL>
+                    <a:lnR w="12700" cap="flat" cmpd="sng" algn="ctr">
+                      <a:solidFill>
+                        <a:schemeClr val="tx1"/>
+                      </a:solidFill>
+                      <a:prstDash val="solid"/>
+                      <a:round/>
+                      <a:headEnd type="none" w="med" len="med"/>
+                      <a:tailEnd type="none" w="med" len="med"/>
+                    </a:lnR>
+                    <a:lnT w="12700" cap="flat" cmpd="sng" algn="ctr">
+                      <a:solidFill>
+                        <a:schemeClr val="tx1"/>
+                      </a:solidFill>
+                      <a:prstDash val="solid"/>
+                      <a:round/>
+                      <a:headEnd type="none" w="med" len="med"/>
+                      <a:tailEnd type="none" w="med" len="med"/>
+                    </a:lnT>
+                    <a:lnB w="12700" cap="flat" cmpd="sng" algn="ctr">
+                      <a:solidFill>
+                        <a:schemeClr val="tx1"/>
+                      </a:solidFill>
+                      <a:prstDash val="solid"/>
+                      <a:round/>
+                      <a:headEnd type="none" w="med" len="med"/>
+                      <a:tailEnd type="none" w="med" len="med"/>
+                    </a:lnB>
+                    <a:solidFill>
+                      <a:schemeClr val="bg1"/>
+                    </a:solidFill>
+                  </a:tcPr>
+                </a:tc>
+                <a:tc>
+                  <a:txBody>
+                    <a:bodyPr/>
+                    <a:lstStyle/>
+                    <a:p>
+                      <a:r>
+                        <a:rPr lang="en-US" sz="4200" dirty="0" smtClean="0">
+                          <a:solidFill>
+                            <a:schemeClr val="bg1"/>
+                          </a:solidFill>
+                        </a:rPr>
+                        <a:t>1</a:t>
+                      </a:r>
+                      <a:endParaRPr lang="en-US" sz="4200" dirty="0">
+                        <a:solidFill>
+                          <a:schemeClr val="bg1"/>
+                        </a:solidFill>
+                      </a:endParaRPr>
+                    </a:p>
+                  </a:txBody>
+                  <a:tcPr>
+                    <a:lnL w="12700" cap="flat" cmpd="sng" algn="ctr">
+                      <a:solidFill>
+                        <a:schemeClr val="tx1"/>
+                      </a:solidFill>
+                      <a:prstDash val="solid"/>
+                      <a:round/>
+                      <a:headEnd type="none" w="med" len="med"/>
+                      <a:tailEnd type="none" w="med" len="med"/>
+                    </a:lnL>
+                    <a:lnR w="12700" cap="flat" cmpd="sng" algn="ctr">
+                      <a:solidFill>
+                        <a:schemeClr val="tx1"/>
+                      </a:solidFill>
+                      <a:prstDash val="solid"/>
+                      <a:round/>
+                      <a:headEnd type="none" w="med" len="med"/>
+                      <a:tailEnd type="none" w="med" len="med"/>
+                    </a:lnR>
+                    <a:lnT w="12700" cap="flat" cmpd="sng" algn="ctr">
+                      <a:solidFill>
+                        <a:schemeClr val="tx1"/>
+                      </a:solidFill>
+                      <a:prstDash val="solid"/>
+                      <a:round/>
+                      <a:headEnd type="none" w="med" len="med"/>
+                      <a:tailEnd type="none" w="med" len="med"/>
+                    </a:lnT>
+                    <a:lnB w="12700" cap="flat" cmpd="sng" algn="ctr">
+                      <a:solidFill>
+                        <a:schemeClr val="tx1"/>
+                      </a:solidFill>
+                      <a:prstDash val="solid"/>
+                      <a:round/>
+                      <a:headEnd type="none" w="med" len="med"/>
+                      <a:tailEnd type="none" w="med" len="med"/>
+                    </a:lnB>
+                    <a:solidFill>
+                      <a:srgbClr val="00B0F0"/>
+                    </a:solidFill>
+                  </a:tcPr>
+                </a:tc>
+              </a:tr>
+              <a:tr h="370840">
+                <a:tc>
+                  <a:txBody>
+                    <a:bodyPr/>
+                    <a:lstStyle/>
+                    <a:p>
+                      <a:r>
+                        <a:rPr lang="en-US" sz="4200" b="0" dirty="0" smtClean="0">
+                          <a:solidFill>
+                            <a:schemeClr val="tx1"/>
+                          </a:solidFill>
+                        </a:rPr>
+                        <a:t>2</a:t>
+                      </a:r>
+                      <a:endParaRPr lang="en-US" sz="4200" b="0" dirty="0">
+                        <a:solidFill>
+                          <a:schemeClr val="tx1"/>
+                        </a:solidFill>
+                      </a:endParaRPr>
+                    </a:p>
+                  </a:txBody>
+                  <a:tcPr>
+                    <a:lnL w="12700" cap="flat" cmpd="sng" algn="ctr">
+                      <a:solidFill>
+                        <a:schemeClr val="tx1"/>
+                      </a:solidFill>
+                      <a:prstDash val="solid"/>
+                      <a:round/>
+                      <a:headEnd type="none" w="med" len="med"/>
+                      <a:tailEnd type="none" w="med" len="med"/>
+                    </a:lnL>
+                    <a:lnR w="12700" cap="flat" cmpd="sng" algn="ctr">
+                      <a:solidFill>
+                        <a:schemeClr val="tx1"/>
+                      </a:solidFill>
+                      <a:prstDash val="solid"/>
+                      <a:round/>
+                      <a:headEnd type="none" w="med" len="med"/>
+                      <a:tailEnd type="none" w="med" len="med"/>
+                    </a:lnR>
+                    <a:lnT w="12700" cap="flat" cmpd="sng" algn="ctr">
+                      <a:solidFill>
+                        <a:schemeClr val="tx1"/>
+                      </a:solidFill>
+                      <a:prstDash val="solid"/>
+                      <a:round/>
+                      <a:headEnd type="none" w="med" len="med"/>
+                      <a:tailEnd type="none" w="med" len="med"/>
+                    </a:lnT>
+                    <a:lnB w="12700" cap="flat" cmpd="sng" algn="ctr">
+                      <a:solidFill>
+                        <a:schemeClr val="tx1"/>
+                      </a:solidFill>
+                      <a:prstDash val="solid"/>
+                      <a:round/>
+                      <a:headEnd type="none" w="med" len="med"/>
+                      <a:tailEnd type="none" w="med" len="med"/>
+                    </a:lnB>
+                    <a:solidFill>
+                      <a:schemeClr val="bg1"/>
+                    </a:solidFill>
+                  </a:tcPr>
+                </a:tc>
+                <a:tc>
+                  <a:txBody>
+                    <a:bodyPr/>
+                    <a:lstStyle/>
+                    <a:p>
+                      <a:r>
+                        <a:rPr lang="en-US" sz="4200" dirty="0" smtClean="0">
+                          <a:solidFill>
+                            <a:schemeClr val="bg1"/>
+                          </a:solidFill>
+                        </a:rPr>
+                        <a:t>1</a:t>
+                      </a:r>
+                      <a:endParaRPr lang="en-US" sz="4200" dirty="0">
+                        <a:solidFill>
+                          <a:schemeClr val="bg1"/>
+                        </a:solidFill>
+                      </a:endParaRPr>
+                    </a:p>
+                  </a:txBody>
+                  <a:tcPr>
+                    <a:lnL w="12700" cap="flat" cmpd="sng" algn="ctr">
+                      <a:solidFill>
+                        <a:schemeClr val="tx1"/>
+                      </a:solidFill>
+                      <a:prstDash val="solid"/>
+                      <a:round/>
+                      <a:headEnd type="none" w="med" len="med"/>
+                      <a:tailEnd type="none" w="med" len="med"/>
+                    </a:lnL>
+                    <a:lnR w="12700" cap="flat" cmpd="sng" algn="ctr">
+                      <a:solidFill>
+                        <a:schemeClr val="tx1"/>
+                      </a:solidFill>
+                      <a:prstDash val="solid"/>
+                      <a:round/>
+                      <a:headEnd type="none" w="med" len="med"/>
+                      <a:tailEnd type="none" w="med" len="med"/>
+                    </a:lnR>
+                    <a:lnT w="12700" cap="flat" cmpd="sng" algn="ctr">
+                      <a:solidFill>
+                        <a:schemeClr val="tx1"/>
+                      </a:solidFill>
+                      <a:prstDash val="solid"/>
+                      <a:round/>
+                      <a:headEnd type="none" w="med" len="med"/>
+                      <a:tailEnd type="none" w="med" len="med"/>
+                    </a:lnT>
+                    <a:lnB w="12700" cap="flat" cmpd="sng" algn="ctr">
+                      <a:solidFill>
+                        <a:schemeClr val="tx1"/>
+                      </a:solidFill>
+                      <a:prstDash val="solid"/>
+                      <a:round/>
+                      <a:headEnd type="none" w="med" len="med"/>
+                      <a:tailEnd type="none" w="med" len="med"/>
+                    </a:lnB>
+                    <a:solidFill>
+                      <a:srgbClr val="00B0F0"/>
+                    </a:solidFill>
+                  </a:tcPr>
+                </a:tc>
+              </a:tr>
+              <a:tr h="370840">
+                <a:tc>
+                  <a:txBody>
+                    <a:bodyPr/>
+                    <a:lstStyle/>
+                    <a:p>
+                      <a:r>
+                        <a:rPr lang="en-US" sz="4200" b="0" dirty="0" smtClean="0">
+                          <a:solidFill>
+                            <a:schemeClr val="tx1"/>
+                          </a:solidFill>
+                        </a:rPr>
+                        <a:t>2</a:t>
+                      </a:r>
+                      <a:endParaRPr lang="en-US" sz="4200" b="0" dirty="0">
+                        <a:solidFill>
+                          <a:schemeClr val="tx1"/>
+                        </a:solidFill>
+                      </a:endParaRPr>
+                    </a:p>
+                  </a:txBody>
+                  <a:tcPr>
+                    <a:lnL w="12700" cap="flat" cmpd="sng" algn="ctr">
+                      <a:solidFill>
+                        <a:schemeClr val="tx1"/>
+                      </a:solidFill>
+                      <a:prstDash val="solid"/>
+                      <a:round/>
+                      <a:headEnd type="none" w="med" len="med"/>
+                      <a:tailEnd type="none" w="med" len="med"/>
+                    </a:lnL>
+                    <a:lnR w="12700" cap="flat" cmpd="sng" algn="ctr">
+                      <a:solidFill>
+                        <a:schemeClr val="tx1"/>
+                      </a:solidFill>
+                      <a:prstDash val="solid"/>
+                      <a:round/>
+                      <a:headEnd type="none" w="med" len="med"/>
+                      <a:tailEnd type="none" w="med" len="med"/>
+                    </a:lnR>
+                    <a:lnT w="12700" cap="flat" cmpd="sng" algn="ctr">
+                      <a:solidFill>
+                        <a:schemeClr val="tx1"/>
+                      </a:solidFill>
+                      <a:prstDash val="solid"/>
+                      <a:round/>
+                      <a:headEnd type="none" w="med" len="med"/>
+                      <a:tailEnd type="none" w="med" len="med"/>
+                    </a:lnT>
+                    <a:lnB w="12700" cap="flat" cmpd="sng" algn="ctr">
+                      <a:solidFill>
+                        <a:schemeClr val="tx1"/>
+                      </a:solidFill>
+                      <a:prstDash val="solid"/>
+                      <a:round/>
+                      <a:headEnd type="none" w="med" len="med"/>
+                      <a:tailEnd type="none" w="med" len="med"/>
+                    </a:lnB>
+                    <a:solidFill>
+                      <a:schemeClr val="bg1"/>
+                    </a:solidFill>
+                  </a:tcPr>
+                </a:tc>
+                <a:tc>
+                  <a:txBody>
+                    <a:bodyPr/>
+                    <a:lstStyle/>
+                    <a:p>
+                      <a:r>
+                        <a:rPr lang="en-US" sz="4200" dirty="0" smtClean="0">
+                          <a:solidFill>
+                            <a:schemeClr val="bg1"/>
+                          </a:solidFill>
+                        </a:rPr>
+                        <a:t>2</a:t>
+                      </a:r>
+                      <a:endParaRPr lang="en-US" sz="4200" dirty="0">
+                        <a:solidFill>
+                          <a:schemeClr val="bg1"/>
+                        </a:solidFill>
+                      </a:endParaRPr>
+                    </a:p>
+                  </a:txBody>
+                  <a:tcPr>
+                    <a:lnL w="12700" cap="flat" cmpd="sng" algn="ctr">
+                      <a:solidFill>
+                        <a:schemeClr val="tx1"/>
+                      </a:solidFill>
+                      <a:prstDash val="solid"/>
+                      <a:round/>
+                      <a:headEnd type="none" w="med" len="med"/>
+                      <a:tailEnd type="none" w="med" len="med"/>
+                    </a:lnL>
+                    <a:lnR w="12700" cap="flat" cmpd="sng" algn="ctr">
+                      <a:solidFill>
+                        <a:schemeClr val="tx1"/>
+                      </a:solidFill>
+                      <a:prstDash val="solid"/>
+                      <a:round/>
+                      <a:headEnd type="none" w="med" len="med"/>
+                      <a:tailEnd type="none" w="med" len="med"/>
+                    </a:lnR>
+                    <a:lnT w="12700" cap="flat" cmpd="sng" algn="ctr">
+                      <a:solidFill>
+                        <a:schemeClr val="tx1"/>
+                      </a:solidFill>
+                      <a:prstDash val="solid"/>
+                      <a:round/>
+                      <a:headEnd type="none" w="med" len="med"/>
+                      <a:tailEnd type="none" w="med" len="med"/>
+                    </a:lnT>
+                    <a:lnB w="12700" cap="flat" cmpd="sng" algn="ctr">
+                      <a:solidFill>
+                        <a:schemeClr val="tx1"/>
+                      </a:solidFill>
+                      <a:prstDash val="solid"/>
+                      <a:round/>
+                      <a:headEnd type="none" w="med" len="med"/>
+                      <a:tailEnd type="none" w="med" len="med"/>
+                    </a:lnB>
+                    <a:solidFill>
+                      <a:srgbClr val="00B0F0"/>
+                    </a:solidFill>
+                  </a:tcPr>
+                </a:tc>
+              </a:tr>
+              <a:tr h="370840">
+                <a:tc>
+                  <a:txBody>
+                    <a:bodyPr/>
+                    <a:lstStyle/>
+                    <a:p>
+                      <a:r>
+                        <a:rPr lang="en-US" sz="4200" b="0" dirty="0" smtClean="0">
+                          <a:solidFill>
+                            <a:schemeClr val="tx1"/>
+                          </a:solidFill>
+                        </a:rPr>
+                        <a:t>1</a:t>
+                      </a:r>
+                      <a:endParaRPr lang="en-US" sz="4200" b="0" dirty="0">
+                        <a:solidFill>
+                          <a:schemeClr val="tx1"/>
+                        </a:solidFill>
+                      </a:endParaRPr>
+                    </a:p>
+                  </a:txBody>
+                  <a:tcPr>
+                    <a:lnL w="12700" cap="flat" cmpd="sng" algn="ctr">
+                      <a:solidFill>
+                        <a:schemeClr val="tx1"/>
+                      </a:solidFill>
+                      <a:prstDash val="solid"/>
+                      <a:round/>
+                      <a:headEnd type="none" w="med" len="med"/>
+                      <a:tailEnd type="none" w="med" len="med"/>
+                    </a:lnL>
+                    <a:lnR w="12700" cap="flat" cmpd="sng" algn="ctr">
+                      <a:solidFill>
+                        <a:schemeClr val="tx1"/>
+                      </a:solidFill>
+                      <a:prstDash val="solid"/>
+                      <a:round/>
+                      <a:headEnd type="none" w="med" len="med"/>
+                      <a:tailEnd type="none" w="med" len="med"/>
+                    </a:lnR>
+                    <a:lnT w="12700" cap="flat" cmpd="sng" algn="ctr">
+                      <a:solidFill>
+                        <a:schemeClr val="tx1"/>
+                      </a:solidFill>
+                      <a:prstDash val="solid"/>
+                      <a:round/>
+                      <a:headEnd type="none" w="med" len="med"/>
+                      <a:tailEnd type="none" w="med" len="med"/>
+                    </a:lnT>
+                    <a:lnB w="12700" cap="flat" cmpd="sng" algn="ctr">
+                      <a:solidFill>
+                        <a:schemeClr val="tx1"/>
+                      </a:solidFill>
+                      <a:prstDash val="solid"/>
+                      <a:round/>
+                      <a:headEnd type="none" w="med" len="med"/>
+                      <a:tailEnd type="none" w="med" len="med"/>
+                    </a:lnB>
+                    <a:solidFill>
+                      <a:schemeClr val="bg1"/>
+                    </a:solidFill>
+                  </a:tcPr>
+                </a:tc>
+                <a:tc>
+                  <a:txBody>
+                    <a:bodyPr/>
+                    <a:lstStyle/>
+                    <a:p>
+                      <a:r>
+                        <a:rPr lang="en-US" sz="4200" dirty="0" smtClean="0">
+                          <a:solidFill>
+                            <a:schemeClr val="bg1"/>
+                          </a:solidFill>
+                        </a:rPr>
+                        <a:t>2</a:t>
+                      </a:r>
+                      <a:endParaRPr lang="en-US" sz="4200" dirty="0">
+                        <a:solidFill>
+                          <a:schemeClr val="bg1"/>
+                        </a:solidFill>
+                      </a:endParaRPr>
+                    </a:p>
+                  </a:txBody>
+                  <a:tcPr>
+                    <a:lnL w="12700" cap="flat" cmpd="sng" algn="ctr">
+                      <a:solidFill>
+                        <a:schemeClr val="tx1"/>
+                      </a:solidFill>
+                      <a:prstDash val="solid"/>
+                      <a:round/>
+                      <a:headEnd type="none" w="med" len="med"/>
+                      <a:tailEnd type="none" w="med" len="med"/>
+                    </a:lnL>
+                    <a:lnR w="12700" cap="flat" cmpd="sng" algn="ctr">
+                      <a:solidFill>
+                        <a:schemeClr val="tx1"/>
+                      </a:solidFill>
+                      <a:prstDash val="solid"/>
+                      <a:round/>
+                      <a:headEnd type="none" w="med" len="med"/>
+                      <a:tailEnd type="none" w="med" len="med"/>
+                    </a:lnR>
+                    <a:lnT w="12700" cap="flat" cmpd="sng" algn="ctr">
+                      <a:solidFill>
+                        <a:schemeClr val="tx1"/>
+                      </a:solidFill>
+                      <a:prstDash val="solid"/>
+                      <a:round/>
+                      <a:headEnd type="none" w="med" len="med"/>
+                      <a:tailEnd type="none" w="med" len="med"/>
+                    </a:lnT>
+                    <a:lnB w="12700" cap="flat" cmpd="sng" algn="ctr">
+                      <a:solidFill>
+                        <a:schemeClr val="tx1"/>
+                      </a:solidFill>
+                      <a:prstDash val="solid"/>
+                      <a:round/>
+                      <a:headEnd type="none" w="med" len="med"/>
+                      <a:tailEnd type="none" w="med" len="med"/>
+                    </a:lnB>
+                    <a:solidFill>
+                      <a:srgbClr val="00B0F0"/>
+                    </a:solidFill>
+                  </a:tcPr>
+                </a:tc>
+              </a:tr>
+            </a:tbl>
+          </a:graphicData>
+        </a:graphic>
+      </p:graphicFrame>
+    </p:spTree>
+    <p:extLst>
+      <p:ext uri="{BB962C8B-B14F-4D97-AF65-F5344CB8AC3E}">
+        <p14:creationId xmlns:p14="http://schemas.microsoft.com/office/powerpoint/2010/main" val="2327685972"/>
+      </p:ext>
+    </p:extLst>
+  </p:cSld>
+  <p:clrMapOvr>
+    <a:masterClrMapping/>
+  </p:clrMapOvr>
+</p:sld>
+</file>
+
 <file path=ppt/theme/theme1.xml><?xml version="1.0" encoding="utf-8"?>
 <a:theme xmlns:a="http://schemas.openxmlformats.org/drawingml/2006/main" name="Office Theme">
   <a:themeElements>
